--- a/Word/.NET Core核心基础知识内容.pptx
+++ b/Word/.NET Core核心基础知识内容.pptx
@@ -13,6 +13,8 @@
     <p:sldId id="261" r:id="rId7"/>
     <p:sldId id="262" r:id="rId8"/>
     <p:sldId id="263" r:id="rId9"/>
+    <p:sldId id="264" r:id="rId10"/>
+    <p:sldId id="265" r:id="rId11"/>
   </p:sldIdLst>
   <p:sldSz cx="12192000" cy="6858000"/>
   <p:notesSz cx="6858000" cy="9144000"/>
@@ -266,7 +268,7 @@
           <a:p>
             <a:fld id="{866DEFEA-9B49-4C08-9654-B1CAE5D6D99F}" type="datetimeFigureOut">
               <a:rPr lang="zh-CN" altLang="en-US" smtClean="0"/>
-              <a:t>2021/6/1</a:t>
+              <a:t>2021/6/9</a:t>
             </a:fld>
             <a:endParaRPr lang="zh-CN" altLang="en-US"/>
           </a:p>
@@ -464,7 +466,7 @@
           <a:p>
             <a:fld id="{866DEFEA-9B49-4C08-9654-B1CAE5D6D99F}" type="datetimeFigureOut">
               <a:rPr lang="zh-CN" altLang="en-US" smtClean="0"/>
-              <a:t>2021/6/1</a:t>
+              <a:t>2021/6/9</a:t>
             </a:fld>
             <a:endParaRPr lang="zh-CN" altLang="en-US"/>
           </a:p>
@@ -672,7 +674,7 @@
           <a:p>
             <a:fld id="{866DEFEA-9B49-4C08-9654-B1CAE5D6D99F}" type="datetimeFigureOut">
               <a:rPr lang="zh-CN" altLang="en-US" smtClean="0"/>
-              <a:t>2021/6/1</a:t>
+              <a:t>2021/6/9</a:t>
             </a:fld>
             <a:endParaRPr lang="zh-CN" altLang="en-US"/>
           </a:p>
@@ -870,7 +872,7 @@
           <a:p>
             <a:fld id="{866DEFEA-9B49-4C08-9654-B1CAE5D6D99F}" type="datetimeFigureOut">
               <a:rPr lang="zh-CN" altLang="en-US" smtClean="0"/>
-              <a:t>2021/6/1</a:t>
+              <a:t>2021/6/9</a:t>
             </a:fld>
             <a:endParaRPr lang="zh-CN" altLang="en-US"/>
           </a:p>
@@ -1145,7 +1147,7 @@
           <a:p>
             <a:fld id="{866DEFEA-9B49-4C08-9654-B1CAE5D6D99F}" type="datetimeFigureOut">
               <a:rPr lang="zh-CN" altLang="en-US" smtClean="0"/>
-              <a:t>2021/6/1</a:t>
+              <a:t>2021/6/9</a:t>
             </a:fld>
             <a:endParaRPr lang="zh-CN" altLang="en-US"/>
           </a:p>
@@ -1410,7 +1412,7 @@
           <a:p>
             <a:fld id="{866DEFEA-9B49-4C08-9654-B1CAE5D6D99F}" type="datetimeFigureOut">
               <a:rPr lang="zh-CN" altLang="en-US" smtClean="0"/>
-              <a:t>2021/6/1</a:t>
+              <a:t>2021/6/9</a:t>
             </a:fld>
             <a:endParaRPr lang="zh-CN" altLang="en-US"/>
           </a:p>
@@ -1822,7 +1824,7 @@
           <a:p>
             <a:fld id="{866DEFEA-9B49-4C08-9654-B1CAE5D6D99F}" type="datetimeFigureOut">
               <a:rPr lang="zh-CN" altLang="en-US" smtClean="0"/>
-              <a:t>2021/6/1</a:t>
+              <a:t>2021/6/9</a:t>
             </a:fld>
             <a:endParaRPr lang="zh-CN" altLang="en-US"/>
           </a:p>
@@ -1963,7 +1965,7 @@
           <a:p>
             <a:fld id="{866DEFEA-9B49-4C08-9654-B1CAE5D6D99F}" type="datetimeFigureOut">
               <a:rPr lang="zh-CN" altLang="en-US" smtClean="0"/>
-              <a:t>2021/6/1</a:t>
+              <a:t>2021/6/9</a:t>
             </a:fld>
             <a:endParaRPr lang="zh-CN" altLang="en-US"/>
           </a:p>
@@ -2076,7 +2078,7 @@
           <a:p>
             <a:fld id="{866DEFEA-9B49-4C08-9654-B1CAE5D6D99F}" type="datetimeFigureOut">
               <a:rPr lang="zh-CN" altLang="en-US" smtClean="0"/>
-              <a:t>2021/6/1</a:t>
+              <a:t>2021/6/9</a:t>
             </a:fld>
             <a:endParaRPr lang="zh-CN" altLang="en-US"/>
           </a:p>
@@ -2387,7 +2389,7 @@
           <a:p>
             <a:fld id="{866DEFEA-9B49-4C08-9654-B1CAE5D6D99F}" type="datetimeFigureOut">
               <a:rPr lang="zh-CN" altLang="en-US" smtClean="0"/>
-              <a:t>2021/6/1</a:t>
+              <a:t>2021/6/9</a:t>
             </a:fld>
             <a:endParaRPr lang="zh-CN" altLang="en-US"/>
           </a:p>
@@ -2675,7 +2677,7 @@
           <a:p>
             <a:fld id="{866DEFEA-9B49-4C08-9654-B1CAE5D6D99F}" type="datetimeFigureOut">
               <a:rPr lang="zh-CN" altLang="en-US" smtClean="0"/>
-              <a:t>2021/6/1</a:t>
+              <a:t>2021/6/9</a:t>
             </a:fld>
             <a:endParaRPr lang="zh-CN" altLang="en-US"/>
           </a:p>
@@ -2916,7 +2918,7 @@
           <a:p>
             <a:fld id="{866DEFEA-9B49-4C08-9654-B1CAE5D6D99F}" type="datetimeFigureOut">
               <a:rPr lang="zh-CN" altLang="en-US" smtClean="0"/>
-              <a:t>2021/6/1</a:t>
+              <a:t>2021/6/9</a:t>
             </a:fld>
             <a:endParaRPr lang="zh-CN" altLang="en-US"/>
           </a:p>
@@ -3400,6 +3402,86 @@
 </p:sld>
 </file>
 
+<file path=ppt/slides/slide10.xml><?xml version="1.0" encoding="utf-8"?>
+<p:sld xmlns:a="http://schemas.openxmlformats.org/drawingml/2006/main" xmlns:r="http://schemas.openxmlformats.org/officeDocument/2006/relationships" xmlns:p="http://schemas.openxmlformats.org/presentationml/2006/main">
+  <p:cSld>
+    <p:spTree>
+      <p:nvGrpSpPr>
+        <p:cNvPr id="1" name=""/>
+        <p:cNvGrpSpPr/>
+        <p:nvPr/>
+      </p:nvGrpSpPr>
+      <p:grpSpPr>
+        <a:xfrm>
+          <a:off x="0" y="0"/>
+          <a:ext cx="0" cy="0"/>
+          <a:chOff x="0" y="0"/>
+          <a:chExt cx="0" cy="0"/>
+        </a:xfrm>
+      </p:grpSpPr>
+      <p:sp>
+        <p:nvSpPr>
+          <p:cNvPr id="2" name="标题 1">
+            <a:extLst>
+              <a:ext uri="{FF2B5EF4-FFF2-40B4-BE49-F238E27FC236}">
+                <a16:creationId xmlns:a16="http://schemas.microsoft.com/office/drawing/2014/main" id="{D16FD4C4-1130-4D85-975F-87DC9BB40FE5}"/>
+              </a:ext>
+            </a:extLst>
+          </p:cNvPr>
+          <p:cNvSpPr>
+            <a:spLocks noGrp="1"/>
+          </p:cNvSpPr>
+          <p:nvPr>
+            <p:ph type="title"/>
+          </p:nvPr>
+        </p:nvSpPr>
+        <p:spPr/>
+        <p:txBody>
+          <a:bodyPr/>
+          <a:lstStyle/>
+          <a:p>
+            <a:endParaRPr lang="zh-CN" altLang="en-US"/>
+          </a:p>
+        </p:txBody>
+      </p:sp>
+      <p:sp>
+        <p:nvSpPr>
+          <p:cNvPr id="3" name="内容占位符 2">
+            <a:extLst>
+              <a:ext uri="{FF2B5EF4-FFF2-40B4-BE49-F238E27FC236}">
+                <a16:creationId xmlns:a16="http://schemas.microsoft.com/office/drawing/2014/main" id="{B1F6ECEB-826B-40B8-86DA-8297EBA6E25C}"/>
+              </a:ext>
+            </a:extLst>
+          </p:cNvPr>
+          <p:cNvSpPr>
+            <a:spLocks noGrp="1"/>
+          </p:cNvSpPr>
+          <p:nvPr>
+            <p:ph idx="1"/>
+          </p:nvPr>
+        </p:nvSpPr>
+        <p:spPr/>
+        <p:txBody>
+          <a:bodyPr/>
+          <a:lstStyle/>
+          <a:p>
+            <a:endParaRPr lang="zh-CN" altLang="en-US"/>
+          </a:p>
+        </p:txBody>
+      </p:sp>
+    </p:spTree>
+    <p:extLst>
+      <p:ext uri="{BB962C8B-B14F-4D97-AF65-F5344CB8AC3E}">
+        <p14:creationId xmlns:p14="http://schemas.microsoft.com/office/powerpoint/2010/main" val="4009936450"/>
+      </p:ext>
+    </p:extLst>
+  </p:cSld>
+  <p:clrMapOvr>
+    <a:masterClrMapping/>
+  </p:clrMapOvr>
+</p:sld>
+</file>
+
 <file path=ppt/slides/slide2.xml><?xml version="1.0" encoding="utf-8"?>
 <p:sld xmlns:a="http://schemas.openxmlformats.org/drawingml/2006/main" xmlns:r="http://schemas.openxmlformats.org/officeDocument/2006/relationships" xmlns:p="http://schemas.openxmlformats.org/presentationml/2006/main">
   <p:cSld>
@@ -5617,6 +5699,96 @@
     <p:extLst>
       <p:ext uri="{BB962C8B-B14F-4D97-AF65-F5344CB8AC3E}">
         <p14:creationId xmlns:p14="http://schemas.microsoft.com/office/powerpoint/2010/main" val="2411115026"/>
+      </p:ext>
+    </p:extLst>
+  </p:cSld>
+  <p:clrMapOvr>
+    <a:masterClrMapping/>
+  </p:clrMapOvr>
+</p:sld>
+</file>
+
+<file path=ppt/slides/slide9.xml><?xml version="1.0" encoding="utf-8"?>
+<p:sld xmlns:a="http://schemas.openxmlformats.org/drawingml/2006/main" xmlns:r="http://schemas.openxmlformats.org/officeDocument/2006/relationships" xmlns:p="http://schemas.openxmlformats.org/presentationml/2006/main">
+  <p:cSld>
+    <p:spTree>
+      <p:nvGrpSpPr>
+        <p:cNvPr id="1" name=""/>
+        <p:cNvGrpSpPr/>
+        <p:nvPr/>
+      </p:nvGrpSpPr>
+      <p:grpSpPr>
+        <a:xfrm>
+          <a:off x="0" y="0"/>
+          <a:ext cx="0" cy="0"/>
+          <a:chOff x="0" y="0"/>
+          <a:chExt cx="0" cy="0"/>
+        </a:xfrm>
+      </p:grpSpPr>
+      <p:sp>
+        <p:nvSpPr>
+          <p:cNvPr id="2" name="标题 1">
+            <a:extLst>
+              <a:ext uri="{FF2B5EF4-FFF2-40B4-BE49-F238E27FC236}">
+                <a16:creationId xmlns:a16="http://schemas.microsoft.com/office/drawing/2014/main" id="{D0751570-0997-4AC0-97E4-93B869D272E1}"/>
+              </a:ext>
+            </a:extLst>
+          </p:cNvPr>
+          <p:cNvSpPr>
+            <a:spLocks noGrp="1"/>
+          </p:cNvSpPr>
+          <p:nvPr>
+            <p:ph type="title"/>
+          </p:nvPr>
+        </p:nvSpPr>
+        <p:spPr/>
+        <p:txBody>
+          <a:bodyPr/>
+          <a:lstStyle/>
+          <a:p>
+            <a:r>
+              <a:rPr lang="zh-CN" altLang="en-US" dirty="0"/>
+              <a:t>配置框架</a:t>
+            </a:r>
+          </a:p>
+        </p:txBody>
+      </p:sp>
+      <p:pic>
+        <p:nvPicPr>
+          <p:cNvPr id="4" name="内容占位符 3">
+            <a:extLst>
+              <a:ext uri="{FF2B5EF4-FFF2-40B4-BE49-F238E27FC236}">
+                <a16:creationId xmlns:a16="http://schemas.microsoft.com/office/drawing/2014/main" id="{EE01E517-D5F6-44AB-A18C-4C4178BDDF71}"/>
+              </a:ext>
+            </a:extLst>
+          </p:cNvPr>
+          <p:cNvPicPr>
+            <a:picLocks noGrp="1" noChangeAspect="1"/>
+          </p:cNvPicPr>
+          <p:nvPr>
+            <p:ph idx="1"/>
+          </p:nvPr>
+        </p:nvPicPr>
+        <p:blipFill>
+          <a:blip r:embed="rId2"/>
+          <a:stretch>
+            <a:fillRect/>
+          </a:stretch>
+        </p:blipFill>
+        <p:spPr>
+          <a:xfrm>
+            <a:off x="1956338" y="1822494"/>
+            <a:ext cx="7933333" cy="3780952"/>
+          </a:xfrm>
+          <a:prstGeom prst="rect">
+            <a:avLst/>
+          </a:prstGeom>
+        </p:spPr>
+      </p:pic>
+    </p:spTree>
+    <p:extLst>
+      <p:ext uri="{BB962C8B-B14F-4D97-AF65-F5344CB8AC3E}">
+        <p14:creationId xmlns:p14="http://schemas.microsoft.com/office/powerpoint/2010/main" val="2876355083"/>
       </p:ext>
     </p:extLst>
   </p:cSld>

--- a/Word/.NET Core核心基础知识内容.pptx
+++ b/Word/.NET Core核心基础知识内容.pptx
@@ -15,6 +15,7 @@
     <p:sldId id="263" r:id="rId9"/>
     <p:sldId id="264" r:id="rId10"/>
     <p:sldId id="265" r:id="rId11"/>
+    <p:sldId id="266" r:id="rId12"/>
   </p:sldIdLst>
   <p:sldSz cx="12192000" cy="6858000"/>
   <p:notesSz cx="6858000" cy="9144000"/>
@@ -268,7 +269,7 @@
           <a:p>
             <a:fld id="{866DEFEA-9B49-4C08-9654-B1CAE5D6D99F}" type="datetimeFigureOut">
               <a:rPr lang="zh-CN" altLang="en-US" smtClean="0"/>
-              <a:t>2021/6/9</a:t>
+              <a:t>2021/6/10</a:t>
             </a:fld>
             <a:endParaRPr lang="zh-CN" altLang="en-US"/>
           </a:p>
@@ -466,7 +467,7 @@
           <a:p>
             <a:fld id="{866DEFEA-9B49-4C08-9654-B1CAE5D6D99F}" type="datetimeFigureOut">
               <a:rPr lang="zh-CN" altLang="en-US" smtClean="0"/>
-              <a:t>2021/6/9</a:t>
+              <a:t>2021/6/10</a:t>
             </a:fld>
             <a:endParaRPr lang="zh-CN" altLang="en-US"/>
           </a:p>
@@ -674,7 +675,7 @@
           <a:p>
             <a:fld id="{866DEFEA-9B49-4C08-9654-B1CAE5D6D99F}" type="datetimeFigureOut">
               <a:rPr lang="zh-CN" altLang="en-US" smtClean="0"/>
-              <a:t>2021/6/9</a:t>
+              <a:t>2021/6/10</a:t>
             </a:fld>
             <a:endParaRPr lang="zh-CN" altLang="en-US"/>
           </a:p>
@@ -872,7 +873,7 @@
           <a:p>
             <a:fld id="{866DEFEA-9B49-4C08-9654-B1CAE5D6D99F}" type="datetimeFigureOut">
               <a:rPr lang="zh-CN" altLang="en-US" smtClean="0"/>
-              <a:t>2021/6/9</a:t>
+              <a:t>2021/6/10</a:t>
             </a:fld>
             <a:endParaRPr lang="zh-CN" altLang="en-US"/>
           </a:p>
@@ -1147,7 +1148,7 @@
           <a:p>
             <a:fld id="{866DEFEA-9B49-4C08-9654-B1CAE5D6D99F}" type="datetimeFigureOut">
               <a:rPr lang="zh-CN" altLang="en-US" smtClean="0"/>
-              <a:t>2021/6/9</a:t>
+              <a:t>2021/6/10</a:t>
             </a:fld>
             <a:endParaRPr lang="zh-CN" altLang="en-US"/>
           </a:p>
@@ -1412,7 +1413,7 @@
           <a:p>
             <a:fld id="{866DEFEA-9B49-4C08-9654-B1CAE5D6D99F}" type="datetimeFigureOut">
               <a:rPr lang="zh-CN" altLang="en-US" smtClean="0"/>
-              <a:t>2021/6/9</a:t>
+              <a:t>2021/6/10</a:t>
             </a:fld>
             <a:endParaRPr lang="zh-CN" altLang="en-US"/>
           </a:p>
@@ -1824,7 +1825,7 @@
           <a:p>
             <a:fld id="{866DEFEA-9B49-4C08-9654-B1CAE5D6D99F}" type="datetimeFigureOut">
               <a:rPr lang="zh-CN" altLang="en-US" smtClean="0"/>
-              <a:t>2021/6/9</a:t>
+              <a:t>2021/6/10</a:t>
             </a:fld>
             <a:endParaRPr lang="zh-CN" altLang="en-US"/>
           </a:p>
@@ -1965,7 +1966,7 @@
           <a:p>
             <a:fld id="{866DEFEA-9B49-4C08-9654-B1CAE5D6D99F}" type="datetimeFigureOut">
               <a:rPr lang="zh-CN" altLang="en-US" smtClean="0"/>
-              <a:t>2021/6/9</a:t>
+              <a:t>2021/6/10</a:t>
             </a:fld>
             <a:endParaRPr lang="zh-CN" altLang="en-US"/>
           </a:p>
@@ -2078,7 +2079,7 @@
           <a:p>
             <a:fld id="{866DEFEA-9B49-4C08-9654-B1CAE5D6D99F}" type="datetimeFigureOut">
               <a:rPr lang="zh-CN" altLang="en-US" smtClean="0"/>
-              <a:t>2021/6/9</a:t>
+              <a:t>2021/6/10</a:t>
             </a:fld>
             <a:endParaRPr lang="zh-CN" altLang="en-US"/>
           </a:p>
@@ -2389,7 +2390,7 @@
           <a:p>
             <a:fld id="{866DEFEA-9B49-4C08-9654-B1CAE5D6D99F}" type="datetimeFigureOut">
               <a:rPr lang="zh-CN" altLang="en-US" smtClean="0"/>
-              <a:t>2021/6/9</a:t>
+              <a:t>2021/6/10</a:t>
             </a:fld>
             <a:endParaRPr lang="zh-CN" altLang="en-US"/>
           </a:p>
@@ -2677,7 +2678,7 @@
           <a:p>
             <a:fld id="{866DEFEA-9B49-4C08-9654-B1CAE5D6D99F}" type="datetimeFigureOut">
               <a:rPr lang="zh-CN" altLang="en-US" smtClean="0"/>
-              <a:t>2021/6/9</a:t>
+              <a:t>2021/6/10</a:t>
             </a:fld>
             <a:endParaRPr lang="zh-CN" altLang="en-US"/>
           </a:p>
@@ -2918,7 +2919,7 @@
           <a:p>
             <a:fld id="{866DEFEA-9B49-4C08-9654-B1CAE5D6D99F}" type="datetimeFigureOut">
               <a:rPr lang="zh-CN" altLang="en-US" smtClean="0"/>
-              <a:t>2021/6/9</a:t>
+              <a:t>2021/6/10</a:t>
             </a:fld>
             <a:endParaRPr lang="zh-CN" altLang="en-US"/>
           </a:p>
@@ -3440,39 +3441,469 @@
           <a:bodyPr/>
           <a:lstStyle/>
           <a:p>
-            <a:endParaRPr lang="zh-CN" altLang="en-US"/>
-          </a:p>
-        </p:txBody>
-      </p:sp>
-      <p:sp>
-        <p:nvSpPr>
-          <p:cNvPr id="3" name="内容占位符 2">
-            <a:extLst>
-              <a:ext uri="{FF2B5EF4-FFF2-40B4-BE49-F238E27FC236}">
-                <a16:creationId xmlns:a16="http://schemas.microsoft.com/office/drawing/2014/main" id="{B1F6ECEB-826B-40B8-86DA-8297EBA6E25C}"/>
-              </a:ext>
-            </a:extLst>
-          </p:cNvPr>
-          <p:cNvSpPr>
-            <a:spLocks noGrp="1"/>
-          </p:cNvSpPr>
+            <a:r>
+              <a:rPr lang="zh-CN" altLang="en-US" dirty="0"/>
+              <a:t>选项框架</a:t>
+            </a:r>
+          </a:p>
+        </p:txBody>
+      </p:sp>
+      <p:pic>
+        <p:nvPicPr>
+          <p:cNvPr id="8" name="内容占位符 7">
+            <a:extLst>
+              <a:ext uri="{FF2B5EF4-FFF2-40B4-BE49-F238E27FC236}">
+                <a16:creationId xmlns:a16="http://schemas.microsoft.com/office/drawing/2014/main" id="{16BCE17F-E09A-4CB4-A775-92950AD2F790}"/>
+              </a:ext>
+            </a:extLst>
+          </p:cNvPr>
+          <p:cNvPicPr>
+            <a:picLocks noGrp="1" noChangeAspect="1"/>
+          </p:cNvPicPr>
           <p:nvPr>
             <p:ph idx="1"/>
           </p:nvPr>
-        </p:nvSpPr>
-        <p:spPr/>
-        <p:txBody>
-          <a:bodyPr/>
-          <a:lstStyle/>
-          <a:p>
-            <a:endParaRPr lang="zh-CN" altLang="en-US"/>
-          </a:p>
-        </p:txBody>
-      </p:sp>
+        </p:nvPicPr>
+        <p:blipFill>
+          <a:blip r:embed="rId2"/>
+          <a:stretch>
+            <a:fillRect/>
+          </a:stretch>
+        </p:blipFill>
+        <p:spPr>
+          <a:xfrm>
+            <a:off x="968176" y="1690688"/>
+            <a:ext cx="5873118" cy="4351338"/>
+          </a:xfrm>
+          <a:prstGeom prst="rect">
+            <a:avLst/>
+          </a:prstGeom>
+        </p:spPr>
+      </p:pic>
+      <p:pic>
+        <p:nvPicPr>
+          <p:cNvPr id="9" name="图片 8">
+            <a:extLst>
+              <a:ext uri="{FF2B5EF4-FFF2-40B4-BE49-F238E27FC236}">
+                <a16:creationId xmlns:a16="http://schemas.microsoft.com/office/drawing/2014/main" id="{5DA03F6B-9142-42A2-B7D1-7C857DA4006A}"/>
+              </a:ext>
+            </a:extLst>
+          </p:cNvPr>
+          <p:cNvPicPr>
+            <a:picLocks noChangeAspect="1"/>
+          </p:cNvPicPr>
+          <p:nvPr/>
+        </p:nvPicPr>
+        <p:blipFill>
+          <a:blip r:embed="rId3"/>
+          <a:stretch>
+            <a:fillRect/>
+          </a:stretch>
+        </p:blipFill>
+        <p:spPr>
+          <a:xfrm>
+            <a:off x="3904735" y="356322"/>
+            <a:ext cx="7704762" cy="380952"/>
+          </a:xfrm>
+          <a:prstGeom prst="rect">
+            <a:avLst/>
+          </a:prstGeom>
+        </p:spPr>
+      </p:pic>
+      <p:pic>
+        <p:nvPicPr>
+          <p:cNvPr id="10" name="图片 9">
+            <a:extLst>
+              <a:ext uri="{FF2B5EF4-FFF2-40B4-BE49-F238E27FC236}">
+                <a16:creationId xmlns:a16="http://schemas.microsoft.com/office/drawing/2014/main" id="{BCBC4804-3E9A-4F28-93D5-7D8093621045}"/>
+              </a:ext>
+            </a:extLst>
+          </p:cNvPr>
+          <p:cNvPicPr>
+            <a:picLocks noChangeAspect="1"/>
+          </p:cNvPicPr>
+          <p:nvPr/>
+        </p:nvPicPr>
+        <p:blipFill>
+          <a:blip r:embed="rId4"/>
+          <a:stretch>
+            <a:fillRect/>
+          </a:stretch>
+        </p:blipFill>
+        <p:spPr>
+          <a:xfrm>
+            <a:off x="3461878" y="815974"/>
+            <a:ext cx="8590476" cy="2923809"/>
+          </a:xfrm>
+          <a:prstGeom prst="rect">
+            <a:avLst/>
+          </a:prstGeom>
+        </p:spPr>
+      </p:pic>
+      <p:pic>
+        <p:nvPicPr>
+          <p:cNvPr id="11" name="图片 10">
+            <a:extLst>
+              <a:ext uri="{FF2B5EF4-FFF2-40B4-BE49-F238E27FC236}">
+                <a16:creationId xmlns:a16="http://schemas.microsoft.com/office/drawing/2014/main" id="{8C23A1C6-6731-4ED4-9916-37D6024A683F}"/>
+              </a:ext>
+            </a:extLst>
+          </p:cNvPr>
+          <p:cNvPicPr>
+            <a:picLocks noChangeAspect="1"/>
+          </p:cNvPicPr>
+          <p:nvPr/>
+        </p:nvPicPr>
+        <p:blipFill>
+          <a:blip r:embed="rId5"/>
+          <a:stretch>
+            <a:fillRect/>
+          </a:stretch>
+        </p:blipFill>
+        <p:spPr>
+          <a:xfrm>
+            <a:off x="437711" y="3967068"/>
+            <a:ext cx="11514286" cy="571429"/>
+          </a:xfrm>
+          <a:prstGeom prst="rect">
+            <a:avLst/>
+          </a:prstGeom>
+        </p:spPr>
+      </p:pic>
     </p:spTree>
     <p:extLst>
       <p:ext uri="{BB962C8B-B14F-4D97-AF65-F5344CB8AC3E}">
         <p14:creationId xmlns:p14="http://schemas.microsoft.com/office/powerpoint/2010/main" val="4009936450"/>
+      </p:ext>
+    </p:extLst>
+  </p:cSld>
+  <p:clrMapOvr>
+    <a:masterClrMapping/>
+  </p:clrMapOvr>
+  <p:timing>
+    <p:tnLst>
+      <p:par>
+        <p:cTn id="1" dur="indefinite" restart="never" nodeType="tmRoot">
+          <p:childTnLst>
+            <p:seq concurrent="1" nextAc="seek">
+              <p:cTn id="2" dur="indefinite" nodeType="mainSeq">
+                <p:childTnLst>
+                  <p:par>
+                    <p:cTn id="3" fill="hold">
+                      <p:stCondLst>
+                        <p:cond delay="indefinite"/>
+                      </p:stCondLst>
+                      <p:childTnLst>
+                        <p:par>
+                          <p:cTn id="4" fill="hold">
+                            <p:stCondLst>
+                              <p:cond delay="0"/>
+                            </p:stCondLst>
+                            <p:childTnLst>
+                              <p:par>
+                                <p:cTn id="5" presetID="10" presetClass="entr" presetSubtype="0" fill="hold" nodeType="clickEffect">
+                                  <p:stCondLst>
+                                    <p:cond delay="0"/>
+                                  </p:stCondLst>
+                                  <p:childTnLst>
+                                    <p:set>
+                                      <p:cBhvr>
+                                        <p:cTn id="6" dur="1" fill="hold">
+                                          <p:stCondLst>
+                                            <p:cond delay="0"/>
+                                          </p:stCondLst>
+                                        </p:cTn>
+                                        <p:tgtEl>
+                                          <p:spTgt spid="9"/>
+                                        </p:tgtEl>
+                                        <p:attrNameLst>
+                                          <p:attrName>style.visibility</p:attrName>
+                                        </p:attrNameLst>
+                                      </p:cBhvr>
+                                      <p:to>
+                                        <p:strVal val="visible"/>
+                                      </p:to>
+                                    </p:set>
+                                    <p:animEffect transition="in" filter="fade">
+                                      <p:cBhvr>
+                                        <p:cTn id="7" dur="500"/>
+                                        <p:tgtEl>
+                                          <p:spTgt spid="9"/>
+                                        </p:tgtEl>
+                                      </p:cBhvr>
+                                    </p:animEffect>
+                                  </p:childTnLst>
+                                </p:cTn>
+                              </p:par>
+                            </p:childTnLst>
+                          </p:cTn>
+                        </p:par>
+                      </p:childTnLst>
+                    </p:cTn>
+                  </p:par>
+                  <p:par>
+                    <p:cTn id="8" fill="hold">
+                      <p:stCondLst>
+                        <p:cond delay="indefinite"/>
+                      </p:stCondLst>
+                      <p:childTnLst>
+                        <p:par>
+                          <p:cTn id="9" fill="hold">
+                            <p:stCondLst>
+                              <p:cond delay="0"/>
+                            </p:stCondLst>
+                            <p:childTnLst>
+                              <p:par>
+                                <p:cTn id="10" presetID="10" presetClass="entr" presetSubtype="0" fill="hold" nodeType="clickEffect">
+                                  <p:stCondLst>
+                                    <p:cond delay="0"/>
+                                  </p:stCondLst>
+                                  <p:childTnLst>
+                                    <p:set>
+                                      <p:cBhvr>
+                                        <p:cTn id="11" dur="1" fill="hold">
+                                          <p:stCondLst>
+                                            <p:cond delay="0"/>
+                                          </p:stCondLst>
+                                        </p:cTn>
+                                        <p:tgtEl>
+                                          <p:spTgt spid="10"/>
+                                        </p:tgtEl>
+                                        <p:attrNameLst>
+                                          <p:attrName>style.visibility</p:attrName>
+                                        </p:attrNameLst>
+                                      </p:cBhvr>
+                                      <p:to>
+                                        <p:strVal val="visible"/>
+                                      </p:to>
+                                    </p:set>
+                                    <p:animEffect transition="in" filter="fade">
+                                      <p:cBhvr>
+                                        <p:cTn id="12" dur="500"/>
+                                        <p:tgtEl>
+                                          <p:spTgt spid="10"/>
+                                        </p:tgtEl>
+                                      </p:cBhvr>
+                                    </p:animEffect>
+                                  </p:childTnLst>
+                                </p:cTn>
+                              </p:par>
+                              <p:par>
+                                <p:cTn id="13" presetID="10" presetClass="entr" presetSubtype="0" fill="hold" nodeType="withEffect">
+                                  <p:stCondLst>
+                                    <p:cond delay="0"/>
+                                  </p:stCondLst>
+                                  <p:childTnLst>
+                                    <p:set>
+                                      <p:cBhvr>
+                                        <p:cTn id="14" dur="1" fill="hold">
+                                          <p:stCondLst>
+                                            <p:cond delay="0"/>
+                                          </p:stCondLst>
+                                        </p:cTn>
+                                        <p:tgtEl>
+                                          <p:spTgt spid="11"/>
+                                        </p:tgtEl>
+                                        <p:attrNameLst>
+                                          <p:attrName>style.visibility</p:attrName>
+                                        </p:attrNameLst>
+                                      </p:cBhvr>
+                                      <p:to>
+                                        <p:strVal val="visible"/>
+                                      </p:to>
+                                    </p:set>
+                                    <p:animEffect transition="in" filter="fade">
+                                      <p:cBhvr>
+                                        <p:cTn id="15" dur="500"/>
+                                        <p:tgtEl>
+                                          <p:spTgt spid="11"/>
+                                        </p:tgtEl>
+                                      </p:cBhvr>
+                                    </p:animEffect>
+                                  </p:childTnLst>
+                                </p:cTn>
+                              </p:par>
+                            </p:childTnLst>
+                          </p:cTn>
+                        </p:par>
+                      </p:childTnLst>
+                    </p:cTn>
+                  </p:par>
+                </p:childTnLst>
+              </p:cTn>
+              <p:prevCondLst>
+                <p:cond evt="onPrev" delay="0">
+                  <p:tgtEl>
+                    <p:sldTgt/>
+                  </p:tgtEl>
+                </p:cond>
+              </p:prevCondLst>
+              <p:nextCondLst>
+                <p:cond evt="onNext" delay="0">
+                  <p:tgtEl>
+                    <p:sldTgt/>
+                  </p:tgtEl>
+                </p:cond>
+              </p:nextCondLst>
+            </p:seq>
+          </p:childTnLst>
+        </p:cTn>
+      </p:par>
+    </p:tnLst>
+  </p:timing>
+</p:sld>
+</file>
+
+<file path=ppt/slides/slide11.xml><?xml version="1.0" encoding="utf-8"?>
+<p:sld xmlns:a="http://schemas.openxmlformats.org/drawingml/2006/main" xmlns:r="http://schemas.openxmlformats.org/officeDocument/2006/relationships" xmlns:p="http://schemas.openxmlformats.org/presentationml/2006/main">
+  <p:cSld>
+    <p:spTree>
+      <p:nvGrpSpPr>
+        <p:cNvPr id="1" name=""/>
+        <p:cNvGrpSpPr/>
+        <p:nvPr/>
+      </p:nvGrpSpPr>
+      <p:grpSpPr>
+        <a:xfrm>
+          <a:off x="0" y="0"/>
+          <a:ext cx="0" cy="0"/>
+          <a:chOff x="0" y="0"/>
+          <a:chExt cx="0" cy="0"/>
+        </a:xfrm>
+      </p:grpSpPr>
+      <p:sp>
+        <p:nvSpPr>
+          <p:cNvPr id="2" name="标题 1">
+            <a:extLst>
+              <a:ext uri="{FF2B5EF4-FFF2-40B4-BE49-F238E27FC236}">
+                <a16:creationId xmlns:a16="http://schemas.microsoft.com/office/drawing/2014/main" id="{83AE1F4D-4BBE-4624-B337-0CA58E5DB0ED}"/>
+              </a:ext>
+            </a:extLst>
+          </p:cNvPr>
+          <p:cNvSpPr>
+            <a:spLocks noGrp="1"/>
+          </p:cNvSpPr>
+          <p:nvPr>
+            <p:ph type="title"/>
+          </p:nvPr>
+        </p:nvSpPr>
+        <p:spPr/>
+        <p:txBody>
+          <a:bodyPr/>
+          <a:lstStyle/>
+          <a:p>
+            <a:r>
+              <a:rPr lang="en-US" altLang="zh-CN" dirty="0" err="1"/>
+              <a:t>.Net</a:t>
+            </a:r>
+            <a:r>
+              <a:rPr lang="en-US" altLang="zh-CN" dirty="0"/>
+              <a:t> Core </a:t>
+            </a:r>
+            <a:r>
+              <a:rPr lang="zh-CN" altLang="en-US" dirty="0"/>
+              <a:t>作用域</a:t>
+            </a:r>
+          </a:p>
+        </p:txBody>
+      </p:sp>
+      <p:sp>
+        <p:nvSpPr>
+          <p:cNvPr id="3" name="内容占位符 2">
+            <a:extLst>
+              <a:ext uri="{FF2B5EF4-FFF2-40B4-BE49-F238E27FC236}">
+                <a16:creationId xmlns:a16="http://schemas.microsoft.com/office/drawing/2014/main" id="{A741C2D6-708C-4546-9C20-AD7782DC1C3A}"/>
+              </a:ext>
+            </a:extLst>
+          </p:cNvPr>
+          <p:cNvSpPr>
+            <a:spLocks noGrp="1"/>
+          </p:cNvSpPr>
+          <p:nvPr>
+            <p:ph idx="1"/>
+          </p:nvPr>
+        </p:nvSpPr>
+        <p:spPr/>
+        <p:txBody>
+          <a:bodyPr/>
+          <a:lstStyle/>
+          <a:p>
+            <a:r>
+              <a:rPr lang="en-US" altLang="zh-CN" dirty="0"/>
+              <a:t>Singleton </a:t>
+            </a:r>
+            <a:r>
+              <a:rPr lang="zh-CN" altLang="en-US" dirty="0"/>
+              <a:t>单例模式</a:t>
+            </a:r>
+            <a:endParaRPr lang="en-US" altLang="zh-CN" dirty="0"/>
+          </a:p>
+          <a:p>
+            <a:pPr marL="0" indent="0">
+              <a:buNone/>
+            </a:pPr>
+            <a:r>
+              <a:rPr lang="zh-CN" altLang="en-US" sz="2400" dirty="0"/>
+              <a:t>每一次请求都会创建一个新的实例</a:t>
+            </a:r>
+          </a:p>
+          <a:p>
+            <a:r>
+              <a:rPr lang="en-US" altLang="zh-CN" dirty="0"/>
+              <a:t>Scoped </a:t>
+            </a:r>
+            <a:r>
+              <a:rPr lang="zh-CN" altLang="en-US" dirty="0"/>
+              <a:t>区域模式</a:t>
+            </a:r>
+            <a:endParaRPr lang="en-US" altLang="zh-CN" dirty="0"/>
+          </a:p>
+          <a:p>
+            <a:pPr marL="0" indent="0">
+              <a:buNone/>
+            </a:pPr>
+            <a:r>
+              <a:rPr lang="zh-CN" altLang="en-US" sz="2400" dirty="0"/>
+              <a:t>在同一个作用域下值初始化一个实例，每一个</a:t>
+            </a:r>
+            <a:r>
+              <a:rPr lang="en-US" altLang="zh-CN" sz="2400" dirty="0"/>
+              <a:t>request</a:t>
+            </a:r>
+            <a:r>
+              <a:rPr lang="zh-CN" altLang="en-US" sz="2400" dirty="0"/>
+              <a:t>指挥创建一个实例</a:t>
+            </a:r>
+          </a:p>
+          <a:p>
+            <a:r>
+              <a:rPr lang="en-US" altLang="zh-CN" dirty="0"/>
+              <a:t>Transient </a:t>
+            </a:r>
+            <a:r>
+              <a:rPr lang="zh-CN" altLang="en-US" dirty="0"/>
+              <a:t>短暂模式</a:t>
+            </a:r>
+            <a:endParaRPr lang="en-US" altLang="zh-CN" dirty="0"/>
+          </a:p>
+          <a:p>
+            <a:pPr marL="0" indent="0">
+              <a:buNone/>
+            </a:pPr>
+            <a:r>
+              <a:rPr lang="zh-CN" altLang="en-US" sz="2400" dirty="0"/>
+              <a:t>整个应用程序生命周期只会创建一个</a:t>
+            </a:r>
+          </a:p>
+          <a:p>
+            <a:endParaRPr lang="zh-CN" altLang="en-US" dirty="0"/>
+          </a:p>
+        </p:txBody>
+      </p:sp>
+    </p:spTree>
+    <p:extLst>
+      <p:ext uri="{BB962C8B-B14F-4D97-AF65-F5344CB8AC3E}">
+        <p14:creationId xmlns:p14="http://schemas.microsoft.com/office/powerpoint/2010/main" val="2613999983"/>
       </p:ext>
     </p:extLst>
   </p:cSld>

--- a/Word/.NET Core核心基础知识内容.pptx
+++ b/Word/.NET Core核心基础知识内容.pptx
@@ -16,6 +16,8 @@
     <p:sldId id="264" r:id="rId10"/>
     <p:sldId id="265" r:id="rId11"/>
     <p:sldId id="266" r:id="rId12"/>
+    <p:sldId id="267" r:id="rId13"/>
+    <p:sldId id="268" r:id="rId14"/>
   </p:sldIdLst>
   <p:sldSz cx="12192000" cy="6858000"/>
   <p:notesSz cx="6858000" cy="9144000"/>
@@ -269,7 +271,7 @@
           <a:p>
             <a:fld id="{866DEFEA-9B49-4C08-9654-B1CAE5D6D99F}" type="datetimeFigureOut">
               <a:rPr lang="zh-CN" altLang="en-US" smtClean="0"/>
-              <a:t>2021/6/10</a:t>
+              <a:t>2021/6/18</a:t>
             </a:fld>
             <a:endParaRPr lang="zh-CN" altLang="en-US"/>
           </a:p>
@@ -467,7 +469,7 @@
           <a:p>
             <a:fld id="{866DEFEA-9B49-4C08-9654-B1CAE5D6D99F}" type="datetimeFigureOut">
               <a:rPr lang="zh-CN" altLang="en-US" smtClean="0"/>
-              <a:t>2021/6/10</a:t>
+              <a:t>2021/6/18</a:t>
             </a:fld>
             <a:endParaRPr lang="zh-CN" altLang="en-US"/>
           </a:p>
@@ -675,7 +677,7 @@
           <a:p>
             <a:fld id="{866DEFEA-9B49-4C08-9654-B1CAE5D6D99F}" type="datetimeFigureOut">
               <a:rPr lang="zh-CN" altLang="en-US" smtClean="0"/>
-              <a:t>2021/6/10</a:t>
+              <a:t>2021/6/18</a:t>
             </a:fld>
             <a:endParaRPr lang="zh-CN" altLang="en-US"/>
           </a:p>
@@ -873,7 +875,7 @@
           <a:p>
             <a:fld id="{866DEFEA-9B49-4C08-9654-B1CAE5D6D99F}" type="datetimeFigureOut">
               <a:rPr lang="zh-CN" altLang="en-US" smtClean="0"/>
-              <a:t>2021/6/10</a:t>
+              <a:t>2021/6/18</a:t>
             </a:fld>
             <a:endParaRPr lang="zh-CN" altLang="en-US"/>
           </a:p>
@@ -1148,7 +1150,7 @@
           <a:p>
             <a:fld id="{866DEFEA-9B49-4C08-9654-B1CAE5D6D99F}" type="datetimeFigureOut">
               <a:rPr lang="zh-CN" altLang="en-US" smtClean="0"/>
-              <a:t>2021/6/10</a:t>
+              <a:t>2021/6/18</a:t>
             </a:fld>
             <a:endParaRPr lang="zh-CN" altLang="en-US"/>
           </a:p>
@@ -1413,7 +1415,7 @@
           <a:p>
             <a:fld id="{866DEFEA-9B49-4C08-9654-B1CAE5D6D99F}" type="datetimeFigureOut">
               <a:rPr lang="zh-CN" altLang="en-US" smtClean="0"/>
-              <a:t>2021/6/10</a:t>
+              <a:t>2021/6/18</a:t>
             </a:fld>
             <a:endParaRPr lang="zh-CN" altLang="en-US"/>
           </a:p>
@@ -1825,7 +1827,7 @@
           <a:p>
             <a:fld id="{866DEFEA-9B49-4C08-9654-B1CAE5D6D99F}" type="datetimeFigureOut">
               <a:rPr lang="zh-CN" altLang="en-US" smtClean="0"/>
-              <a:t>2021/6/10</a:t>
+              <a:t>2021/6/18</a:t>
             </a:fld>
             <a:endParaRPr lang="zh-CN" altLang="en-US"/>
           </a:p>
@@ -1966,7 +1968,7 @@
           <a:p>
             <a:fld id="{866DEFEA-9B49-4C08-9654-B1CAE5D6D99F}" type="datetimeFigureOut">
               <a:rPr lang="zh-CN" altLang="en-US" smtClean="0"/>
-              <a:t>2021/6/10</a:t>
+              <a:t>2021/6/18</a:t>
             </a:fld>
             <a:endParaRPr lang="zh-CN" altLang="en-US"/>
           </a:p>
@@ -2079,7 +2081,7 @@
           <a:p>
             <a:fld id="{866DEFEA-9B49-4C08-9654-B1CAE5D6D99F}" type="datetimeFigureOut">
               <a:rPr lang="zh-CN" altLang="en-US" smtClean="0"/>
-              <a:t>2021/6/10</a:t>
+              <a:t>2021/6/18</a:t>
             </a:fld>
             <a:endParaRPr lang="zh-CN" altLang="en-US"/>
           </a:p>
@@ -2390,7 +2392,7 @@
           <a:p>
             <a:fld id="{866DEFEA-9B49-4C08-9654-B1CAE5D6D99F}" type="datetimeFigureOut">
               <a:rPr lang="zh-CN" altLang="en-US" smtClean="0"/>
-              <a:t>2021/6/10</a:t>
+              <a:t>2021/6/18</a:t>
             </a:fld>
             <a:endParaRPr lang="zh-CN" altLang="en-US"/>
           </a:p>
@@ -2678,7 +2680,7 @@
           <a:p>
             <a:fld id="{866DEFEA-9B49-4C08-9654-B1CAE5D6D99F}" type="datetimeFigureOut">
               <a:rPr lang="zh-CN" altLang="en-US" smtClean="0"/>
-              <a:t>2021/6/10</a:t>
+              <a:t>2021/6/18</a:t>
             </a:fld>
             <a:endParaRPr lang="zh-CN" altLang="en-US"/>
           </a:p>
@@ -2919,7 +2921,7 @@
           <a:p>
             <a:fld id="{866DEFEA-9B49-4C08-9654-B1CAE5D6D99F}" type="datetimeFigureOut">
               <a:rPr lang="zh-CN" altLang="en-US" smtClean="0"/>
-              <a:t>2021/6/10</a:t>
+              <a:t>2021/6/18</a:t>
             </a:fld>
             <a:endParaRPr lang="zh-CN" altLang="en-US"/>
           </a:p>
@@ -3904,6 +3906,431 @@
     <p:extLst>
       <p:ext uri="{BB962C8B-B14F-4D97-AF65-F5344CB8AC3E}">
         <p14:creationId xmlns:p14="http://schemas.microsoft.com/office/powerpoint/2010/main" val="2613999983"/>
+      </p:ext>
+    </p:extLst>
+  </p:cSld>
+  <p:clrMapOvr>
+    <a:masterClrMapping/>
+  </p:clrMapOvr>
+</p:sld>
+</file>
+
+<file path=ppt/slides/slide12.xml><?xml version="1.0" encoding="utf-8"?>
+<p:sld xmlns:a="http://schemas.openxmlformats.org/drawingml/2006/main" xmlns:r="http://schemas.openxmlformats.org/officeDocument/2006/relationships" xmlns:p="http://schemas.openxmlformats.org/presentationml/2006/main">
+  <p:cSld>
+    <p:spTree>
+      <p:nvGrpSpPr>
+        <p:cNvPr id="1" name=""/>
+        <p:cNvGrpSpPr/>
+        <p:nvPr/>
+      </p:nvGrpSpPr>
+      <p:grpSpPr>
+        <a:xfrm>
+          <a:off x="0" y="0"/>
+          <a:ext cx="0" cy="0"/>
+          <a:chOff x="0" y="0"/>
+          <a:chExt cx="0" cy="0"/>
+        </a:xfrm>
+      </p:grpSpPr>
+      <p:sp>
+        <p:nvSpPr>
+          <p:cNvPr id="2" name="标题 1">
+            <a:extLst>
+              <a:ext uri="{FF2B5EF4-FFF2-40B4-BE49-F238E27FC236}">
+                <a16:creationId xmlns:a16="http://schemas.microsoft.com/office/drawing/2014/main" id="{233EEE46-F5D4-4EEA-A55A-2A305072AB0A}"/>
+              </a:ext>
+            </a:extLst>
+          </p:cNvPr>
+          <p:cNvSpPr>
+            <a:spLocks noGrp="1"/>
+          </p:cNvSpPr>
+          <p:nvPr>
+            <p:ph type="title"/>
+          </p:nvPr>
+        </p:nvSpPr>
+        <p:spPr/>
+        <p:txBody>
+          <a:bodyPr/>
+          <a:lstStyle/>
+          <a:p>
+            <a:r>
+              <a:rPr lang="zh-CN" altLang="en-US" dirty="0"/>
+              <a:t>日志框架</a:t>
+            </a:r>
+          </a:p>
+        </p:txBody>
+      </p:sp>
+      <p:pic>
+        <p:nvPicPr>
+          <p:cNvPr id="1026" name="Picture 2" descr="在这里插入图片描述">
+            <a:extLst>
+              <a:ext uri="{FF2B5EF4-FFF2-40B4-BE49-F238E27FC236}">
+                <a16:creationId xmlns:a16="http://schemas.microsoft.com/office/drawing/2014/main" id="{B32DC26A-88BF-4A0B-AE46-C3EEFB3FD113}"/>
+              </a:ext>
+            </a:extLst>
+          </p:cNvPr>
+          <p:cNvPicPr>
+            <a:picLocks noGrp="1" noChangeAspect="1" noChangeArrowheads="1"/>
+          </p:cNvPicPr>
+          <p:nvPr>
+            <p:ph idx="1"/>
+          </p:nvPr>
+        </p:nvPicPr>
+        <p:blipFill>
+          <a:blip r:embed="rId2">
+            <a:extLst>
+              <a:ext uri="{28A0092B-C50C-407E-A947-70E740481C1C}">
+                <a14:useLocalDpi xmlns:a14="http://schemas.microsoft.com/office/drawing/2010/main" val="0"/>
+              </a:ext>
+            </a:extLst>
+          </a:blip>
+          <a:srcRect/>
+          <a:stretch>
+            <a:fillRect/>
+          </a:stretch>
+        </p:blipFill>
+        <p:spPr bwMode="auto">
+          <a:xfrm>
+            <a:off x="4794421" y="365125"/>
+            <a:ext cx="6828798" cy="5837521"/>
+          </a:xfrm>
+          <a:prstGeom prst="rect">
+            <a:avLst/>
+          </a:prstGeom>
+          <a:noFill/>
+          <a:extLst>
+            <a:ext uri="{909E8E84-426E-40DD-AFC4-6F175D3DCCD1}">
+              <a14:hiddenFill xmlns:a14="http://schemas.microsoft.com/office/drawing/2010/main">
+                <a:solidFill>
+                  <a:srgbClr val="FFFFFF"/>
+                </a:solidFill>
+              </a14:hiddenFill>
+            </a:ext>
+          </a:extLst>
+        </p:spPr>
+      </p:pic>
+    </p:spTree>
+    <p:extLst>
+      <p:ext uri="{BB962C8B-B14F-4D97-AF65-F5344CB8AC3E}">
+        <p14:creationId xmlns:p14="http://schemas.microsoft.com/office/powerpoint/2010/main" val="1545787626"/>
+      </p:ext>
+    </p:extLst>
+  </p:cSld>
+  <p:clrMapOvr>
+    <a:masterClrMapping/>
+  </p:clrMapOvr>
+</p:sld>
+</file>
+
+<file path=ppt/slides/slide13.xml><?xml version="1.0" encoding="utf-8"?>
+<p:sld xmlns:a="http://schemas.openxmlformats.org/drawingml/2006/main" xmlns:r="http://schemas.openxmlformats.org/officeDocument/2006/relationships" xmlns:p="http://schemas.openxmlformats.org/presentationml/2006/main">
+  <p:cSld>
+    <p:spTree>
+      <p:nvGrpSpPr>
+        <p:cNvPr id="1" name=""/>
+        <p:cNvGrpSpPr/>
+        <p:nvPr/>
+      </p:nvGrpSpPr>
+      <p:grpSpPr>
+        <a:xfrm>
+          <a:off x="0" y="0"/>
+          <a:ext cx="0" cy="0"/>
+          <a:chOff x="0" y="0"/>
+          <a:chExt cx="0" cy="0"/>
+        </a:xfrm>
+      </p:grpSpPr>
+      <p:sp>
+        <p:nvSpPr>
+          <p:cNvPr id="2" name="标题 1">
+            <a:extLst>
+              <a:ext uri="{FF2B5EF4-FFF2-40B4-BE49-F238E27FC236}">
+                <a16:creationId xmlns:a16="http://schemas.microsoft.com/office/drawing/2014/main" id="{FC915055-564C-4F89-B4A5-080469377E83}"/>
+              </a:ext>
+            </a:extLst>
+          </p:cNvPr>
+          <p:cNvSpPr>
+            <a:spLocks noGrp="1"/>
+          </p:cNvSpPr>
+          <p:nvPr>
+            <p:ph type="title"/>
+          </p:nvPr>
+        </p:nvSpPr>
+        <p:spPr/>
+        <p:txBody>
+          <a:bodyPr>
+            <a:normAutofit fontScale="90000"/>
+          </a:bodyPr>
+          <a:lstStyle/>
+          <a:p>
+            <a:br>
+              <a:rPr lang="zh-CN" altLang="zh-CN" dirty="0"/>
+            </a:br>
+            <a:r>
+              <a:rPr lang="zh-CN" altLang="zh-CN" dirty="0"/>
+              <a:t>常用的</a:t>
+            </a:r>
+            <a:r>
+              <a:rPr lang="en-US" altLang="zh-CN" dirty="0"/>
+              <a:t>.NET Core</a:t>
+            </a:r>
+            <a:r>
+              <a:rPr lang="zh-CN" altLang="zh-CN" dirty="0"/>
+              <a:t>中间件和路由终结点概念</a:t>
+            </a:r>
+            <a:br>
+              <a:rPr lang="zh-CN" altLang="zh-CN" dirty="0"/>
+            </a:br>
+            <a:endParaRPr lang="zh-CN" altLang="en-US" dirty="0"/>
+          </a:p>
+        </p:txBody>
+      </p:sp>
+      <p:sp>
+        <p:nvSpPr>
+          <p:cNvPr id="3" name="内容占位符 2">
+            <a:extLst>
+              <a:ext uri="{FF2B5EF4-FFF2-40B4-BE49-F238E27FC236}">
+                <a16:creationId xmlns:a16="http://schemas.microsoft.com/office/drawing/2014/main" id="{223C0C8E-4992-477A-9B95-CD531FFBFE7A}"/>
+              </a:ext>
+            </a:extLst>
+          </p:cNvPr>
+          <p:cNvSpPr>
+            <a:spLocks noGrp="1"/>
+          </p:cNvSpPr>
+          <p:nvPr>
+            <p:ph idx="1"/>
+          </p:nvPr>
+        </p:nvSpPr>
+        <p:spPr/>
+        <p:txBody>
+          <a:bodyPr>
+            <a:normAutofit/>
+          </a:bodyPr>
+          <a:lstStyle/>
+          <a:p>
+            <a:r>
+              <a:rPr lang="zh-CN" altLang="en-US" sz="1600" dirty="0"/>
+              <a:t>第一步：执行</a:t>
+            </a:r>
+            <a:r>
+              <a:rPr lang="en-US" altLang="zh-CN" sz="1600" dirty="0" err="1"/>
+              <a:t>services.AddControllers</a:t>
+            </a:r>
+            <a:r>
+              <a:rPr lang="en-US" altLang="zh-CN" sz="1600" dirty="0"/>
+              <a:t>() </a:t>
+            </a:r>
+            <a:r>
+              <a:rPr lang="zh-CN" altLang="en-US" sz="1600" dirty="0"/>
+              <a:t>将</a:t>
+            </a:r>
+            <a:r>
+              <a:rPr lang="en-US" altLang="zh-CN" sz="1600" dirty="0"/>
+              <a:t>Controller</a:t>
+            </a:r>
+            <a:r>
+              <a:rPr lang="zh-CN" altLang="en-US" sz="1600" dirty="0"/>
+              <a:t>的核心服务注册到容器中去</a:t>
+            </a:r>
+            <a:endParaRPr lang="en-US" altLang="zh-CN" sz="1600" dirty="0"/>
+          </a:p>
+          <a:p>
+            <a:r>
+              <a:rPr lang="zh-CN" altLang="en-US" sz="1600" dirty="0"/>
+              <a:t>第二步：执行</a:t>
+            </a:r>
+            <a:r>
+              <a:rPr lang="en-US" altLang="zh-CN" sz="1600" dirty="0" err="1"/>
+              <a:t>app.UseRouting</a:t>
+            </a:r>
+            <a:r>
+              <a:rPr lang="en-US" altLang="zh-CN" sz="1600" dirty="0"/>
+              <a:t>() </a:t>
+            </a:r>
+            <a:r>
+              <a:rPr lang="zh-CN" altLang="en-US" sz="1600" dirty="0"/>
+              <a:t>将</a:t>
+            </a:r>
+            <a:r>
+              <a:rPr lang="en-US" altLang="zh-CN" sz="1600" dirty="0" err="1"/>
+              <a:t>EndpointRoutingMiddleware</a:t>
+            </a:r>
+            <a:r>
+              <a:rPr lang="zh-CN" altLang="en-US" sz="1600" dirty="0"/>
+              <a:t>中间件注册到</a:t>
+            </a:r>
+            <a:r>
+              <a:rPr lang="en-US" altLang="zh-CN" sz="1600" dirty="0"/>
+              <a:t>http</a:t>
+            </a:r>
+            <a:r>
+              <a:rPr lang="zh-CN" altLang="en-US" sz="1600" dirty="0"/>
+              <a:t>管道中</a:t>
+            </a:r>
+            <a:endParaRPr lang="en-US" altLang="zh-CN" sz="1600" dirty="0"/>
+          </a:p>
+          <a:p>
+            <a:r>
+              <a:rPr lang="zh-CN" altLang="en-US" sz="1600" dirty="0"/>
+              <a:t>第三步：执行</a:t>
+            </a:r>
+            <a:r>
+              <a:rPr lang="en-US" altLang="zh-CN" sz="1600" dirty="0" err="1"/>
+              <a:t>app.UseAuthorization</a:t>
+            </a:r>
+            <a:r>
+              <a:rPr lang="en-US" altLang="zh-CN" sz="1600" dirty="0"/>
+              <a:t>() </a:t>
+            </a:r>
+            <a:r>
+              <a:rPr lang="zh-CN" altLang="en-US" sz="1600" dirty="0"/>
+              <a:t>将</a:t>
+            </a:r>
+            <a:r>
+              <a:rPr lang="en-US" altLang="zh-CN" sz="1600" dirty="0" err="1"/>
+              <a:t>AuthorizationMiddleware</a:t>
+            </a:r>
+            <a:r>
+              <a:rPr lang="zh-CN" altLang="en-US" sz="1600" dirty="0"/>
+              <a:t>中间件注册到</a:t>
+            </a:r>
+            <a:r>
+              <a:rPr lang="en-US" altLang="zh-CN" sz="1600" dirty="0"/>
+              <a:t>http</a:t>
+            </a:r>
+            <a:r>
+              <a:rPr lang="zh-CN" altLang="en-US" sz="1600" dirty="0"/>
+              <a:t>管道中</a:t>
+            </a:r>
+            <a:endParaRPr lang="en-US" altLang="zh-CN" sz="1600" dirty="0"/>
+          </a:p>
+          <a:p>
+            <a:r>
+              <a:rPr lang="zh-CN" altLang="en-US" sz="1600" dirty="0"/>
+              <a:t>第四步：执行</a:t>
+            </a:r>
+            <a:r>
+              <a:rPr lang="en-US" altLang="zh-CN" sz="1600" dirty="0" err="1"/>
+              <a:t>app.UseEndpoints</a:t>
+            </a:r>
+            <a:r>
+              <a:rPr lang="en-US" altLang="zh-CN" sz="1600" dirty="0"/>
+              <a:t>(</a:t>
+            </a:r>
+            <a:r>
+              <a:rPr lang="en-US" altLang="zh-CN" sz="1600" dirty="0" err="1"/>
+              <a:t>encpoints</a:t>
+            </a:r>
+            <a:r>
+              <a:rPr lang="en-US" altLang="zh-CN" sz="1600" dirty="0"/>
+              <a:t>=&gt;</a:t>
+            </a:r>
+            <a:r>
+              <a:rPr lang="en-US" altLang="zh-CN" sz="1600" dirty="0" err="1"/>
+              <a:t>endpoints.MapControllers</a:t>
+            </a:r>
+            <a:r>
+              <a:rPr lang="en-US" altLang="zh-CN" sz="1600" dirty="0"/>
+              <a:t>()) </a:t>
+            </a:r>
+            <a:r>
+              <a:rPr lang="zh-CN" altLang="en-US" sz="1600" dirty="0"/>
+              <a:t>有两个主要的作用：</a:t>
+            </a:r>
+            <a:endParaRPr lang="en-US" altLang="zh-CN" sz="1600" dirty="0"/>
+          </a:p>
+          <a:p>
+            <a:pPr marL="0" indent="0">
+              <a:buNone/>
+            </a:pPr>
+            <a:r>
+              <a:rPr lang="en-US" altLang="zh-CN" sz="1600" dirty="0"/>
+              <a:t>	</a:t>
+            </a:r>
+            <a:r>
+              <a:rPr lang="zh-CN" altLang="en-US" sz="1600" dirty="0"/>
+              <a:t>调用</a:t>
+            </a:r>
+            <a:r>
+              <a:rPr lang="en-US" altLang="zh-CN" sz="1600" dirty="0" err="1"/>
+              <a:t>endpoints.MapControllers</a:t>
+            </a:r>
+            <a:r>
+              <a:rPr lang="en-US" altLang="zh-CN" sz="1600" dirty="0"/>
+              <a:t>()</a:t>
+            </a:r>
+            <a:r>
+              <a:rPr lang="zh-CN" altLang="en-US" sz="1600" dirty="0"/>
+              <a:t>将本程序集定义的所有</a:t>
+            </a:r>
+            <a:r>
+              <a:rPr lang="en-US" altLang="zh-CN" sz="1600" dirty="0"/>
+              <a:t>Controller</a:t>
+            </a:r>
+            <a:r>
+              <a:rPr lang="zh-CN" altLang="en-US" sz="1600" dirty="0"/>
+              <a:t>和</a:t>
+            </a:r>
+            <a:r>
+              <a:rPr lang="en-US" altLang="zh-CN" sz="1600" dirty="0"/>
+              <a:t>Action</a:t>
+            </a:r>
+            <a:r>
+              <a:rPr lang="zh-CN" altLang="en-US" sz="1600" dirty="0"/>
+              <a:t>转换为一个个的</a:t>
+            </a:r>
+            <a:r>
+              <a:rPr lang="en-US" altLang="zh-CN" sz="1600" dirty="0" err="1"/>
+              <a:t>EndPoint</a:t>
+            </a:r>
+            <a:r>
+              <a:rPr lang="zh-CN" altLang="en-US" sz="1600" dirty="0"/>
+              <a:t>放到路由中间件的配置对象</a:t>
+            </a:r>
+            <a:r>
+              <a:rPr lang="en-US" altLang="zh-CN" sz="1600" dirty="0" err="1"/>
+              <a:t>RouteOptions</a:t>
+            </a:r>
+            <a:r>
+              <a:rPr lang="zh-CN" altLang="en-US" sz="1600" dirty="0"/>
+              <a:t>中</a:t>
+            </a:r>
+            <a:endParaRPr lang="en-US" altLang="zh-CN" sz="1600" dirty="0"/>
+          </a:p>
+          <a:p>
+            <a:pPr marL="0" indent="0">
+              <a:buNone/>
+            </a:pPr>
+            <a:r>
+              <a:rPr lang="en-US" altLang="zh-CN" sz="1600" dirty="0"/>
+              <a:t>	</a:t>
+            </a:r>
+            <a:r>
+              <a:rPr lang="zh-CN" altLang="en-US" sz="1600" dirty="0"/>
+              <a:t>将</a:t>
+            </a:r>
+            <a:r>
+              <a:rPr lang="en-US" altLang="zh-CN" sz="1600" dirty="0" err="1"/>
+              <a:t>EndpointMiddleware</a:t>
+            </a:r>
+            <a:r>
+              <a:rPr lang="zh-CN" altLang="en-US" sz="1600" dirty="0"/>
+              <a:t>中间件注册到</a:t>
+            </a:r>
+            <a:r>
+              <a:rPr lang="en-US" altLang="zh-CN" sz="1600" dirty="0"/>
+              <a:t>http</a:t>
+            </a:r>
+            <a:r>
+              <a:rPr lang="zh-CN" altLang="en-US" sz="1600" dirty="0"/>
+              <a:t>管道中</a:t>
+            </a:r>
+          </a:p>
+        </p:txBody>
+      </p:sp>
+    </p:spTree>
+    <p:extLst>
+      <p:ext uri="{BB962C8B-B14F-4D97-AF65-F5344CB8AC3E}">
+        <p14:creationId xmlns:p14="http://schemas.microsoft.com/office/powerpoint/2010/main" val="2067132064"/>
       </p:ext>
     </p:extLst>
   </p:cSld>

--- a/Word/.NET Core核心基础知识内容.pptx
+++ b/Word/.NET Core核心基础知识内容.pptx
@@ -10,14 +10,31 @@
     <p:sldId id="258" r:id="rId4"/>
     <p:sldId id="259" r:id="rId5"/>
     <p:sldId id="260" r:id="rId6"/>
-    <p:sldId id="261" r:id="rId7"/>
-    <p:sldId id="262" r:id="rId8"/>
-    <p:sldId id="263" r:id="rId9"/>
-    <p:sldId id="264" r:id="rId10"/>
-    <p:sldId id="265" r:id="rId11"/>
-    <p:sldId id="266" r:id="rId12"/>
-    <p:sldId id="267" r:id="rId13"/>
-    <p:sldId id="268" r:id="rId14"/>
+    <p:sldId id="262" r:id="rId7"/>
+    <p:sldId id="263" r:id="rId8"/>
+    <p:sldId id="273" r:id="rId9"/>
+    <p:sldId id="275" r:id="rId10"/>
+    <p:sldId id="274" r:id="rId11"/>
+    <p:sldId id="276" r:id="rId12"/>
+    <p:sldId id="277" r:id="rId13"/>
+    <p:sldId id="264" r:id="rId14"/>
+    <p:sldId id="265" r:id="rId15"/>
+    <p:sldId id="278" r:id="rId16"/>
+    <p:sldId id="266" r:id="rId17"/>
+    <p:sldId id="269" r:id="rId18"/>
+    <p:sldId id="270" r:id="rId19"/>
+    <p:sldId id="271" r:id="rId20"/>
+    <p:sldId id="272" r:id="rId21"/>
+    <p:sldId id="267" r:id="rId22"/>
+    <p:sldId id="268" r:id="rId23"/>
+    <p:sldId id="280" r:id="rId24"/>
+    <p:sldId id="279" r:id="rId25"/>
+    <p:sldId id="261" r:id="rId26"/>
+    <p:sldId id="281" r:id="rId27"/>
+    <p:sldId id="282" r:id="rId28"/>
+    <p:sldId id="283" r:id="rId29"/>
+    <p:sldId id="284" r:id="rId30"/>
+    <p:sldId id="285" r:id="rId31"/>
   </p:sldIdLst>
   <p:sldSz cx="12192000" cy="6858000"/>
   <p:notesSz cx="6858000" cy="9144000"/>
@@ -271,7 +288,7 @@
           <a:p>
             <a:fld id="{866DEFEA-9B49-4C08-9654-B1CAE5D6D99F}" type="datetimeFigureOut">
               <a:rPr lang="zh-CN" altLang="en-US" smtClean="0"/>
-              <a:t>2021/6/18</a:t>
+              <a:t>2021/6/22</a:t>
             </a:fld>
             <a:endParaRPr lang="zh-CN" altLang="en-US"/>
           </a:p>
@@ -469,7 +486,7 @@
           <a:p>
             <a:fld id="{866DEFEA-9B49-4C08-9654-B1CAE5D6D99F}" type="datetimeFigureOut">
               <a:rPr lang="zh-CN" altLang="en-US" smtClean="0"/>
-              <a:t>2021/6/18</a:t>
+              <a:t>2021/6/22</a:t>
             </a:fld>
             <a:endParaRPr lang="zh-CN" altLang="en-US"/>
           </a:p>
@@ -677,7 +694,7 @@
           <a:p>
             <a:fld id="{866DEFEA-9B49-4C08-9654-B1CAE5D6D99F}" type="datetimeFigureOut">
               <a:rPr lang="zh-CN" altLang="en-US" smtClean="0"/>
-              <a:t>2021/6/18</a:t>
+              <a:t>2021/6/22</a:t>
             </a:fld>
             <a:endParaRPr lang="zh-CN" altLang="en-US"/>
           </a:p>
@@ -875,7 +892,7 @@
           <a:p>
             <a:fld id="{866DEFEA-9B49-4C08-9654-B1CAE5D6D99F}" type="datetimeFigureOut">
               <a:rPr lang="zh-CN" altLang="en-US" smtClean="0"/>
-              <a:t>2021/6/18</a:t>
+              <a:t>2021/6/22</a:t>
             </a:fld>
             <a:endParaRPr lang="zh-CN" altLang="en-US"/>
           </a:p>
@@ -1150,7 +1167,7 @@
           <a:p>
             <a:fld id="{866DEFEA-9B49-4C08-9654-B1CAE5D6D99F}" type="datetimeFigureOut">
               <a:rPr lang="zh-CN" altLang="en-US" smtClean="0"/>
-              <a:t>2021/6/18</a:t>
+              <a:t>2021/6/22</a:t>
             </a:fld>
             <a:endParaRPr lang="zh-CN" altLang="en-US"/>
           </a:p>
@@ -1415,7 +1432,7 @@
           <a:p>
             <a:fld id="{866DEFEA-9B49-4C08-9654-B1CAE5D6D99F}" type="datetimeFigureOut">
               <a:rPr lang="zh-CN" altLang="en-US" smtClean="0"/>
-              <a:t>2021/6/18</a:t>
+              <a:t>2021/6/22</a:t>
             </a:fld>
             <a:endParaRPr lang="zh-CN" altLang="en-US"/>
           </a:p>
@@ -1827,7 +1844,7 @@
           <a:p>
             <a:fld id="{866DEFEA-9B49-4C08-9654-B1CAE5D6D99F}" type="datetimeFigureOut">
               <a:rPr lang="zh-CN" altLang="en-US" smtClean="0"/>
-              <a:t>2021/6/18</a:t>
+              <a:t>2021/6/22</a:t>
             </a:fld>
             <a:endParaRPr lang="zh-CN" altLang="en-US"/>
           </a:p>
@@ -1968,7 +1985,7 @@
           <a:p>
             <a:fld id="{866DEFEA-9B49-4C08-9654-B1CAE5D6D99F}" type="datetimeFigureOut">
               <a:rPr lang="zh-CN" altLang="en-US" smtClean="0"/>
-              <a:t>2021/6/18</a:t>
+              <a:t>2021/6/22</a:t>
             </a:fld>
             <a:endParaRPr lang="zh-CN" altLang="en-US"/>
           </a:p>
@@ -2081,7 +2098,7 @@
           <a:p>
             <a:fld id="{866DEFEA-9B49-4C08-9654-B1CAE5D6D99F}" type="datetimeFigureOut">
               <a:rPr lang="zh-CN" altLang="en-US" smtClean="0"/>
-              <a:t>2021/6/18</a:t>
+              <a:t>2021/6/22</a:t>
             </a:fld>
             <a:endParaRPr lang="zh-CN" altLang="en-US"/>
           </a:p>
@@ -2392,7 +2409,7 @@
           <a:p>
             <a:fld id="{866DEFEA-9B49-4C08-9654-B1CAE5D6D99F}" type="datetimeFigureOut">
               <a:rPr lang="zh-CN" altLang="en-US" smtClean="0"/>
-              <a:t>2021/6/18</a:t>
+              <a:t>2021/6/22</a:t>
             </a:fld>
             <a:endParaRPr lang="zh-CN" altLang="en-US"/>
           </a:p>
@@ -2680,7 +2697,7 @@
           <a:p>
             <a:fld id="{866DEFEA-9B49-4C08-9654-B1CAE5D6D99F}" type="datetimeFigureOut">
               <a:rPr lang="zh-CN" altLang="en-US" smtClean="0"/>
-              <a:t>2021/6/18</a:t>
+              <a:t>2021/6/22</a:t>
             </a:fld>
             <a:endParaRPr lang="zh-CN" altLang="en-US"/>
           </a:p>
@@ -2921,7 +2938,7 @@
           <a:p>
             <a:fld id="{866DEFEA-9B49-4C08-9654-B1CAE5D6D99F}" type="datetimeFigureOut">
               <a:rPr lang="zh-CN" altLang="en-US" smtClean="0"/>
-              <a:t>2021/6/18</a:t>
+              <a:t>2021/6/22</a:t>
             </a:fld>
             <a:endParaRPr lang="zh-CN" altLang="en-US"/>
           </a:p>
@@ -3427,6 +3444,550 @@
           <p:cNvPr id="2" name="标题 1">
             <a:extLst>
               <a:ext uri="{FF2B5EF4-FFF2-40B4-BE49-F238E27FC236}">
+                <a16:creationId xmlns:a16="http://schemas.microsoft.com/office/drawing/2014/main" id="{2A7D41E9-BFDF-4F34-ADD8-903590A4E00A}"/>
+              </a:ext>
+            </a:extLst>
+          </p:cNvPr>
+          <p:cNvSpPr>
+            <a:spLocks noGrp="1"/>
+          </p:cNvSpPr>
+          <p:nvPr>
+            <p:ph type="title"/>
+          </p:nvPr>
+        </p:nvSpPr>
+        <p:spPr/>
+        <p:txBody>
+          <a:bodyPr/>
+          <a:lstStyle/>
+          <a:p>
+            <a:r>
+              <a:rPr lang="zh-CN" altLang="en-US" dirty="0"/>
+              <a:t>配置编程</a:t>
+            </a:r>
+          </a:p>
+        </p:txBody>
+      </p:sp>
+      <p:pic>
+        <p:nvPicPr>
+          <p:cNvPr id="4" name="图片 3">
+            <a:extLst>
+              <a:ext uri="{FF2B5EF4-FFF2-40B4-BE49-F238E27FC236}">
+                <a16:creationId xmlns:a16="http://schemas.microsoft.com/office/drawing/2014/main" id="{334EB687-B06B-4C1C-8389-9CCB8B19C347}"/>
+              </a:ext>
+            </a:extLst>
+          </p:cNvPr>
+          <p:cNvPicPr>
+            <a:picLocks noChangeAspect="1"/>
+          </p:cNvPicPr>
+          <p:nvPr/>
+        </p:nvPicPr>
+        <p:blipFill>
+          <a:blip r:embed="rId2"/>
+          <a:stretch>
+            <a:fillRect/>
+          </a:stretch>
+        </p:blipFill>
+        <p:spPr>
+          <a:xfrm>
+            <a:off x="838200" y="4005649"/>
+            <a:ext cx="6219048" cy="1809524"/>
+          </a:xfrm>
+          <a:prstGeom prst="rect">
+            <a:avLst/>
+          </a:prstGeom>
+        </p:spPr>
+      </p:pic>
+      <p:pic>
+        <p:nvPicPr>
+          <p:cNvPr id="5" name="图片 4">
+            <a:extLst>
+              <a:ext uri="{FF2B5EF4-FFF2-40B4-BE49-F238E27FC236}">
+                <a16:creationId xmlns:a16="http://schemas.microsoft.com/office/drawing/2014/main" id="{C3FCD028-9046-465C-9B88-2E41D77885A5}"/>
+              </a:ext>
+            </a:extLst>
+          </p:cNvPr>
+          <p:cNvPicPr>
+            <a:picLocks noChangeAspect="1"/>
+          </p:cNvPicPr>
+          <p:nvPr/>
+        </p:nvPicPr>
+        <p:blipFill>
+          <a:blip r:embed="rId3"/>
+          <a:stretch>
+            <a:fillRect/>
+          </a:stretch>
+        </p:blipFill>
+        <p:spPr>
+          <a:xfrm>
+            <a:off x="838200" y="1690688"/>
+            <a:ext cx="4514286" cy="1742857"/>
+          </a:xfrm>
+          <a:prstGeom prst="rect">
+            <a:avLst/>
+          </a:prstGeom>
+        </p:spPr>
+      </p:pic>
+    </p:spTree>
+    <p:extLst>
+      <p:ext uri="{BB962C8B-B14F-4D97-AF65-F5344CB8AC3E}">
+        <p14:creationId xmlns:p14="http://schemas.microsoft.com/office/powerpoint/2010/main" val="1168473434"/>
+      </p:ext>
+    </p:extLst>
+  </p:cSld>
+  <p:clrMapOvr>
+    <a:masterClrMapping/>
+  </p:clrMapOvr>
+</p:sld>
+</file>
+
+<file path=ppt/slides/slide11.xml><?xml version="1.0" encoding="utf-8"?>
+<p:sld xmlns:a="http://schemas.openxmlformats.org/drawingml/2006/main" xmlns:r="http://schemas.openxmlformats.org/officeDocument/2006/relationships" xmlns:p="http://schemas.openxmlformats.org/presentationml/2006/main">
+  <p:cSld>
+    <p:spTree>
+      <p:nvGrpSpPr>
+        <p:cNvPr id="1" name=""/>
+        <p:cNvGrpSpPr/>
+        <p:nvPr/>
+      </p:nvGrpSpPr>
+      <p:grpSpPr>
+        <a:xfrm>
+          <a:off x="0" y="0"/>
+          <a:ext cx="0" cy="0"/>
+          <a:chOff x="0" y="0"/>
+          <a:chExt cx="0" cy="0"/>
+        </a:xfrm>
+      </p:grpSpPr>
+      <p:sp>
+        <p:nvSpPr>
+          <p:cNvPr id="2" name="标题 1">
+            <a:extLst>
+              <a:ext uri="{FF2B5EF4-FFF2-40B4-BE49-F238E27FC236}">
+                <a16:creationId xmlns:a16="http://schemas.microsoft.com/office/drawing/2014/main" id="{F0EFC4B8-D902-4665-924F-5EB58CD5ACD6}"/>
+              </a:ext>
+            </a:extLst>
+          </p:cNvPr>
+          <p:cNvSpPr>
+            <a:spLocks noGrp="1"/>
+          </p:cNvSpPr>
+          <p:nvPr>
+            <p:ph type="title"/>
+          </p:nvPr>
+        </p:nvSpPr>
+        <p:spPr/>
+        <p:txBody>
+          <a:bodyPr/>
+          <a:lstStyle/>
+          <a:p>
+            <a:r>
+              <a:rPr lang="en-US" altLang="zh-CN" dirty="0" err="1"/>
+              <a:t>IConfiguration</a:t>
+            </a:r>
+            <a:endParaRPr lang="zh-CN" altLang="en-US" dirty="0"/>
+          </a:p>
+        </p:txBody>
+      </p:sp>
+      <p:sp>
+        <p:nvSpPr>
+          <p:cNvPr id="3" name="内容占位符 2">
+            <a:extLst>
+              <a:ext uri="{FF2B5EF4-FFF2-40B4-BE49-F238E27FC236}">
+                <a16:creationId xmlns:a16="http://schemas.microsoft.com/office/drawing/2014/main" id="{BE37A921-3740-4CBA-AE79-45E8B20DDC55}"/>
+              </a:ext>
+            </a:extLst>
+          </p:cNvPr>
+          <p:cNvSpPr>
+            <a:spLocks noGrp="1"/>
+          </p:cNvSpPr>
+          <p:nvPr>
+            <p:ph idx="1"/>
+          </p:nvPr>
+        </p:nvSpPr>
+        <p:spPr>
+          <a:xfrm>
+            <a:off x="838200" y="2916195"/>
+            <a:ext cx="10515600" cy="1183623"/>
+          </a:xfrm>
+        </p:spPr>
+        <p:txBody>
+          <a:bodyPr>
+            <a:normAutofit/>
+          </a:bodyPr>
+          <a:lstStyle/>
+          <a:p>
+            <a:pPr marL="0" indent="0">
+              <a:buNone/>
+            </a:pPr>
+            <a:r>
+              <a:rPr lang="zh-CN" altLang="en-US" sz="2400" dirty="0">
+                <a:latin typeface="宋体" panose="02010600030101010101" pitchFamily="2" charset="-122"/>
+                <a:ea typeface="宋体" panose="02010600030101010101" pitchFamily="2" charset="-122"/>
+              </a:rPr>
+              <a:t>根节点所在的</a:t>
+            </a:r>
+            <a:r>
+              <a:rPr lang="en-US" altLang="zh-CN" sz="2400" dirty="0" err="1">
+                <a:latin typeface="宋体" panose="02010600030101010101" pitchFamily="2" charset="-122"/>
+                <a:ea typeface="宋体" panose="02010600030101010101" pitchFamily="2" charset="-122"/>
+              </a:rPr>
+              <a:t>IConfiguration</a:t>
+            </a:r>
+            <a:r>
+              <a:rPr lang="zh-CN" altLang="en-US" sz="2400" dirty="0">
+                <a:latin typeface="宋体" panose="02010600030101010101" pitchFamily="2" charset="-122"/>
+                <a:ea typeface="宋体" panose="02010600030101010101" pitchFamily="2" charset="-122"/>
+              </a:rPr>
+              <a:t>对象体现为一个</a:t>
+            </a:r>
+            <a:r>
+              <a:rPr lang="en-US" altLang="zh-CN" sz="2400" dirty="0" err="1">
+                <a:latin typeface="宋体" panose="02010600030101010101" pitchFamily="2" charset="-122"/>
+                <a:ea typeface="宋体" panose="02010600030101010101" pitchFamily="2" charset="-122"/>
+              </a:rPr>
+              <a:t>IConfigurationRoot</a:t>
+            </a:r>
+            <a:r>
+              <a:rPr lang="zh-CN" altLang="en-US" sz="2400" dirty="0">
+                <a:latin typeface="宋体" panose="02010600030101010101" pitchFamily="2" charset="-122"/>
+                <a:ea typeface="宋体" panose="02010600030101010101" pitchFamily="2" charset="-122"/>
+              </a:rPr>
+              <a:t>对象，除此之外的其他节点对象则被通过一个</a:t>
+            </a:r>
+            <a:r>
+              <a:rPr lang="en-US" altLang="zh-CN" sz="2400" dirty="0" err="1">
+                <a:latin typeface="宋体" panose="02010600030101010101" pitchFamily="2" charset="-122"/>
+                <a:ea typeface="宋体" panose="02010600030101010101" pitchFamily="2" charset="-122"/>
+              </a:rPr>
+              <a:t>IConfigurationSection</a:t>
+            </a:r>
+            <a:r>
+              <a:rPr lang="zh-CN" altLang="en-US" sz="2400" dirty="0">
+                <a:latin typeface="宋体" panose="02010600030101010101" pitchFamily="2" charset="-122"/>
+                <a:ea typeface="宋体" panose="02010600030101010101" pitchFamily="2" charset="-122"/>
+              </a:rPr>
+              <a:t>对象表示。这两个都是</a:t>
+            </a:r>
+            <a:r>
+              <a:rPr lang="en-US" altLang="zh-CN" sz="2400" dirty="0" err="1">
+                <a:latin typeface="宋体" panose="02010600030101010101" pitchFamily="2" charset="-122"/>
+                <a:ea typeface="宋体" panose="02010600030101010101" pitchFamily="2" charset="-122"/>
+              </a:rPr>
+              <a:t>Iconfiguration</a:t>
+            </a:r>
+            <a:r>
+              <a:rPr lang="zh-CN" altLang="en-US" sz="2400" dirty="0">
+                <a:latin typeface="宋体" panose="02010600030101010101" pitchFamily="2" charset="-122"/>
+                <a:ea typeface="宋体" panose="02010600030101010101" pitchFamily="2" charset="-122"/>
+              </a:rPr>
+              <a:t>的继承者。</a:t>
+            </a:r>
+          </a:p>
+        </p:txBody>
+      </p:sp>
+      <p:pic>
+        <p:nvPicPr>
+          <p:cNvPr id="5" name="图片 4">
+            <a:extLst>
+              <a:ext uri="{FF2B5EF4-FFF2-40B4-BE49-F238E27FC236}">
+                <a16:creationId xmlns:a16="http://schemas.microsoft.com/office/drawing/2014/main" id="{C8D5019A-9A4D-42A4-80A9-BDD3C3AB14DF}"/>
+              </a:ext>
+            </a:extLst>
+          </p:cNvPr>
+          <p:cNvPicPr>
+            <a:picLocks noChangeAspect="1"/>
+          </p:cNvPicPr>
+          <p:nvPr/>
+        </p:nvPicPr>
+        <p:blipFill>
+          <a:blip r:embed="rId2"/>
+          <a:stretch>
+            <a:fillRect/>
+          </a:stretch>
+        </p:blipFill>
+        <p:spPr>
+          <a:xfrm>
+            <a:off x="904022" y="1529612"/>
+            <a:ext cx="2838095" cy="1228571"/>
+          </a:xfrm>
+          <a:prstGeom prst="rect">
+            <a:avLst/>
+          </a:prstGeom>
+        </p:spPr>
+      </p:pic>
+      <p:pic>
+        <p:nvPicPr>
+          <p:cNvPr id="6" name="图片 5">
+            <a:extLst>
+              <a:ext uri="{FF2B5EF4-FFF2-40B4-BE49-F238E27FC236}">
+                <a16:creationId xmlns:a16="http://schemas.microsoft.com/office/drawing/2014/main" id="{96CFCC19-961E-44C9-A64F-A2E28D83E9B3}"/>
+              </a:ext>
+            </a:extLst>
+          </p:cNvPr>
+          <p:cNvPicPr>
+            <a:picLocks noChangeAspect="1"/>
+          </p:cNvPicPr>
+          <p:nvPr/>
+        </p:nvPicPr>
+        <p:blipFill>
+          <a:blip r:embed="rId3"/>
+          <a:stretch>
+            <a:fillRect/>
+          </a:stretch>
+        </p:blipFill>
+        <p:spPr>
+          <a:xfrm>
+            <a:off x="904022" y="4099818"/>
+            <a:ext cx="4342857" cy="761905"/>
+          </a:xfrm>
+          <a:prstGeom prst="rect">
+            <a:avLst/>
+          </a:prstGeom>
+        </p:spPr>
+      </p:pic>
+      <p:pic>
+        <p:nvPicPr>
+          <p:cNvPr id="7" name="图片 6">
+            <a:extLst>
+              <a:ext uri="{FF2B5EF4-FFF2-40B4-BE49-F238E27FC236}">
+                <a16:creationId xmlns:a16="http://schemas.microsoft.com/office/drawing/2014/main" id="{9F5964EE-3C45-42C3-BA6B-A498776981EC}"/>
+              </a:ext>
+            </a:extLst>
+          </p:cNvPr>
+          <p:cNvPicPr>
+            <a:picLocks noChangeAspect="1"/>
+          </p:cNvPicPr>
+          <p:nvPr/>
+        </p:nvPicPr>
+        <p:blipFill>
+          <a:blip r:embed="rId4"/>
+          <a:stretch>
+            <a:fillRect/>
+          </a:stretch>
+        </p:blipFill>
+        <p:spPr>
+          <a:xfrm>
+            <a:off x="904022" y="5052695"/>
+            <a:ext cx="4180952" cy="1085714"/>
+          </a:xfrm>
+          <a:prstGeom prst="rect">
+            <a:avLst/>
+          </a:prstGeom>
+        </p:spPr>
+      </p:pic>
+    </p:spTree>
+    <p:extLst>
+      <p:ext uri="{BB962C8B-B14F-4D97-AF65-F5344CB8AC3E}">
+        <p14:creationId xmlns:p14="http://schemas.microsoft.com/office/powerpoint/2010/main" val="2439363119"/>
+      </p:ext>
+    </p:extLst>
+  </p:cSld>
+  <p:clrMapOvr>
+    <a:masterClrMapping/>
+  </p:clrMapOvr>
+</p:sld>
+</file>
+
+<file path=ppt/slides/slide12.xml><?xml version="1.0" encoding="utf-8"?>
+<p:sld xmlns:a="http://schemas.openxmlformats.org/drawingml/2006/main" xmlns:r="http://schemas.openxmlformats.org/officeDocument/2006/relationships" xmlns:p="http://schemas.openxmlformats.org/presentationml/2006/main">
+  <p:cSld>
+    <p:spTree>
+      <p:nvGrpSpPr>
+        <p:cNvPr id="1" name=""/>
+        <p:cNvGrpSpPr/>
+        <p:nvPr/>
+      </p:nvGrpSpPr>
+      <p:grpSpPr>
+        <a:xfrm>
+          <a:off x="0" y="0"/>
+          <a:ext cx="0" cy="0"/>
+          <a:chOff x="0" y="0"/>
+          <a:chExt cx="0" cy="0"/>
+        </a:xfrm>
+      </p:grpSpPr>
+      <p:sp>
+        <p:nvSpPr>
+          <p:cNvPr id="2" name="标题 1">
+            <a:extLst>
+              <a:ext uri="{FF2B5EF4-FFF2-40B4-BE49-F238E27FC236}">
+                <a16:creationId xmlns:a16="http://schemas.microsoft.com/office/drawing/2014/main" id="{AF318E8F-DB25-4C57-B4A0-40D52CDD9548}"/>
+              </a:ext>
+            </a:extLst>
+          </p:cNvPr>
+          <p:cNvSpPr>
+            <a:spLocks noGrp="1"/>
+          </p:cNvSpPr>
+          <p:nvPr>
+            <p:ph type="title"/>
+          </p:nvPr>
+        </p:nvSpPr>
+        <p:spPr/>
+        <p:txBody>
+          <a:bodyPr/>
+          <a:lstStyle/>
+          <a:p>
+            <a:r>
+              <a:rPr lang="zh-CN" altLang="en-US" dirty="0"/>
+              <a:t>配置编程</a:t>
+            </a:r>
+          </a:p>
+        </p:txBody>
+      </p:sp>
+      <p:pic>
+        <p:nvPicPr>
+          <p:cNvPr id="4" name="内容占位符 3">
+            <a:extLst>
+              <a:ext uri="{FF2B5EF4-FFF2-40B4-BE49-F238E27FC236}">
+                <a16:creationId xmlns:a16="http://schemas.microsoft.com/office/drawing/2014/main" id="{9B5B932B-B524-49F0-B70E-A7323F44756A}"/>
+              </a:ext>
+            </a:extLst>
+          </p:cNvPr>
+          <p:cNvPicPr>
+            <a:picLocks noGrp="1" noChangeAspect="1"/>
+          </p:cNvPicPr>
+          <p:nvPr>
+            <p:ph idx="1"/>
+          </p:nvPr>
+        </p:nvPicPr>
+        <p:blipFill>
+          <a:blip r:embed="rId2"/>
+          <a:stretch>
+            <a:fillRect/>
+          </a:stretch>
+        </p:blipFill>
+        <p:spPr>
+          <a:xfrm>
+            <a:off x="1767428" y="1965389"/>
+            <a:ext cx="8657143" cy="4104762"/>
+          </a:xfrm>
+          <a:prstGeom prst="rect">
+            <a:avLst/>
+          </a:prstGeom>
+        </p:spPr>
+      </p:pic>
+    </p:spTree>
+    <p:extLst>
+      <p:ext uri="{BB962C8B-B14F-4D97-AF65-F5344CB8AC3E}">
+        <p14:creationId xmlns:p14="http://schemas.microsoft.com/office/powerpoint/2010/main" val="1706186120"/>
+      </p:ext>
+    </p:extLst>
+  </p:cSld>
+  <p:clrMapOvr>
+    <a:masterClrMapping/>
+  </p:clrMapOvr>
+</p:sld>
+</file>
+
+<file path=ppt/slides/slide13.xml><?xml version="1.0" encoding="utf-8"?>
+<p:sld xmlns:a="http://schemas.openxmlformats.org/drawingml/2006/main" xmlns:r="http://schemas.openxmlformats.org/officeDocument/2006/relationships" xmlns:p="http://schemas.openxmlformats.org/presentationml/2006/main">
+  <p:cSld>
+    <p:spTree>
+      <p:nvGrpSpPr>
+        <p:cNvPr id="1" name=""/>
+        <p:cNvGrpSpPr/>
+        <p:nvPr/>
+      </p:nvGrpSpPr>
+      <p:grpSpPr>
+        <a:xfrm>
+          <a:off x="0" y="0"/>
+          <a:ext cx="0" cy="0"/>
+          <a:chOff x="0" y="0"/>
+          <a:chExt cx="0" cy="0"/>
+        </a:xfrm>
+      </p:grpSpPr>
+      <p:sp>
+        <p:nvSpPr>
+          <p:cNvPr id="2" name="标题 1">
+            <a:extLst>
+              <a:ext uri="{FF2B5EF4-FFF2-40B4-BE49-F238E27FC236}">
+                <a16:creationId xmlns:a16="http://schemas.microsoft.com/office/drawing/2014/main" id="{D0751570-0997-4AC0-97E4-93B869D272E1}"/>
+              </a:ext>
+            </a:extLst>
+          </p:cNvPr>
+          <p:cNvSpPr>
+            <a:spLocks noGrp="1"/>
+          </p:cNvSpPr>
+          <p:nvPr>
+            <p:ph type="title"/>
+          </p:nvPr>
+        </p:nvSpPr>
+        <p:spPr/>
+        <p:txBody>
+          <a:bodyPr/>
+          <a:lstStyle/>
+          <a:p>
+            <a:r>
+              <a:rPr lang="zh-CN" altLang="en-US" dirty="0"/>
+              <a:t>配置框架</a:t>
+            </a:r>
+          </a:p>
+        </p:txBody>
+      </p:sp>
+      <p:pic>
+        <p:nvPicPr>
+          <p:cNvPr id="4" name="内容占位符 3">
+            <a:extLst>
+              <a:ext uri="{FF2B5EF4-FFF2-40B4-BE49-F238E27FC236}">
+                <a16:creationId xmlns:a16="http://schemas.microsoft.com/office/drawing/2014/main" id="{EE01E517-D5F6-44AB-A18C-4C4178BDDF71}"/>
+              </a:ext>
+            </a:extLst>
+          </p:cNvPr>
+          <p:cNvPicPr>
+            <a:picLocks noGrp="1" noChangeAspect="1"/>
+          </p:cNvPicPr>
+          <p:nvPr>
+            <p:ph idx="1"/>
+          </p:nvPr>
+        </p:nvPicPr>
+        <p:blipFill>
+          <a:blip r:embed="rId2"/>
+          <a:stretch>
+            <a:fillRect/>
+          </a:stretch>
+        </p:blipFill>
+        <p:spPr>
+          <a:xfrm>
+            <a:off x="1956338" y="1822494"/>
+            <a:ext cx="7933333" cy="3780952"/>
+          </a:xfrm>
+          <a:prstGeom prst="rect">
+            <a:avLst/>
+          </a:prstGeom>
+        </p:spPr>
+      </p:pic>
+    </p:spTree>
+    <p:extLst>
+      <p:ext uri="{BB962C8B-B14F-4D97-AF65-F5344CB8AC3E}">
+        <p14:creationId xmlns:p14="http://schemas.microsoft.com/office/powerpoint/2010/main" val="2876355083"/>
+      </p:ext>
+    </p:extLst>
+  </p:cSld>
+  <p:clrMapOvr>
+    <a:masterClrMapping/>
+  </p:clrMapOvr>
+</p:sld>
+</file>
+
+<file path=ppt/slides/slide14.xml><?xml version="1.0" encoding="utf-8"?>
+<p:sld xmlns:a="http://schemas.openxmlformats.org/drawingml/2006/main" xmlns:r="http://schemas.openxmlformats.org/officeDocument/2006/relationships" xmlns:p="http://schemas.openxmlformats.org/presentationml/2006/main">
+  <p:cSld>
+    <p:spTree>
+      <p:nvGrpSpPr>
+        <p:cNvPr id="1" name=""/>
+        <p:cNvGrpSpPr/>
+        <p:nvPr/>
+      </p:nvGrpSpPr>
+      <p:grpSpPr>
+        <a:xfrm>
+          <a:off x="0" y="0"/>
+          <a:ext cx="0" cy="0"/>
+          <a:chOff x="0" y="0"/>
+          <a:chExt cx="0" cy="0"/>
+        </a:xfrm>
+      </p:grpSpPr>
+      <p:sp>
+        <p:nvSpPr>
+          <p:cNvPr id="2" name="标题 1">
+            <a:extLst>
+              <a:ext uri="{FF2B5EF4-FFF2-40B4-BE49-F238E27FC236}">
                 <a16:creationId xmlns:a16="http://schemas.microsoft.com/office/drawing/2014/main" id="{D16FD4C4-1130-4D85-975F-87DC9BB40FE5}"/>
               </a:ext>
             </a:extLst>
@@ -3756,7 +4317,7 @@
 </p:sld>
 </file>
 
-<file path=ppt/slides/slide11.xml><?xml version="1.0" encoding="utf-8"?>
+<file path=ppt/slides/slide15.xml><?xml version="1.0" encoding="utf-8"?>
 <p:sld xmlns:a="http://schemas.openxmlformats.org/drawingml/2006/main" xmlns:r="http://schemas.openxmlformats.org/officeDocument/2006/relationships" xmlns:p="http://schemas.openxmlformats.org/presentationml/2006/main">
   <p:cSld>
     <p:spTree>
@@ -3778,7 +4339,7 @@
           <p:cNvPr id="2" name="标题 1">
             <a:extLst>
               <a:ext uri="{FF2B5EF4-FFF2-40B4-BE49-F238E27FC236}">
-                <a16:creationId xmlns:a16="http://schemas.microsoft.com/office/drawing/2014/main" id="{83AE1F4D-4BBE-4624-B337-0CA58E5DB0ED}"/>
+                <a16:creationId xmlns:a16="http://schemas.microsoft.com/office/drawing/2014/main" id="{F9B7BF36-ADF7-4AAF-8E2F-6B683B7A58DA}"/>
               </a:ext>
             </a:extLst>
           </p:cNvPr>
@@ -3795,16 +4356,8 @@
           <a:lstStyle/>
           <a:p>
             <a:r>
-              <a:rPr lang="en-US" altLang="zh-CN" dirty="0" err="1"/>
-              <a:t>.Net</a:t>
-            </a:r>
-            <a:r>
-              <a:rPr lang="en-US" altLang="zh-CN" dirty="0"/>
-              <a:t> Core </a:t>
-            </a:r>
-            <a:r>
               <a:rPr lang="zh-CN" altLang="en-US" dirty="0"/>
-              <a:t>作用域</a:t>
+              <a:t>配置框架和选项框架的关系</a:t>
             </a:r>
           </a:p>
         </p:txBody>
@@ -3814,7 +4367,7 @@
           <p:cNvPr id="3" name="内容占位符 2">
             <a:extLst>
               <a:ext uri="{FF2B5EF4-FFF2-40B4-BE49-F238E27FC236}">
-                <a16:creationId xmlns:a16="http://schemas.microsoft.com/office/drawing/2014/main" id="{A741C2D6-708C-4546-9C20-AD7782DC1C3A}"/>
+                <a16:creationId xmlns:a16="http://schemas.microsoft.com/office/drawing/2014/main" id="{B177226E-56D8-41B2-B1F7-FE776088F965}"/>
               </a:ext>
             </a:extLst>
           </p:cNvPr>
@@ -3827,85 +4380,147 @@
         </p:nvSpPr>
         <p:spPr/>
         <p:txBody>
-          <a:bodyPr/>
+          <a:bodyPr>
+            <a:normAutofit/>
+          </a:bodyPr>
           <a:lstStyle/>
           <a:p>
-            <a:r>
-              <a:rPr lang="en-US" altLang="zh-CN" dirty="0"/>
-              <a:t>Singleton </a:t>
-            </a:r>
-            <a:r>
-              <a:rPr lang="zh-CN" altLang="en-US" dirty="0"/>
-              <a:t>单例模式</a:t>
-            </a:r>
-            <a:endParaRPr lang="en-US" altLang="zh-CN" dirty="0"/>
-          </a:p>
-          <a:p>
             <a:pPr marL="0" indent="0">
               <a:buNone/>
             </a:pPr>
             <a:r>
-              <a:rPr lang="zh-CN" altLang="en-US" sz="2400" dirty="0"/>
-              <a:t>每一次请求都会创建一个新的实例</a:t>
-            </a:r>
-          </a:p>
-          <a:p>
-            <a:r>
-              <a:rPr lang="en-US" altLang="zh-CN" dirty="0"/>
-              <a:t>Scoped </a:t>
-            </a:r>
-            <a:r>
-              <a:rPr lang="zh-CN" altLang="en-US" dirty="0"/>
-              <a:t>区域模式</a:t>
-            </a:r>
-            <a:endParaRPr lang="en-US" altLang="zh-CN" dirty="0"/>
+              <a:rPr lang="zh-CN" altLang="en-US" sz="2400" dirty="0">
+                <a:latin typeface="宋体" panose="02010600030101010101" pitchFamily="2" charset="-122"/>
+                <a:ea typeface="宋体" panose="02010600030101010101" pitchFamily="2" charset="-122"/>
+              </a:rPr>
+              <a:t>选项本身和配置没有关系，但是配置大部分情况下作为绑定</a:t>
+            </a:r>
+            <a:r>
+              <a:rPr lang="en-US" altLang="zh-CN" sz="2400" dirty="0">
+                <a:latin typeface="宋体" panose="02010600030101010101" pitchFamily="2" charset="-122"/>
+                <a:ea typeface="宋体" panose="02010600030101010101" pitchFamily="2" charset="-122"/>
+              </a:rPr>
+              <a:t>Options</a:t>
+            </a:r>
+            <a:r>
+              <a:rPr lang="zh-CN" altLang="en-US" sz="2400" dirty="0">
+                <a:latin typeface="宋体" panose="02010600030101010101" pitchFamily="2" charset="-122"/>
+                <a:ea typeface="宋体" panose="02010600030101010101" pitchFamily="2" charset="-122"/>
+              </a:rPr>
+              <a:t>对象的数据源，所以有必要将两者结合在一起。</a:t>
+            </a:r>
+            <a:endParaRPr lang="en-US" altLang="zh-CN" sz="2400" dirty="0">
+              <a:latin typeface="宋体" panose="02010600030101010101" pitchFamily="2" charset="-122"/>
+              <a:ea typeface="宋体" panose="02010600030101010101" pitchFamily="2" charset="-122"/>
+            </a:endParaRPr>
+          </a:p>
+          <a:p>
+            <a:pPr latinLnBrk="1"/>
+            <a:r>
+              <a:rPr lang="zh-CN" altLang="en-US" sz="2400" dirty="0">
+                <a:latin typeface="宋体" panose="02010600030101010101" pitchFamily="2" charset="-122"/>
+                <a:ea typeface="宋体" panose="02010600030101010101" pitchFamily="2" charset="-122"/>
+              </a:rPr>
+              <a:t>将承载配置数据的</a:t>
+            </a:r>
+            <a:r>
+              <a:rPr lang="en-US" altLang="zh-CN" sz="2400" dirty="0" err="1">
+                <a:latin typeface="宋体" panose="02010600030101010101" pitchFamily="2" charset="-122"/>
+                <a:ea typeface="宋体" panose="02010600030101010101" pitchFamily="2" charset="-122"/>
+              </a:rPr>
+              <a:t>IConfiguration</a:t>
+            </a:r>
+            <a:r>
+              <a:rPr lang="zh-CN" altLang="en-US" sz="2400" dirty="0">
+                <a:latin typeface="宋体" panose="02010600030101010101" pitchFamily="2" charset="-122"/>
+                <a:ea typeface="宋体" panose="02010600030101010101" pitchFamily="2" charset="-122"/>
+              </a:rPr>
+              <a:t>对象绑定为</a:t>
+            </a:r>
+            <a:r>
+              <a:rPr lang="en-US" altLang="zh-CN" sz="2400" dirty="0">
+                <a:latin typeface="宋体" panose="02010600030101010101" pitchFamily="2" charset="-122"/>
+                <a:ea typeface="宋体" panose="02010600030101010101" pitchFamily="2" charset="-122"/>
+              </a:rPr>
+              <a:t>Options</a:t>
+            </a:r>
+            <a:r>
+              <a:rPr lang="zh-CN" altLang="en-US" sz="2400" dirty="0">
+                <a:latin typeface="宋体" panose="02010600030101010101" pitchFamily="2" charset="-122"/>
+                <a:ea typeface="宋体" panose="02010600030101010101" pitchFamily="2" charset="-122"/>
+              </a:rPr>
+              <a:t>对象。</a:t>
+            </a:r>
+          </a:p>
+          <a:p>
+            <a:pPr latinLnBrk="1"/>
+            <a:r>
+              <a:rPr lang="zh-CN" altLang="en-US" sz="2400" dirty="0">
+                <a:latin typeface="宋体" panose="02010600030101010101" pitchFamily="2" charset="-122"/>
+                <a:ea typeface="宋体" panose="02010600030101010101" pitchFamily="2" charset="-122"/>
+              </a:rPr>
+              <a:t>自动感知配置数据的变化。</a:t>
+            </a:r>
           </a:p>
           <a:p>
             <a:pPr marL="0" indent="0">
               <a:buNone/>
             </a:pPr>
-            <a:r>
-              <a:rPr lang="zh-CN" altLang="en-US" sz="2400" dirty="0"/>
-              <a:t>在同一个作用域下值初始化一个实例，每一个</a:t>
-            </a:r>
-            <a:r>
-              <a:rPr lang="en-US" altLang="zh-CN" sz="2400" dirty="0"/>
-              <a:t>request</a:t>
-            </a:r>
-            <a:r>
-              <a:rPr lang="zh-CN" altLang="en-US" sz="2400" dirty="0"/>
-              <a:t>指挥创建一个实例</a:t>
-            </a:r>
-          </a:p>
-          <a:p>
-            <a:r>
-              <a:rPr lang="en-US" altLang="zh-CN" dirty="0"/>
-              <a:t>Transient </a:t>
-            </a:r>
-            <a:r>
-              <a:rPr lang="zh-CN" altLang="en-US" dirty="0"/>
-              <a:t>短暂模式</a:t>
-            </a:r>
-            <a:endParaRPr lang="en-US" altLang="zh-CN" dirty="0"/>
+            <a:endParaRPr lang="en-US" altLang="zh-CN" sz="2400" dirty="0">
+              <a:latin typeface="宋体" panose="02010600030101010101" pitchFamily="2" charset="-122"/>
+              <a:ea typeface="宋体" panose="02010600030101010101" pitchFamily="2" charset="-122"/>
+            </a:endParaRPr>
           </a:p>
           <a:p>
             <a:pPr marL="0" indent="0">
               <a:buNone/>
             </a:pPr>
             <a:r>
-              <a:rPr lang="zh-CN" altLang="en-US" sz="2400" dirty="0"/>
-              <a:t>整个应用程序生命周期只会创建一个</a:t>
-            </a:r>
-          </a:p>
-          <a:p>
-            <a:endParaRPr lang="zh-CN" altLang="en-US" dirty="0"/>
+              <a:rPr lang="zh-CN" altLang="en-US" sz="2400" dirty="0">
+                <a:latin typeface="宋体" panose="02010600030101010101" pitchFamily="2" charset="-122"/>
+                <a:ea typeface="宋体" panose="02010600030101010101" pitchFamily="2" charset="-122"/>
+              </a:rPr>
+              <a:t>服务只依赖于</a:t>
+            </a:r>
+            <a:r>
+              <a:rPr lang="en-US" altLang="zh-CN" sz="2400" dirty="0">
+                <a:latin typeface="宋体" panose="02010600030101010101" pitchFamily="2" charset="-122"/>
+                <a:ea typeface="宋体" panose="02010600030101010101" pitchFamily="2" charset="-122"/>
+              </a:rPr>
+              <a:t>Options</a:t>
+            </a:r>
+            <a:r>
+              <a:rPr lang="zh-CN" altLang="en-US" sz="2400" dirty="0">
+                <a:latin typeface="宋体" panose="02010600030101010101" pitchFamily="2" charset="-122"/>
+                <a:ea typeface="宋体" panose="02010600030101010101" pitchFamily="2" charset="-122"/>
+              </a:rPr>
+              <a:t>，并没有依赖配置框架，也就是说服务只关心配置的是什么，不关心配置怎么来的，解除了配置和服务的依赖。另外也可以为所有的服务设计他们的</a:t>
+            </a:r>
+            <a:r>
+              <a:rPr lang="en-US" altLang="zh-CN" sz="2400" dirty="0">
+                <a:latin typeface="宋体" panose="02010600030101010101" pitchFamily="2" charset="-122"/>
+                <a:ea typeface="宋体" panose="02010600030101010101" pitchFamily="2" charset="-122"/>
+              </a:rPr>
+              <a:t>Options</a:t>
+            </a:r>
+            <a:r>
+              <a:rPr lang="zh-CN" altLang="en-US" sz="2400" dirty="0">
+                <a:latin typeface="宋体" panose="02010600030101010101" pitchFamily="2" charset="-122"/>
+                <a:ea typeface="宋体" panose="02010600030101010101" pitchFamily="2" charset="-122"/>
+              </a:rPr>
+              <a:t>，这样服务之间的选项配置也不会互相依赖。</a:t>
+            </a:r>
+            <a:endParaRPr lang="en-US" altLang="zh-CN" sz="2400" dirty="0">
+              <a:latin typeface="宋体" panose="02010600030101010101" pitchFamily="2" charset="-122"/>
+              <a:ea typeface="宋体" panose="02010600030101010101" pitchFamily="2" charset="-122"/>
+            </a:endParaRPr>
           </a:p>
         </p:txBody>
       </p:sp>
     </p:spTree>
     <p:extLst>
       <p:ext uri="{BB962C8B-B14F-4D97-AF65-F5344CB8AC3E}">
-        <p14:creationId xmlns:p14="http://schemas.microsoft.com/office/powerpoint/2010/main" val="2613999983"/>
+        <p14:creationId xmlns:p14="http://schemas.microsoft.com/office/powerpoint/2010/main" val="1381441539"/>
       </p:ext>
     </p:extLst>
   </p:cSld>
@@ -3915,7 +4530,7 @@
 </p:sld>
 </file>
 
-<file path=ppt/slides/slide12.xml><?xml version="1.0" encoding="utf-8"?>
+<file path=ppt/slides/slide16.xml><?xml version="1.0" encoding="utf-8"?>
 <p:sld xmlns:a="http://schemas.openxmlformats.org/drawingml/2006/main" xmlns:r="http://schemas.openxmlformats.org/officeDocument/2006/relationships" xmlns:p="http://schemas.openxmlformats.org/presentationml/2006/main">
   <p:cSld>
     <p:spTree>
@@ -3937,7 +4552,7 @@
           <p:cNvPr id="2" name="标题 1">
             <a:extLst>
               <a:ext uri="{FF2B5EF4-FFF2-40B4-BE49-F238E27FC236}">
-                <a16:creationId xmlns:a16="http://schemas.microsoft.com/office/drawing/2014/main" id="{233EEE46-F5D4-4EEA-A55A-2A305072AB0A}"/>
+                <a16:creationId xmlns:a16="http://schemas.microsoft.com/office/drawing/2014/main" id="{83AE1F4D-4BBE-4624-B337-0CA58E5DB0ED}"/>
               </a:ext>
             </a:extLst>
           </p:cNvPr>
@@ -3954,65 +4569,78 @@
           <a:lstStyle/>
           <a:p>
             <a:r>
+              <a:rPr lang="en-US" altLang="zh-CN" dirty="0" err="1"/>
+              <a:t>.Net</a:t>
+            </a:r>
+            <a:r>
+              <a:rPr lang="en-US" altLang="zh-CN" dirty="0"/>
+              <a:t> Core </a:t>
+            </a:r>
+            <a:r>
               <a:rPr lang="zh-CN" altLang="en-US" dirty="0"/>
-              <a:t>日志框架</a:t>
-            </a:r>
-          </a:p>
-        </p:txBody>
-      </p:sp>
-      <p:pic>
-        <p:nvPicPr>
-          <p:cNvPr id="1026" name="Picture 2" descr="在这里插入图片描述">
-            <a:extLst>
-              <a:ext uri="{FF2B5EF4-FFF2-40B4-BE49-F238E27FC236}">
-                <a16:creationId xmlns:a16="http://schemas.microsoft.com/office/drawing/2014/main" id="{B32DC26A-88BF-4A0B-AE46-C3EEFB3FD113}"/>
-              </a:ext>
-            </a:extLst>
-          </p:cNvPr>
-          <p:cNvPicPr>
-            <a:picLocks noGrp="1" noChangeAspect="1" noChangeArrowheads="1"/>
-          </p:cNvPicPr>
+              <a:t>生命周期</a:t>
+            </a:r>
+          </a:p>
+        </p:txBody>
+      </p:sp>
+      <p:sp>
+        <p:nvSpPr>
+          <p:cNvPr id="3" name="内容占位符 2">
+            <a:extLst>
+              <a:ext uri="{FF2B5EF4-FFF2-40B4-BE49-F238E27FC236}">
+                <a16:creationId xmlns:a16="http://schemas.microsoft.com/office/drawing/2014/main" id="{A741C2D6-708C-4546-9C20-AD7782DC1C3A}"/>
+              </a:ext>
+            </a:extLst>
+          </p:cNvPr>
+          <p:cNvSpPr>
+            <a:spLocks noGrp="1"/>
+          </p:cNvSpPr>
           <p:nvPr>
             <p:ph idx="1"/>
           </p:nvPr>
-        </p:nvPicPr>
-        <p:blipFill>
-          <a:blip r:embed="rId2">
-            <a:extLst>
-              <a:ext uri="{28A0092B-C50C-407E-A947-70E740481C1C}">
-                <a14:useLocalDpi xmlns:a14="http://schemas.microsoft.com/office/drawing/2010/main" val="0"/>
-              </a:ext>
-            </a:extLst>
-          </a:blip>
-          <a:srcRect/>
-          <a:stretch>
-            <a:fillRect/>
-          </a:stretch>
-        </p:blipFill>
-        <p:spPr bwMode="auto">
-          <a:xfrm>
-            <a:off x="4794421" y="365125"/>
-            <a:ext cx="6828798" cy="5837521"/>
-          </a:xfrm>
-          <a:prstGeom prst="rect">
-            <a:avLst/>
-          </a:prstGeom>
-          <a:noFill/>
-          <a:extLst>
-            <a:ext uri="{909E8E84-426E-40DD-AFC4-6F175D3DCCD1}">
-              <a14:hiddenFill xmlns:a14="http://schemas.microsoft.com/office/drawing/2010/main">
-                <a:solidFill>
-                  <a:srgbClr val="FFFFFF"/>
-                </a:solidFill>
-              </a14:hiddenFill>
-            </a:ext>
-          </a:extLst>
-        </p:spPr>
-      </p:pic>
+        </p:nvSpPr>
+        <p:spPr/>
+        <p:txBody>
+          <a:bodyPr/>
+          <a:lstStyle/>
+          <a:p>
+            <a:r>
+              <a:rPr lang="en-US" altLang="zh-CN" dirty="0"/>
+              <a:t>Singleton </a:t>
+            </a:r>
+            <a:r>
+              <a:rPr lang="zh-CN" altLang="en-US" dirty="0"/>
+              <a:t>单例模式</a:t>
+            </a:r>
+            <a:endParaRPr lang="en-US" altLang="zh-CN" dirty="0"/>
+          </a:p>
+          <a:p>
+            <a:r>
+              <a:rPr lang="en-US" altLang="zh-CN" dirty="0"/>
+              <a:t>Scoped </a:t>
+            </a:r>
+            <a:r>
+              <a:rPr lang="zh-CN" altLang="en-US" dirty="0"/>
+              <a:t>区域模式</a:t>
+            </a:r>
+            <a:endParaRPr lang="en-US" altLang="zh-CN" dirty="0"/>
+          </a:p>
+          <a:p>
+            <a:r>
+              <a:rPr lang="en-US" altLang="zh-CN" dirty="0"/>
+              <a:t>Transient </a:t>
+            </a:r>
+            <a:r>
+              <a:rPr lang="zh-CN" altLang="en-US" dirty="0"/>
+              <a:t>短暂模式</a:t>
+            </a:r>
+          </a:p>
+        </p:txBody>
+      </p:sp>
     </p:spTree>
     <p:extLst>
       <p:ext uri="{BB962C8B-B14F-4D97-AF65-F5344CB8AC3E}">
-        <p14:creationId xmlns:p14="http://schemas.microsoft.com/office/powerpoint/2010/main" val="1545787626"/>
+        <p14:creationId xmlns:p14="http://schemas.microsoft.com/office/powerpoint/2010/main" val="2613999983"/>
       </p:ext>
     </p:extLst>
   </p:cSld>
@@ -4022,7 +4650,7 @@
 </p:sld>
 </file>
 
-<file path=ppt/slides/slide13.xml><?xml version="1.0" encoding="utf-8"?>
+<file path=ppt/slides/slide17.xml><?xml version="1.0" encoding="utf-8"?>
 <p:sld xmlns:a="http://schemas.openxmlformats.org/drawingml/2006/main" xmlns:r="http://schemas.openxmlformats.org/officeDocument/2006/relationships" xmlns:p="http://schemas.openxmlformats.org/presentationml/2006/main">
   <p:cSld>
     <p:spTree>
@@ -4044,7 +4672,7 @@
           <p:cNvPr id="2" name="标题 1">
             <a:extLst>
               <a:ext uri="{FF2B5EF4-FFF2-40B4-BE49-F238E27FC236}">
-                <a16:creationId xmlns:a16="http://schemas.microsoft.com/office/drawing/2014/main" id="{FC915055-564C-4F89-B4A5-080469377E83}"/>
+                <a16:creationId xmlns:a16="http://schemas.microsoft.com/office/drawing/2014/main" id="{BE801869-147B-4C27-9981-CE74DD2FE10B}"/>
               </a:ext>
             </a:extLst>
           </p:cNvPr>
@@ -4057,39 +4685,382 @@
         </p:nvSpPr>
         <p:spPr/>
         <p:txBody>
+          <a:bodyPr/>
+          <a:lstStyle/>
+          <a:p>
+            <a:r>
+              <a:rPr lang="en-US" altLang="zh-CN" dirty="0" err="1"/>
+              <a:t>.Net</a:t>
+            </a:r>
+            <a:r>
+              <a:rPr lang="en-US" altLang="zh-CN" dirty="0"/>
+              <a:t> Core </a:t>
+            </a:r>
+            <a:r>
+              <a:rPr lang="zh-CN" altLang="en-US" dirty="0"/>
+              <a:t>生命周期</a:t>
+            </a:r>
+          </a:p>
+        </p:txBody>
+      </p:sp>
+      <p:sp>
+        <p:nvSpPr>
+          <p:cNvPr id="3" name="内容占位符 2">
+            <a:extLst>
+              <a:ext uri="{FF2B5EF4-FFF2-40B4-BE49-F238E27FC236}">
+                <a16:creationId xmlns:a16="http://schemas.microsoft.com/office/drawing/2014/main" id="{89909C3B-DD88-4B6C-961A-BF375C258B10}"/>
+              </a:ext>
+            </a:extLst>
+          </p:cNvPr>
+          <p:cNvSpPr>
+            <a:spLocks noGrp="1"/>
+          </p:cNvSpPr>
+          <p:nvPr>
+            <p:ph idx="1"/>
+          </p:nvPr>
+        </p:nvSpPr>
+        <p:spPr>
+          <a:xfrm>
+            <a:off x="736957" y="1825625"/>
+            <a:ext cx="10515600" cy="961384"/>
+          </a:xfrm>
+        </p:spPr>
+        <p:txBody>
           <a:bodyPr>
-            <a:normAutofit fontScale="90000"/>
+            <a:normAutofit lnSpcReduction="10000"/>
           </a:bodyPr>
           <a:lstStyle/>
           <a:p>
-            <a:br>
-              <a:rPr lang="zh-CN" altLang="zh-CN" dirty="0"/>
-            </a:br>
-            <a:r>
-              <a:rPr lang="zh-CN" altLang="zh-CN" dirty="0"/>
-              <a:t>常用的</a:t>
+            <a:pPr marL="0" indent="0">
+              <a:buNone/>
+            </a:pPr>
+            <a:r>
+              <a:rPr lang="en-US" altLang="zh-CN" sz="1600" dirty="0">
+                <a:latin typeface="宋体" panose="02010600030101010101" pitchFamily="2" charset="-122"/>
+                <a:ea typeface="宋体" panose="02010600030101010101" pitchFamily="2" charset="-122"/>
+              </a:rPr>
+              <a:t>Singleton</a:t>
+            </a:r>
+            <a:r>
+              <a:rPr lang="zh-CN" altLang="en-US" sz="1600" dirty="0">
+                <a:latin typeface="宋体" panose="02010600030101010101" pitchFamily="2" charset="-122"/>
+                <a:ea typeface="宋体" panose="02010600030101010101" pitchFamily="2" charset="-122"/>
+              </a:rPr>
+              <a:t>和</a:t>
+            </a:r>
+            <a:r>
+              <a:rPr lang="en-US" altLang="zh-CN" sz="1600" dirty="0">
+                <a:latin typeface="宋体" panose="02010600030101010101" pitchFamily="2" charset="-122"/>
+                <a:ea typeface="宋体" panose="02010600030101010101" pitchFamily="2" charset="-122"/>
+              </a:rPr>
+              <a:t>Transient</a:t>
+            </a:r>
+            <a:r>
+              <a:rPr lang="zh-CN" altLang="en-US" sz="1600" dirty="0">
+                <a:latin typeface="宋体" panose="02010600030101010101" pitchFamily="2" charset="-122"/>
+                <a:ea typeface="宋体" panose="02010600030101010101" pitchFamily="2" charset="-122"/>
+              </a:rPr>
+              <a:t>都具有明确的语义，但是</a:t>
+            </a:r>
+            <a:r>
+              <a:rPr lang="en-US" altLang="zh-CN" sz="1600" dirty="0">
+                <a:latin typeface="宋体" panose="02010600030101010101" pitchFamily="2" charset="-122"/>
+                <a:ea typeface="宋体" panose="02010600030101010101" pitchFamily="2" charset="-122"/>
+              </a:rPr>
+              <a:t>Scoped</a:t>
+            </a:r>
+            <a:r>
+              <a:rPr lang="zh-CN" altLang="en-US" sz="1600" dirty="0">
+                <a:latin typeface="宋体" panose="02010600030101010101" pitchFamily="2" charset="-122"/>
+                <a:ea typeface="宋体" panose="02010600030101010101" pitchFamily="2" charset="-122"/>
+              </a:rPr>
+              <a:t>代表一种怎样的生命周期模式。这里所谓的</a:t>
+            </a:r>
+            <a:r>
+              <a:rPr lang="en-US" altLang="zh-CN" sz="1600" dirty="0">
+                <a:latin typeface="宋体" panose="02010600030101010101" pitchFamily="2" charset="-122"/>
+                <a:ea typeface="宋体" panose="02010600030101010101" pitchFamily="2" charset="-122"/>
+              </a:rPr>
+              <a:t>Scope</a:t>
+            </a:r>
+            <a:r>
+              <a:rPr lang="zh-CN" altLang="en-US" sz="1600" dirty="0">
+                <a:latin typeface="宋体" panose="02010600030101010101" pitchFamily="2" charset="-122"/>
+                <a:ea typeface="宋体" panose="02010600030101010101" pitchFamily="2" charset="-122"/>
+              </a:rPr>
+              <a:t>指的是由</a:t>
+            </a:r>
+            <a:r>
+              <a:rPr lang="en-US" altLang="zh-CN" sz="1600" dirty="0" err="1">
+                <a:latin typeface="宋体" panose="02010600030101010101" pitchFamily="2" charset="-122"/>
+                <a:ea typeface="宋体" panose="02010600030101010101" pitchFamily="2" charset="-122"/>
+              </a:rPr>
+              <a:t>IServiceScope</a:t>
+            </a:r>
+            <a:r>
+              <a:rPr lang="zh-CN" altLang="en-US" sz="1600" dirty="0">
+                <a:latin typeface="宋体" panose="02010600030101010101" pitchFamily="2" charset="-122"/>
+                <a:ea typeface="宋体" panose="02010600030101010101" pitchFamily="2" charset="-122"/>
+              </a:rPr>
+              <a:t>接口表示的“服务范围”，该范围由</a:t>
+            </a:r>
+            <a:r>
+              <a:rPr lang="en-US" altLang="zh-CN" sz="1600" dirty="0" err="1">
+                <a:latin typeface="宋体" panose="02010600030101010101" pitchFamily="2" charset="-122"/>
+                <a:ea typeface="宋体" panose="02010600030101010101" pitchFamily="2" charset="-122"/>
+              </a:rPr>
+              <a:t>IServiceScopeFactory</a:t>
+            </a:r>
+            <a:r>
+              <a:rPr lang="zh-CN" altLang="en-US" sz="1600" dirty="0">
+                <a:latin typeface="宋体" panose="02010600030101010101" pitchFamily="2" charset="-122"/>
+                <a:ea typeface="宋体" panose="02010600030101010101" pitchFamily="2" charset="-122"/>
+              </a:rPr>
+              <a:t>接口表示的“服务范围工厂”来创建。如下面的代码片段所示，</a:t>
+            </a:r>
+            <a:r>
+              <a:rPr lang="en-US" altLang="zh-CN" sz="1600" dirty="0" err="1">
+                <a:latin typeface="宋体" panose="02010600030101010101" pitchFamily="2" charset="-122"/>
+                <a:ea typeface="宋体" panose="02010600030101010101" pitchFamily="2" charset="-122"/>
+              </a:rPr>
+              <a:t>IServiceProvider</a:t>
+            </a:r>
+            <a:r>
+              <a:rPr lang="zh-CN" altLang="en-US" sz="1600" dirty="0">
+                <a:latin typeface="宋体" panose="02010600030101010101" pitchFamily="2" charset="-122"/>
+                <a:ea typeface="宋体" panose="02010600030101010101" pitchFamily="2" charset="-122"/>
+              </a:rPr>
+              <a:t>的扩展方法</a:t>
+            </a:r>
+            <a:r>
+              <a:rPr lang="en-US" altLang="zh-CN" sz="1600" dirty="0" err="1">
+                <a:latin typeface="宋体" panose="02010600030101010101" pitchFamily="2" charset="-122"/>
+                <a:ea typeface="宋体" panose="02010600030101010101" pitchFamily="2" charset="-122"/>
+              </a:rPr>
+              <a:t>CreateScope</a:t>
+            </a:r>
+            <a:r>
+              <a:rPr lang="zh-CN" altLang="en-US" sz="1600" dirty="0">
+                <a:latin typeface="宋体" panose="02010600030101010101" pitchFamily="2" charset="-122"/>
+                <a:ea typeface="宋体" panose="02010600030101010101" pitchFamily="2" charset="-122"/>
+              </a:rPr>
+              <a:t>正是利用提供的</a:t>
+            </a:r>
+            <a:r>
+              <a:rPr lang="en-US" altLang="zh-CN" sz="1600" dirty="0" err="1">
+                <a:latin typeface="宋体" panose="02010600030101010101" pitchFamily="2" charset="-122"/>
+                <a:ea typeface="宋体" panose="02010600030101010101" pitchFamily="2" charset="-122"/>
+              </a:rPr>
+              <a:t>IServiceScopeFactory</a:t>
+            </a:r>
+            <a:r>
+              <a:rPr lang="zh-CN" altLang="en-US" sz="1600" dirty="0">
+                <a:latin typeface="宋体" panose="02010600030101010101" pitchFamily="2" charset="-122"/>
+                <a:ea typeface="宋体" panose="02010600030101010101" pitchFamily="2" charset="-122"/>
+              </a:rPr>
+              <a:t>服务实例来创建作为服务范围的</a:t>
+            </a:r>
+            <a:r>
+              <a:rPr lang="en-US" altLang="zh-CN" sz="1600" dirty="0" err="1">
+                <a:latin typeface="宋体" panose="02010600030101010101" pitchFamily="2" charset="-122"/>
+                <a:ea typeface="宋体" panose="02010600030101010101" pitchFamily="2" charset="-122"/>
+              </a:rPr>
+              <a:t>IServiceScope</a:t>
+            </a:r>
+            <a:r>
+              <a:rPr lang="zh-CN" altLang="en-US" sz="1600" dirty="0">
+                <a:latin typeface="宋体" panose="02010600030101010101" pitchFamily="2" charset="-122"/>
+                <a:ea typeface="宋体" panose="02010600030101010101" pitchFamily="2" charset="-122"/>
+              </a:rPr>
+              <a:t>对象。</a:t>
+            </a:r>
+            <a:endParaRPr lang="en-US" altLang="zh-CN" sz="1600" dirty="0">
+              <a:latin typeface="宋体" panose="02010600030101010101" pitchFamily="2" charset="-122"/>
+              <a:ea typeface="宋体" panose="02010600030101010101" pitchFamily="2" charset="-122"/>
+            </a:endParaRPr>
+          </a:p>
+          <a:p>
+            <a:pPr marL="0" indent="0">
+              <a:buNone/>
+            </a:pPr>
+            <a:endParaRPr lang="en-US" altLang="zh-CN" sz="1600" dirty="0"/>
+          </a:p>
+          <a:p>
+            <a:pPr marL="0" indent="0">
+              <a:buNone/>
+            </a:pPr>
+            <a:endParaRPr lang="en-US" altLang="zh-CN" sz="1600" dirty="0"/>
+          </a:p>
+          <a:p>
+            <a:pPr marL="0" indent="0">
+              <a:buNone/>
+            </a:pPr>
+            <a:endParaRPr lang="en-US" altLang="zh-CN" sz="1600" dirty="0"/>
+          </a:p>
+          <a:p>
+            <a:pPr marL="0" indent="0">
+              <a:buNone/>
+            </a:pPr>
+            <a:endParaRPr lang="en-US" altLang="zh-CN" sz="1600" dirty="0"/>
+          </a:p>
+          <a:p>
+            <a:pPr marL="0" indent="0">
+              <a:buNone/>
+            </a:pPr>
+            <a:endParaRPr lang="en-US" altLang="zh-CN" sz="1600" dirty="0"/>
+          </a:p>
+          <a:p>
+            <a:pPr marL="0" indent="0">
+              <a:buNone/>
+            </a:pPr>
+            <a:endParaRPr lang="en-US" altLang="zh-CN" sz="1600" dirty="0"/>
+          </a:p>
+          <a:p>
+            <a:pPr marL="0" indent="0">
+              <a:buNone/>
+            </a:pPr>
+            <a:endParaRPr lang="en-US" altLang="zh-CN" sz="1600" dirty="0"/>
+          </a:p>
+          <a:p>
+            <a:pPr marL="0" indent="0">
+              <a:buNone/>
+            </a:pPr>
+            <a:endParaRPr lang="en-US" altLang="zh-CN" sz="1600" dirty="0"/>
+          </a:p>
+        </p:txBody>
+      </p:sp>
+      <p:pic>
+        <p:nvPicPr>
+          <p:cNvPr id="4" name="图片 3">
+            <a:extLst>
+              <a:ext uri="{FF2B5EF4-FFF2-40B4-BE49-F238E27FC236}">
+                <a16:creationId xmlns:a16="http://schemas.microsoft.com/office/drawing/2014/main" id="{526877D3-A806-4033-B1BA-68348254776D}"/>
+              </a:ext>
+            </a:extLst>
+          </p:cNvPr>
+          <p:cNvPicPr>
+            <a:picLocks noChangeAspect="1"/>
+          </p:cNvPicPr>
+          <p:nvPr/>
+        </p:nvPicPr>
+        <p:blipFill>
+          <a:blip r:embed="rId2"/>
+          <a:stretch>
+            <a:fillRect/>
+          </a:stretch>
+        </p:blipFill>
+        <p:spPr>
+          <a:xfrm>
+            <a:off x="906491" y="3338943"/>
+            <a:ext cx="9390476" cy="2428571"/>
+          </a:xfrm>
+          <a:prstGeom prst="rect">
+            <a:avLst/>
+          </a:prstGeom>
+        </p:spPr>
+      </p:pic>
+    </p:spTree>
+    <p:extLst>
+      <p:ext uri="{BB962C8B-B14F-4D97-AF65-F5344CB8AC3E}">
+        <p14:creationId xmlns:p14="http://schemas.microsoft.com/office/powerpoint/2010/main" val="1110314399"/>
+      </p:ext>
+    </p:extLst>
+  </p:cSld>
+  <p:clrMapOvr>
+    <a:masterClrMapping/>
+  </p:clrMapOvr>
+</p:sld>
+</file>
+
+<file path=ppt/slides/slide18.xml><?xml version="1.0" encoding="utf-8"?>
+<p:sld xmlns:a="http://schemas.openxmlformats.org/drawingml/2006/main" xmlns:r="http://schemas.openxmlformats.org/officeDocument/2006/relationships" xmlns:p="http://schemas.openxmlformats.org/presentationml/2006/main">
+  <p:cSld>
+    <p:spTree>
+      <p:nvGrpSpPr>
+        <p:cNvPr id="1" name=""/>
+        <p:cNvGrpSpPr/>
+        <p:nvPr/>
+      </p:nvGrpSpPr>
+      <p:grpSpPr>
+        <a:xfrm>
+          <a:off x="0" y="0"/>
+          <a:ext cx="0" cy="0"/>
+          <a:chOff x="0" y="0"/>
+          <a:chExt cx="0" cy="0"/>
+        </a:xfrm>
+      </p:grpSpPr>
+      <p:sp>
+        <p:nvSpPr>
+          <p:cNvPr id="2" name="标题 1">
+            <a:extLst>
+              <a:ext uri="{FF2B5EF4-FFF2-40B4-BE49-F238E27FC236}">
+                <a16:creationId xmlns:a16="http://schemas.microsoft.com/office/drawing/2014/main" id="{369E64FF-AC09-4295-AE40-FB683CE87A23}"/>
+              </a:ext>
+            </a:extLst>
+          </p:cNvPr>
+          <p:cNvSpPr>
+            <a:spLocks noGrp="1"/>
+          </p:cNvSpPr>
+          <p:nvPr>
+            <p:ph type="title"/>
+          </p:nvPr>
+        </p:nvSpPr>
+        <p:spPr/>
+        <p:txBody>
+          <a:bodyPr/>
+          <a:lstStyle/>
+          <a:p>
+            <a:r>
+              <a:rPr lang="en-US" altLang="zh-CN" dirty="0" err="1"/>
+              <a:t>.Net</a:t>
             </a:r>
             <a:r>
               <a:rPr lang="en-US" altLang="zh-CN" dirty="0"/>
-              <a:t>.NET Core</a:t>
-            </a:r>
-            <a:r>
-              <a:rPr lang="zh-CN" altLang="zh-CN" dirty="0"/>
-              <a:t>中间件和路由终结点概念</a:t>
-            </a:r>
-            <a:br>
-              <a:rPr lang="zh-CN" altLang="zh-CN" dirty="0"/>
-            </a:br>
-            <a:endParaRPr lang="zh-CN" altLang="en-US" dirty="0"/>
-          </a:p>
-        </p:txBody>
-      </p:sp>
-      <p:sp>
-        <p:nvSpPr>
-          <p:cNvPr id="3" name="内容占位符 2">
-            <a:extLst>
-              <a:ext uri="{FF2B5EF4-FFF2-40B4-BE49-F238E27FC236}">
-                <a16:creationId xmlns:a16="http://schemas.microsoft.com/office/drawing/2014/main" id="{223C0C8E-4992-477A-9B95-CD531FFBFE7A}"/>
+              <a:t> Core </a:t>
+            </a:r>
+            <a:r>
+              <a:rPr lang="zh-CN" altLang="en-US" dirty="0"/>
+              <a:t>生命周期</a:t>
+            </a:r>
+          </a:p>
+        </p:txBody>
+      </p:sp>
+      <p:pic>
+        <p:nvPicPr>
+          <p:cNvPr id="6" name="图片 5">
+            <a:extLst>
+              <a:ext uri="{FF2B5EF4-FFF2-40B4-BE49-F238E27FC236}">
+                <a16:creationId xmlns:a16="http://schemas.microsoft.com/office/drawing/2014/main" id="{2D14C4B0-42B8-4CBE-96F2-9CAB60399E46}"/>
+              </a:ext>
+            </a:extLst>
+          </p:cNvPr>
+          <p:cNvPicPr>
+            <a:picLocks noChangeAspect="1"/>
+          </p:cNvPicPr>
+          <p:nvPr/>
+        </p:nvPicPr>
+        <p:blipFill>
+          <a:blip r:embed="rId2"/>
+          <a:stretch>
+            <a:fillRect/>
+          </a:stretch>
+        </p:blipFill>
+        <p:spPr>
+          <a:xfrm>
+            <a:off x="838200" y="1748913"/>
+            <a:ext cx="4685714" cy="2800000"/>
+          </a:xfrm>
+          <a:prstGeom prst="rect">
+            <a:avLst/>
+          </a:prstGeom>
+        </p:spPr>
+      </p:pic>
+      <p:sp>
+        <p:nvSpPr>
+          <p:cNvPr id="8" name="内容占位符 7">
+            <a:extLst>
+              <a:ext uri="{FF2B5EF4-FFF2-40B4-BE49-F238E27FC236}">
+                <a16:creationId xmlns:a16="http://schemas.microsoft.com/office/drawing/2014/main" id="{A3259A77-C5B1-47E1-A03C-B85A007B09A2}"/>
               </a:ext>
             </a:extLst>
           </p:cNvPr>
@@ -4100,229 +5071,125 @@
             <p:ph idx="1"/>
           </p:nvPr>
         </p:nvSpPr>
-        <p:spPr/>
+        <p:spPr>
+          <a:xfrm>
+            <a:off x="838200" y="4868561"/>
+            <a:ext cx="10515600" cy="1399017"/>
+          </a:xfrm>
+        </p:spPr>
         <p:txBody>
           <a:bodyPr>
             <a:normAutofit/>
           </a:bodyPr>
           <a:lstStyle/>
           <a:p>
-            <a:r>
-              <a:rPr lang="zh-CN" altLang="en-US" sz="1600" dirty="0"/>
-              <a:t>第一步：执行</a:t>
-            </a:r>
-            <a:r>
-              <a:rPr lang="en-US" altLang="zh-CN" sz="1600" dirty="0" err="1"/>
-              <a:t>services.AddControllers</a:t>
-            </a:r>
-            <a:r>
-              <a:rPr lang="en-US" altLang="zh-CN" sz="1600" dirty="0"/>
-              <a:t>() </a:t>
-            </a:r>
-            <a:r>
-              <a:rPr lang="zh-CN" altLang="en-US" sz="1600" dirty="0"/>
-              <a:t>将</a:t>
-            </a:r>
-            <a:r>
-              <a:rPr lang="en-US" altLang="zh-CN" sz="1600" dirty="0"/>
-              <a:t>Controller</a:t>
-            </a:r>
-            <a:r>
-              <a:rPr lang="zh-CN" altLang="en-US" sz="1600" dirty="0"/>
-              <a:t>的核心服务注册到容器中去</a:t>
-            </a:r>
-            <a:endParaRPr lang="en-US" altLang="zh-CN" sz="1600" dirty="0"/>
-          </a:p>
-          <a:p>
-            <a:r>
-              <a:rPr lang="zh-CN" altLang="en-US" sz="1600" dirty="0"/>
-              <a:t>第二步：执行</a:t>
-            </a:r>
-            <a:r>
-              <a:rPr lang="en-US" altLang="zh-CN" sz="1600" dirty="0" err="1"/>
-              <a:t>app.UseRouting</a:t>
-            </a:r>
-            <a:r>
-              <a:rPr lang="en-US" altLang="zh-CN" sz="1600" dirty="0"/>
-              <a:t>() </a:t>
-            </a:r>
-            <a:r>
-              <a:rPr lang="zh-CN" altLang="en-US" sz="1600" dirty="0"/>
-              <a:t>将</a:t>
-            </a:r>
-            <a:r>
-              <a:rPr lang="en-US" altLang="zh-CN" sz="1600" dirty="0" err="1"/>
-              <a:t>EndpointRoutingMiddleware</a:t>
-            </a:r>
-            <a:r>
-              <a:rPr lang="zh-CN" altLang="en-US" sz="1600" dirty="0"/>
-              <a:t>中间件注册到</a:t>
-            </a:r>
-            <a:r>
-              <a:rPr lang="en-US" altLang="zh-CN" sz="1600" dirty="0"/>
-              <a:t>http</a:t>
-            </a:r>
-            <a:r>
-              <a:rPr lang="zh-CN" altLang="en-US" sz="1600" dirty="0"/>
-              <a:t>管道中</a:t>
-            </a:r>
-            <a:endParaRPr lang="en-US" altLang="zh-CN" sz="1600" dirty="0"/>
-          </a:p>
-          <a:p>
-            <a:r>
-              <a:rPr lang="zh-CN" altLang="en-US" sz="1600" dirty="0"/>
-              <a:t>第三步：执行</a:t>
-            </a:r>
-            <a:r>
-              <a:rPr lang="en-US" altLang="zh-CN" sz="1600" dirty="0" err="1"/>
-              <a:t>app.UseAuthorization</a:t>
-            </a:r>
-            <a:r>
-              <a:rPr lang="en-US" altLang="zh-CN" sz="1600" dirty="0"/>
-              <a:t>() </a:t>
-            </a:r>
-            <a:r>
-              <a:rPr lang="zh-CN" altLang="en-US" sz="1600" dirty="0"/>
-              <a:t>将</a:t>
-            </a:r>
-            <a:r>
-              <a:rPr lang="en-US" altLang="zh-CN" sz="1600" dirty="0" err="1"/>
-              <a:t>AuthorizationMiddleware</a:t>
-            </a:r>
-            <a:r>
-              <a:rPr lang="zh-CN" altLang="en-US" sz="1600" dirty="0"/>
-              <a:t>中间件注册到</a:t>
-            </a:r>
-            <a:r>
-              <a:rPr lang="en-US" altLang="zh-CN" sz="1600" dirty="0"/>
-              <a:t>http</a:t>
-            </a:r>
-            <a:r>
-              <a:rPr lang="zh-CN" altLang="en-US" sz="1600" dirty="0"/>
-              <a:t>管道中</a:t>
-            </a:r>
-            <a:endParaRPr lang="en-US" altLang="zh-CN" sz="1600" dirty="0"/>
-          </a:p>
-          <a:p>
-            <a:r>
-              <a:rPr lang="zh-CN" altLang="en-US" sz="1600" dirty="0"/>
-              <a:t>第四步：执行</a:t>
-            </a:r>
-            <a:r>
-              <a:rPr lang="en-US" altLang="zh-CN" sz="1600" dirty="0" err="1"/>
-              <a:t>app.UseEndpoints</a:t>
-            </a:r>
-            <a:r>
-              <a:rPr lang="en-US" altLang="zh-CN" sz="1600" dirty="0"/>
-              <a:t>(</a:t>
-            </a:r>
-            <a:r>
-              <a:rPr lang="en-US" altLang="zh-CN" sz="1600" dirty="0" err="1"/>
-              <a:t>encpoints</a:t>
-            </a:r>
-            <a:r>
-              <a:rPr lang="en-US" altLang="zh-CN" sz="1600" dirty="0"/>
-              <a:t>=&gt;</a:t>
-            </a:r>
-            <a:r>
-              <a:rPr lang="en-US" altLang="zh-CN" sz="1600" dirty="0" err="1"/>
-              <a:t>endpoints.MapControllers</a:t>
-            </a:r>
-            <a:r>
-              <a:rPr lang="en-US" altLang="zh-CN" sz="1600" dirty="0"/>
-              <a:t>()) </a:t>
-            </a:r>
-            <a:r>
-              <a:rPr lang="zh-CN" altLang="en-US" sz="1600" dirty="0"/>
-              <a:t>有两个主要的作用：</a:t>
-            </a:r>
-            <a:endParaRPr lang="en-US" altLang="zh-CN" sz="1600" dirty="0"/>
-          </a:p>
-          <a:p>
             <a:pPr marL="0" indent="0">
               <a:buNone/>
             </a:pPr>
             <a:r>
-              <a:rPr lang="en-US" altLang="zh-CN" sz="1600" dirty="0"/>
-              <a:t>	</a:t>
-            </a:r>
-            <a:r>
-              <a:rPr lang="zh-CN" altLang="en-US" sz="1600" dirty="0"/>
-              <a:t>调用</a:t>
-            </a:r>
-            <a:r>
-              <a:rPr lang="en-US" altLang="zh-CN" sz="1600" dirty="0" err="1"/>
-              <a:t>endpoints.MapControllers</a:t>
-            </a:r>
-            <a:r>
-              <a:rPr lang="en-US" altLang="zh-CN" sz="1600" dirty="0"/>
-              <a:t>()</a:t>
-            </a:r>
-            <a:r>
-              <a:rPr lang="zh-CN" altLang="en-US" sz="1600" dirty="0"/>
-              <a:t>将本程序集定义的所有</a:t>
-            </a:r>
-            <a:r>
-              <a:rPr lang="en-US" altLang="zh-CN" sz="1600" dirty="0"/>
-              <a:t>Controller</a:t>
-            </a:r>
-            <a:r>
-              <a:rPr lang="zh-CN" altLang="en-US" sz="1600" dirty="0"/>
-              <a:t>和</a:t>
-            </a:r>
-            <a:r>
-              <a:rPr lang="en-US" altLang="zh-CN" sz="1600" dirty="0"/>
-              <a:t>Action</a:t>
-            </a:r>
-            <a:r>
-              <a:rPr lang="zh-CN" altLang="en-US" sz="1600" dirty="0"/>
-              <a:t>转换为一个个的</a:t>
-            </a:r>
-            <a:r>
-              <a:rPr lang="en-US" altLang="zh-CN" sz="1600" dirty="0" err="1"/>
-              <a:t>EndPoint</a:t>
-            </a:r>
-            <a:r>
-              <a:rPr lang="zh-CN" altLang="en-US" sz="1600" dirty="0"/>
-              <a:t>放到路由中间件的配置对象</a:t>
-            </a:r>
-            <a:r>
-              <a:rPr lang="en-US" altLang="zh-CN" sz="1600" dirty="0" err="1"/>
-              <a:t>RouteOptions</a:t>
-            </a:r>
-            <a:r>
-              <a:rPr lang="zh-CN" altLang="en-US" sz="1600" dirty="0"/>
-              <a:t>中</a:t>
-            </a:r>
-            <a:endParaRPr lang="en-US" altLang="zh-CN" sz="1600" dirty="0"/>
-          </a:p>
-          <a:p>
-            <a:pPr marL="0" indent="0">
-              <a:buNone/>
-            </a:pPr>
-            <a:r>
-              <a:rPr lang="en-US" altLang="zh-CN" sz="1600" dirty="0"/>
-              <a:t>	</a:t>
-            </a:r>
-            <a:r>
-              <a:rPr lang="zh-CN" altLang="en-US" sz="1600" dirty="0"/>
-              <a:t>将</a:t>
-            </a:r>
-            <a:r>
-              <a:rPr lang="en-US" altLang="zh-CN" sz="1600" dirty="0" err="1"/>
-              <a:t>EndpointMiddleware</a:t>
-            </a:r>
-            <a:r>
-              <a:rPr lang="zh-CN" altLang="en-US" sz="1600" dirty="0"/>
-              <a:t>中间件注册到</a:t>
-            </a:r>
-            <a:r>
-              <a:rPr lang="en-US" altLang="zh-CN" sz="1600" dirty="0"/>
-              <a:t>http</a:t>
-            </a:r>
-            <a:r>
-              <a:rPr lang="zh-CN" altLang="en-US" sz="1600" dirty="0"/>
-              <a:t>管道中</a:t>
+              <a:rPr lang="zh-CN" altLang="en-US" sz="2000" dirty="0">
+                <a:latin typeface="宋体" panose="02010600030101010101" pitchFamily="2" charset="-122"/>
+                <a:ea typeface="宋体" panose="02010600030101010101" pitchFamily="2" charset="-122"/>
+              </a:rPr>
+              <a:t>任何一个</a:t>
+            </a:r>
+            <a:r>
+              <a:rPr lang="en-US" altLang="zh-CN" sz="2000" dirty="0" err="1">
+                <a:latin typeface="宋体" panose="02010600030101010101" pitchFamily="2" charset="-122"/>
+                <a:ea typeface="宋体" panose="02010600030101010101" pitchFamily="2" charset="-122"/>
+              </a:rPr>
+              <a:t>IServiceProvider</a:t>
+            </a:r>
+            <a:r>
+              <a:rPr lang="zh-CN" altLang="en-US" sz="2000" dirty="0">
+                <a:latin typeface="宋体" panose="02010600030101010101" pitchFamily="2" charset="-122"/>
+                <a:ea typeface="宋体" panose="02010600030101010101" pitchFamily="2" charset="-122"/>
+              </a:rPr>
+              <a:t>对象都可以利用其注册的</a:t>
+            </a:r>
+            <a:r>
+              <a:rPr lang="en-US" altLang="zh-CN" sz="2000" dirty="0" err="1">
+                <a:latin typeface="宋体" panose="02010600030101010101" pitchFamily="2" charset="-122"/>
+                <a:ea typeface="宋体" panose="02010600030101010101" pitchFamily="2" charset="-122"/>
+              </a:rPr>
+              <a:t>IServiceScopeFactory</a:t>
+            </a:r>
+            <a:r>
+              <a:rPr lang="zh-CN" altLang="en-US" sz="2000" dirty="0">
+                <a:latin typeface="宋体" panose="02010600030101010101" pitchFamily="2" charset="-122"/>
+                <a:ea typeface="宋体" panose="02010600030101010101" pitchFamily="2" charset="-122"/>
+              </a:rPr>
+              <a:t>服务创建一个代表服务范围的</a:t>
+            </a:r>
+            <a:r>
+              <a:rPr lang="en-US" altLang="zh-CN" sz="2000" dirty="0" err="1">
+                <a:latin typeface="宋体" panose="02010600030101010101" pitchFamily="2" charset="-122"/>
+                <a:ea typeface="宋体" panose="02010600030101010101" pitchFamily="2" charset="-122"/>
+              </a:rPr>
+              <a:t>IServiceScope</a:t>
+            </a:r>
+            <a:r>
+              <a:rPr lang="zh-CN" altLang="en-US" sz="2000" dirty="0">
+                <a:latin typeface="宋体" panose="02010600030101010101" pitchFamily="2" charset="-122"/>
+                <a:ea typeface="宋体" panose="02010600030101010101" pitchFamily="2" charset="-122"/>
+              </a:rPr>
+              <a:t>对象，后者代表的“范围”内具有一个新创建的</a:t>
+            </a:r>
+            <a:r>
+              <a:rPr lang="en-US" altLang="zh-CN" sz="2000" dirty="0" err="1">
+                <a:latin typeface="宋体" panose="02010600030101010101" pitchFamily="2" charset="-122"/>
+                <a:ea typeface="宋体" panose="02010600030101010101" pitchFamily="2" charset="-122"/>
+              </a:rPr>
+              <a:t>IServiceProvider</a:t>
+            </a:r>
+            <a:r>
+              <a:rPr lang="zh-CN" altLang="en-US" sz="2000" dirty="0">
+                <a:latin typeface="宋体" panose="02010600030101010101" pitchFamily="2" charset="-122"/>
+                <a:ea typeface="宋体" panose="02010600030101010101" pitchFamily="2" charset="-122"/>
+              </a:rPr>
+              <a:t>对象（对应着接口</a:t>
+            </a:r>
+            <a:r>
+              <a:rPr lang="en-US" altLang="zh-CN" sz="2000" dirty="0" err="1">
+                <a:latin typeface="宋体" panose="02010600030101010101" pitchFamily="2" charset="-122"/>
+                <a:ea typeface="宋体" panose="02010600030101010101" pitchFamily="2" charset="-122"/>
+              </a:rPr>
+              <a:t>IServiceScope</a:t>
+            </a:r>
+            <a:r>
+              <a:rPr lang="zh-CN" altLang="en-US" sz="2000" dirty="0">
+                <a:latin typeface="宋体" panose="02010600030101010101" pitchFamily="2" charset="-122"/>
+                <a:ea typeface="宋体" panose="02010600030101010101" pitchFamily="2" charset="-122"/>
+              </a:rPr>
+              <a:t>的</a:t>
+            </a:r>
+            <a:r>
+              <a:rPr lang="en-US" altLang="zh-CN" sz="2000" dirty="0" err="1">
+                <a:latin typeface="宋体" panose="02010600030101010101" pitchFamily="2" charset="-122"/>
+                <a:ea typeface="宋体" panose="02010600030101010101" pitchFamily="2" charset="-122"/>
+              </a:rPr>
+              <a:t>ServiceProvider</a:t>
+            </a:r>
+            <a:r>
+              <a:rPr lang="zh-CN" altLang="en-US" sz="2000" dirty="0">
+                <a:latin typeface="宋体" panose="02010600030101010101" pitchFamily="2" charset="-122"/>
+                <a:ea typeface="宋体" panose="02010600030101010101" pitchFamily="2" charset="-122"/>
+              </a:rPr>
+              <a:t>属性），该对象与当前</a:t>
+            </a:r>
+            <a:r>
+              <a:rPr lang="en-US" altLang="zh-CN" sz="2000" dirty="0" err="1">
+                <a:latin typeface="宋体" panose="02010600030101010101" pitchFamily="2" charset="-122"/>
+                <a:ea typeface="宋体" panose="02010600030101010101" pitchFamily="2" charset="-122"/>
+              </a:rPr>
+              <a:t>IServiceProvider</a:t>
+            </a:r>
+            <a:r>
+              <a:rPr lang="zh-CN" altLang="en-US" sz="2000" dirty="0">
+                <a:latin typeface="宋体" panose="02010600030101010101" pitchFamily="2" charset="-122"/>
+                <a:ea typeface="宋体" panose="02010600030101010101" pitchFamily="2" charset="-122"/>
+              </a:rPr>
+              <a:t>在逻辑上具有如上图所示的“父子关系”。</a:t>
             </a:r>
           </a:p>
         </p:txBody>
@@ -4330,7 +5197,234 @@
     </p:spTree>
     <p:extLst>
       <p:ext uri="{BB962C8B-B14F-4D97-AF65-F5344CB8AC3E}">
-        <p14:creationId xmlns:p14="http://schemas.microsoft.com/office/powerpoint/2010/main" val="2067132064"/>
+        <p14:creationId xmlns:p14="http://schemas.microsoft.com/office/powerpoint/2010/main" val="293775618"/>
+      </p:ext>
+    </p:extLst>
+  </p:cSld>
+  <p:clrMapOvr>
+    <a:masterClrMapping/>
+  </p:clrMapOvr>
+</p:sld>
+</file>
+
+<file path=ppt/slides/slide19.xml><?xml version="1.0" encoding="utf-8"?>
+<p:sld xmlns:a="http://schemas.openxmlformats.org/drawingml/2006/main" xmlns:r="http://schemas.openxmlformats.org/officeDocument/2006/relationships" xmlns:p="http://schemas.openxmlformats.org/presentationml/2006/main">
+  <p:cSld>
+    <p:spTree>
+      <p:nvGrpSpPr>
+        <p:cNvPr id="1" name=""/>
+        <p:cNvGrpSpPr/>
+        <p:nvPr/>
+      </p:nvGrpSpPr>
+      <p:grpSpPr>
+        <a:xfrm>
+          <a:off x="0" y="0"/>
+          <a:ext cx="0" cy="0"/>
+          <a:chOff x="0" y="0"/>
+          <a:chExt cx="0" cy="0"/>
+        </a:xfrm>
+      </p:grpSpPr>
+      <p:sp>
+        <p:nvSpPr>
+          <p:cNvPr id="2" name="标题 1">
+            <a:extLst>
+              <a:ext uri="{FF2B5EF4-FFF2-40B4-BE49-F238E27FC236}">
+                <a16:creationId xmlns:a16="http://schemas.microsoft.com/office/drawing/2014/main" id="{09FCA1A2-301A-478E-BFED-351D1D19BEA5}"/>
+              </a:ext>
+            </a:extLst>
+          </p:cNvPr>
+          <p:cNvSpPr>
+            <a:spLocks noGrp="1"/>
+          </p:cNvSpPr>
+          <p:nvPr>
+            <p:ph type="title"/>
+          </p:nvPr>
+        </p:nvSpPr>
+        <p:spPr/>
+        <p:txBody>
+          <a:bodyPr/>
+          <a:lstStyle/>
+          <a:p>
+            <a:r>
+              <a:rPr lang="en-US" altLang="zh-CN" dirty="0" err="1"/>
+              <a:t>.Net</a:t>
+            </a:r>
+            <a:r>
+              <a:rPr lang="en-US" altLang="zh-CN" dirty="0"/>
+              <a:t> Core </a:t>
+            </a:r>
+            <a:r>
+              <a:rPr lang="zh-CN" altLang="en-US" dirty="0"/>
+              <a:t>生命周期</a:t>
+            </a:r>
+          </a:p>
+        </p:txBody>
+      </p:sp>
+      <p:sp>
+        <p:nvSpPr>
+          <p:cNvPr id="3" name="内容占位符 2">
+            <a:extLst>
+              <a:ext uri="{FF2B5EF4-FFF2-40B4-BE49-F238E27FC236}">
+                <a16:creationId xmlns:a16="http://schemas.microsoft.com/office/drawing/2014/main" id="{9CBA2FF8-5224-4D04-9DDC-2CFAEBB598B2}"/>
+              </a:ext>
+            </a:extLst>
+          </p:cNvPr>
+          <p:cNvSpPr>
+            <a:spLocks noGrp="1"/>
+          </p:cNvSpPr>
+          <p:nvPr>
+            <p:ph idx="1"/>
+          </p:nvPr>
+        </p:nvSpPr>
+        <p:spPr>
+          <a:xfrm>
+            <a:off x="838200" y="4868562"/>
+            <a:ext cx="10515600" cy="1481395"/>
+          </a:xfrm>
+        </p:spPr>
+        <p:txBody>
+          <a:bodyPr>
+            <a:normAutofit/>
+          </a:bodyPr>
+          <a:lstStyle/>
+          <a:p>
+            <a:pPr marL="0" indent="0">
+              <a:buNone/>
+            </a:pPr>
+            <a:r>
+              <a:rPr lang="zh-CN" altLang="en-US" sz="2000" dirty="0">
+                <a:latin typeface="宋体" panose="02010600030101010101" pitchFamily="2" charset="-122"/>
+                <a:ea typeface="宋体" panose="02010600030101010101" pitchFamily="2" charset="-122"/>
+              </a:rPr>
+              <a:t>通过某个</a:t>
+            </a:r>
+            <a:r>
+              <a:rPr lang="en-US" altLang="zh-CN" sz="2000" dirty="0" err="1">
+                <a:latin typeface="宋体" panose="02010600030101010101" pitchFamily="2" charset="-122"/>
+                <a:ea typeface="宋体" panose="02010600030101010101" pitchFamily="2" charset="-122"/>
+              </a:rPr>
+              <a:t>IServiceScope</a:t>
+            </a:r>
+            <a:r>
+              <a:rPr lang="zh-CN" altLang="en-US" sz="2000" dirty="0">
+                <a:latin typeface="宋体" panose="02010600030101010101" pitchFamily="2" charset="-122"/>
+                <a:ea typeface="宋体" panose="02010600030101010101" pitchFamily="2" charset="-122"/>
+              </a:rPr>
+              <a:t>封装的</a:t>
+            </a:r>
+            <a:r>
+              <a:rPr lang="en-US" altLang="zh-CN" sz="2000" dirty="0" err="1">
+                <a:latin typeface="宋体" panose="02010600030101010101" pitchFamily="2" charset="-122"/>
+                <a:ea typeface="宋体" panose="02010600030101010101" pitchFamily="2" charset="-122"/>
+              </a:rPr>
+              <a:t>IServiceProvider</a:t>
+            </a:r>
+            <a:r>
+              <a:rPr lang="zh-CN" altLang="en-US" sz="2000" dirty="0">
+                <a:latin typeface="宋体" panose="02010600030101010101" pitchFamily="2" charset="-122"/>
+                <a:ea typeface="宋体" panose="02010600030101010101" pitchFamily="2" charset="-122"/>
+              </a:rPr>
+              <a:t>对象不需要知道自己的“父亲”是谁，它只关心作为根节点的</a:t>
+            </a:r>
+            <a:r>
+              <a:rPr lang="en-US" altLang="zh-CN" sz="2000" dirty="0" err="1">
+                <a:latin typeface="宋体" panose="02010600030101010101" pitchFamily="2" charset="-122"/>
+                <a:ea typeface="宋体" panose="02010600030101010101" pitchFamily="2" charset="-122"/>
+              </a:rPr>
+              <a:t>IServiceProvider</a:t>
+            </a:r>
+            <a:r>
+              <a:rPr lang="zh-CN" altLang="en-US" sz="2000" dirty="0">
+                <a:latin typeface="宋体" panose="02010600030101010101" pitchFamily="2" charset="-122"/>
+                <a:ea typeface="宋体" panose="02010600030101010101" pitchFamily="2" charset="-122"/>
+              </a:rPr>
+              <a:t>在哪里就可以了。上图从物理层面揭示了</a:t>
+            </a:r>
+            <a:r>
+              <a:rPr lang="en-US" altLang="zh-CN" sz="2000" dirty="0" err="1">
+                <a:latin typeface="宋体" panose="02010600030101010101" pitchFamily="2" charset="-122"/>
+                <a:ea typeface="宋体" panose="02010600030101010101" pitchFamily="2" charset="-122"/>
+              </a:rPr>
+              <a:t>IServiceScope</a:t>
+            </a:r>
+            <a:r>
+              <a:rPr lang="en-US" altLang="zh-CN" sz="2000" dirty="0">
+                <a:latin typeface="宋体" panose="02010600030101010101" pitchFamily="2" charset="-122"/>
+                <a:ea typeface="宋体" panose="02010600030101010101" pitchFamily="2" charset="-122"/>
+              </a:rPr>
+              <a:t> / </a:t>
+            </a:r>
+            <a:r>
+              <a:rPr lang="en-US" altLang="zh-CN" sz="2000" dirty="0" err="1">
+                <a:latin typeface="宋体" panose="02010600030101010101" pitchFamily="2" charset="-122"/>
+                <a:ea typeface="宋体" panose="02010600030101010101" pitchFamily="2" charset="-122"/>
+              </a:rPr>
+              <a:t>IServiceProvider</a:t>
+            </a:r>
+            <a:r>
+              <a:rPr lang="zh-CN" altLang="en-US" sz="2000" dirty="0">
+                <a:latin typeface="宋体" panose="02010600030101010101" pitchFamily="2" charset="-122"/>
+                <a:ea typeface="宋体" panose="02010600030101010101" pitchFamily="2" charset="-122"/>
+              </a:rPr>
+              <a:t>对象之间的关系，任何一个</a:t>
+            </a:r>
+            <a:r>
+              <a:rPr lang="en-US" altLang="zh-CN" sz="2000" dirty="0" err="1">
+                <a:latin typeface="宋体" panose="02010600030101010101" pitchFamily="2" charset="-122"/>
+                <a:ea typeface="宋体" panose="02010600030101010101" pitchFamily="2" charset="-122"/>
+              </a:rPr>
+              <a:t>IServiceProvider</a:t>
+            </a:r>
+            <a:r>
+              <a:rPr lang="zh-CN" altLang="en-US" sz="2000" dirty="0">
+                <a:latin typeface="宋体" panose="02010600030101010101" pitchFamily="2" charset="-122"/>
+                <a:ea typeface="宋体" panose="02010600030101010101" pitchFamily="2" charset="-122"/>
+              </a:rPr>
+              <a:t>对象都具有针对根容器的引用。</a:t>
+            </a:r>
+          </a:p>
+          <a:p>
+            <a:pPr marL="0" indent="0">
+              <a:buNone/>
+            </a:pPr>
+            <a:endParaRPr lang="zh-CN" altLang="en-US" dirty="0"/>
+          </a:p>
+        </p:txBody>
+      </p:sp>
+      <p:pic>
+        <p:nvPicPr>
+          <p:cNvPr id="4" name="内容占位符 6">
+            <a:extLst>
+              <a:ext uri="{FF2B5EF4-FFF2-40B4-BE49-F238E27FC236}">
+                <a16:creationId xmlns:a16="http://schemas.microsoft.com/office/drawing/2014/main" id="{6E8C54DD-8F77-483C-ADC5-DE5CE15EF76B}"/>
+              </a:ext>
+            </a:extLst>
+          </p:cNvPr>
+          <p:cNvPicPr>
+            <a:picLocks noChangeAspect="1"/>
+          </p:cNvPicPr>
+          <p:nvPr/>
+        </p:nvPicPr>
+        <p:blipFill>
+          <a:blip r:embed="rId2"/>
+          <a:stretch>
+            <a:fillRect/>
+          </a:stretch>
+        </p:blipFill>
+        <p:spPr>
+          <a:xfrm>
+            <a:off x="6539263" y="381281"/>
+            <a:ext cx="3561905" cy="4314286"/>
+          </a:xfrm>
+          <a:prstGeom prst="rect">
+            <a:avLst/>
+          </a:prstGeom>
+        </p:spPr>
+      </p:pic>
+    </p:spTree>
+    <p:extLst>
+      <p:ext uri="{BB962C8B-B14F-4D97-AF65-F5344CB8AC3E}">
+        <p14:creationId xmlns:p14="http://schemas.microsoft.com/office/powerpoint/2010/main" val="791185107"/>
       </p:ext>
     </p:extLst>
   </p:cSld>
@@ -4581,6 +5675,2834 @@
       </p:par>
     </p:tnLst>
   </p:timing>
+</p:sld>
+</file>
+
+<file path=ppt/slides/slide20.xml><?xml version="1.0" encoding="utf-8"?>
+<p:sld xmlns:a="http://schemas.openxmlformats.org/drawingml/2006/main" xmlns:r="http://schemas.openxmlformats.org/officeDocument/2006/relationships" xmlns:p="http://schemas.openxmlformats.org/presentationml/2006/main">
+  <p:cSld>
+    <p:spTree>
+      <p:nvGrpSpPr>
+        <p:cNvPr id="1" name=""/>
+        <p:cNvGrpSpPr/>
+        <p:nvPr/>
+      </p:nvGrpSpPr>
+      <p:grpSpPr>
+        <a:xfrm>
+          <a:off x="0" y="0"/>
+          <a:ext cx="0" cy="0"/>
+          <a:chOff x="0" y="0"/>
+          <a:chExt cx="0" cy="0"/>
+        </a:xfrm>
+      </p:grpSpPr>
+      <p:sp>
+        <p:nvSpPr>
+          <p:cNvPr id="2" name="标题 1">
+            <a:extLst>
+              <a:ext uri="{FF2B5EF4-FFF2-40B4-BE49-F238E27FC236}">
+                <a16:creationId xmlns:a16="http://schemas.microsoft.com/office/drawing/2014/main" id="{C2D65825-B87E-445D-8F1D-3C2C9CF4FCB1}"/>
+              </a:ext>
+            </a:extLst>
+          </p:cNvPr>
+          <p:cNvSpPr>
+            <a:spLocks noGrp="1"/>
+          </p:cNvSpPr>
+          <p:nvPr>
+            <p:ph type="title"/>
+          </p:nvPr>
+        </p:nvSpPr>
+        <p:spPr/>
+        <p:txBody>
+          <a:bodyPr/>
+          <a:lstStyle/>
+          <a:p>
+            <a:r>
+              <a:rPr lang="en-US" altLang="zh-CN" dirty="0" err="1"/>
+              <a:t>.Net</a:t>
+            </a:r>
+            <a:r>
+              <a:rPr lang="en-US" altLang="zh-CN" dirty="0"/>
+              <a:t> Core </a:t>
+            </a:r>
+            <a:r>
+              <a:rPr lang="zh-CN" altLang="en-US" dirty="0"/>
+              <a:t>生命周期</a:t>
+            </a:r>
+          </a:p>
+        </p:txBody>
+      </p:sp>
+      <p:sp>
+        <p:nvSpPr>
+          <p:cNvPr id="3" name="内容占位符 2">
+            <a:extLst>
+              <a:ext uri="{FF2B5EF4-FFF2-40B4-BE49-F238E27FC236}">
+                <a16:creationId xmlns:a16="http://schemas.microsoft.com/office/drawing/2014/main" id="{7E5E2040-2562-4CE2-8C11-02B05033DE41}"/>
+              </a:ext>
+            </a:extLst>
+          </p:cNvPr>
+          <p:cNvSpPr>
+            <a:spLocks noGrp="1"/>
+          </p:cNvSpPr>
+          <p:nvPr>
+            <p:ph idx="1"/>
+          </p:nvPr>
+        </p:nvSpPr>
+        <p:spPr>
+          <a:xfrm>
+            <a:off x="838200" y="1825625"/>
+            <a:ext cx="10735962" cy="4351338"/>
+          </a:xfrm>
+        </p:spPr>
+        <p:txBody>
+          <a:bodyPr/>
+          <a:lstStyle/>
+          <a:p>
+            <a:pPr latinLnBrk="1"/>
+            <a:r>
+              <a:rPr lang="en-US" altLang="zh-CN" sz="2000" dirty="0">
+                <a:latin typeface="宋体" panose="02010600030101010101" pitchFamily="2" charset="-122"/>
+                <a:ea typeface="宋体" panose="02010600030101010101" pitchFamily="2" charset="-122"/>
+              </a:rPr>
+              <a:t>Singleton</a:t>
+            </a:r>
+            <a:r>
+              <a:rPr lang="zh-CN" altLang="en-US" sz="2000" dirty="0">
+                <a:latin typeface="宋体" panose="02010600030101010101" pitchFamily="2" charset="-122"/>
+                <a:ea typeface="宋体" panose="02010600030101010101" pitchFamily="2" charset="-122"/>
+              </a:rPr>
+              <a:t>：</a:t>
+            </a:r>
+            <a:r>
+              <a:rPr lang="en-US" altLang="zh-CN" sz="2000" dirty="0" err="1">
+                <a:latin typeface="宋体" panose="02010600030101010101" pitchFamily="2" charset="-122"/>
+                <a:ea typeface="宋体" panose="02010600030101010101" pitchFamily="2" charset="-122"/>
+              </a:rPr>
+              <a:t>IServiceProvider</a:t>
+            </a:r>
+            <a:r>
+              <a:rPr lang="zh-CN" altLang="en-US" sz="2000" dirty="0">
+                <a:latin typeface="宋体" panose="02010600030101010101" pitchFamily="2" charset="-122"/>
+                <a:ea typeface="宋体" panose="02010600030101010101" pitchFamily="2" charset="-122"/>
+              </a:rPr>
+              <a:t>对象创建的服务实例保存在作为根容器的</a:t>
+            </a:r>
+            <a:r>
+              <a:rPr lang="en-US" altLang="zh-CN" sz="2000" dirty="0" err="1">
+                <a:latin typeface="宋体" panose="02010600030101010101" pitchFamily="2" charset="-122"/>
+                <a:ea typeface="宋体" panose="02010600030101010101" pitchFamily="2" charset="-122"/>
+              </a:rPr>
+              <a:t>IServiceProvider</a:t>
+            </a:r>
+            <a:r>
+              <a:rPr lang="zh-CN" altLang="en-US" sz="2000" dirty="0">
+                <a:latin typeface="宋体" panose="02010600030101010101" pitchFamily="2" charset="-122"/>
+                <a:ea typeface="宋体" panose="02010600030101010101" pitchFamily="2" charset="-122"/>
+              </a:rPr>
+              <a:t>对象上，所以多个同根的</a:t>
+            </a:r>
+            <a:r>
+              <a:rPr lang="en-US" altLang="zh-CN" sz="2000" dirty="0" err="1">
+                <a:latin typeface="宋体" panose="02010600030101010101" pitchFamily="2" charset="-122"/>
+                <a:ea typeface="宋体" panose="02010600030101010101" pitchFamily="2" charset="-122"/>
+              </a:rPr>
+              <a:t>IServiceProvider</a:t>
+            </a:r>
+            <a:r>
+              <a:rPr lang="zh-CN" altLang="en-US" sz="2000" dirty="0">
+                <a:latin typeface="宋体" panose="02010600030101010101" pitchFamily="2" charset="-122"/>
+                <a:ea typeface="宋体" panose="02010600030101010101" pitchFamily="2" charset="-122"/>
+              </a:rPr>
+              <a:t>对象提供的针对同一类型的服务实例都是同一个对象。</a:t>
+            </a:r>
+            <a:endParaRPr lang="en-US" altLang="zh-CN" sz="2000" dirty="0">
+              <a:latin typeface="宋体" panose="02010600030101010101" pitchFamily="2" charset="-122"/>
+              <a:ea typeface="宋体" panose="02010600030101010101" pitchFamily="2" charset="-122"/>
+            </a:endParaRPr>
+          </a:p>
+          <a:p>
+            <a:pPr latinLnBrk="1"/>
+            <a:endParaRPr lang="zh-CN" altLang="en-US" sz="2000" dirty="0">
+              <a:latin typeface="宋体" panose="02010600030101010101" pitchFamily="2" charset="-122"/>
+              <a:ea typeface="宋体" panose="02010600030101010101" pitchFamily="2" charset="-122"/>
+            </a:endParaRPr>
+          </a:p>
+          <a:p>
+            <a:pPr latinLnBrk="1"/>
+            <a:r>
+              <a:rPr lang="en-US" altLang="zh-CN" sz="2000" dirty="0">
+                <a:latin typeface="宋体" panose="02010600030101010101" pitchFamily="2" charset="-122"/>
+                <a:ea typeface="宋体" panose="02010600030101010101" pitchFamily="2" charset="-122"/>
+              </a:rPr>
+              <a:t>Scoped</a:t>
+            </a:r>
+            <a:r>
+              <a:rPr lang="zh-CN" altLang="en-US" sz="2000" dirty="0">
+                <a:latin typeface="宋体" panose="02010600030101010101" pitchFamily="2" charset="-122"/>
+                <a:ea typeface="宋体" panose="02010600030101010101" pitchFamily="2" charset="-122"/>
+              </a:rPr>
+              <a:t>：</a:t>
+            </a:r>
+            <a:r>
+              <a:rPr lang="en-US" altLang="zh-CN" sz="2000" dirty="0" err="1">
+                <a:latin typeface="宋体" panose="02010600030101010101" pitchFamily="2" charset="-122"/>
+                <a:ea typeface="宋体" panose="02010600030101010101" pitchFamily="2" charset="-122"/>
+              </a:rPr>
+              <a:t>IServiceProvider</a:t>
+            </a:r>
+            <a:r>
+              <a:rPr lang="zh-CN" altLang="en-US" sz="2000" dirty="0">
+                <a:latin typeface="宋体" panose="02010600030101010101" pitchFamily="2" charset="-122"/>
+                <a:ea typeface="宋体" panose="02010600030101010101" pitchFamily="2" charset="-122"/>
+              </a:rPr>
+              <a:t>对象创建的服务实例由自己保存，所以同一个</a:t>
+            </a:r>
+            <a:r>
+              <a:rPr lang="en-US" altLang="zh-CN" sz="2000" dirty="0" err="1">
+                <a:latin typeface="宋体" panose="02010600030101010101" pitchFamily="2" charset="-122"/>
+                <a:ea typeface="宋体" panose="02010600030101010101" pitchFamily="2" charset="-122"/>
+              </a:rPr>
+              <a:t>IServiceProvider</a:t>
+            </a:r>
+            <a:r>
+              <a:rPr lang="zh-CN" altLang="en-US" sz="2000" dirty="0">
+                <a:latin typeface="宋体" panose="02010600030101010101" pitchFamily="2" charset="-122"/>
+                <a:ea typeface="宋体" panose="02010600030101010101" pitchFamily="2" charset="-122"/>
+              </a:rPr>
+              <a:t>对象提供的针对同一类型的服务实例均是同一个对象。</a:t>
+            </a:r>
+            <a:endParaRPr lang="en-US" altLang="zh-CN" sz="2000" dirty="0">
+              <a:latin typeface="宋体" panose="02010600030101010101" pitchFamily="2" charset="-122"/>
+              <a:ea typeface="宋体" panose="02010600030101010101" pitchFamily="2" charset="-122"/>
+            </a:endParaRPr>
+          </a:p>
+          <a:p>
+            <a:pPr latinLnBrk="1"/>
+            <a:endParaRPr lang="zh-CN" altLang="en-US" sz="2000" dirty="0">
+              <a:latin typeface="宋体" panose="02010600030101010101" pitchFamily="2" charset="-122"/>
+              <a:ea typeface="宋体" panose="02010600030101010101" pitchFamily="2" charset="-122"/>
+            </a:endParaRPr>
+          </a:p>
+          <a:p>
+            <a:pPr latinLnBrk="1"/>
+            <a:r>
+              <a:rPr lang="en-US" altLang="zh-CN" sz="2000" dirty="0">
+                <a:latin typeface="宋体" panose="02010600030101010101" pitchFamily="2" charset="-122"/>
+                <a:ea typeface="宋体" panose="02010600030101010101" pitchFamily="2" charset="-122"/>
+              </a:rPr>
+              <a:t>Transient</a:t>
+            </a:r>
+            <a:r>
+              <a:rPr lang="zh-CN" altLang="en-US" sz="2000" dirty="0">
+                <a:latin typeface="宋体" panose="02010600030101010101" pitchFamily="2" charset="-122"/>
+                <a:ea typeface="宋体" panose="02010600030101010101" pitchFamily="2" charset="-122"/>
+              </a:rPr>
+              <a:t>：针对每一次服务提供请求，</a:t>
+            </a:r>
+            <a:r>
+              <a:rPr lang="en-US" altLang="zh-CN" sz="2000" dirty="0" err="1">
+                <a:latin typeface="宋体" panose="02010600030101010101" pitchFamily="2" charset="-122"/>
+                <a:ea typeface="宋体" panose="02010600030101010101" pitchFamily="2" charset="-122"/>
+              </a:rPr>
+              <a:t>IServiceProvider</a:t>
+            </a:r>
+            <a:r>
+              <a:rPr lang="zh-CN" altLang="en-US" sz="2000" dirty="0">
+                <a:latin typeface="宋体" panose="02010600030101010101" pitchFamily="2" charset="-122"/>
+                <a:ea typeface="宋体" panose="02010600030101010101" pitchFamily="2" charset="-122"/>
+              </a:rPr>
+              <a:t>对象总是创建一个新的服务实例。</a:t>
+            </a:r>
+          </a:p>
+          <a:p>
+            <a:pPr marL="0" indent="0">
+              <a:buNone/>
+            </a:pPr>
+            <a:endParaRPr lang="zh-CN" altLang="en-US" dirty="0"/>
+          </a:p>
+        </p:txBody>
+      </p:sp>
+    </p:spTree>
+    <p:extLst>
+      <p:ext uri="{BB962C8B-B14F-4D97-AF65-F5344CB8AC3E}">
+        <p14:creationId xmlns:p14="http://schemas.microsoft.com/office/powerpoint/2010/main" val="3132859830"/>
+      </p:ext>
+    </p:extLst>
+  </p:cSld>
+  <p:clrMapOvr>
+    <a:masterClrMapping/>
+  </p:clrMapOvr>
+</p:sld>
+</file>
+
+<file path=ppt/slides/slide21.xml><?xml version="1.0" encoding="utf-8"?>
+<p:sld xmlns:a="http://schemas.openxmlformats.org/drawingml/2006/main" xmlns:r="http://schemas.openxmlformats.org/officeDocument/2006/relationships" xmlns:p="http://schemas.openxmlformats.org/presentationml/2006/main">
+  <p:cSld>
+    <p:spTree>
+      <p:nvGrpSpPr>
+        <p:cNvPr id="1" name=""/>
+        <p:cNvGrpSpPr/>
+        <p:nvPr/>
+      </p:nvGrpSpPr>
+      <p:grpSpPr>
+        <a:xfrm>
+          <a:off x="0" y="0"/>
+          <a:ext cx="0" cy="0"/>
+          <a:chOff x="0" y="0"/>
+          <a:chExt cx="0" cy="0"/>
+        </a:xfrm>
+      </p:grpSpPr>
+      <p:sp>
+        <p:nvSpPr>
+          <p:cNvPr id="2" name="标题 1">
+            <a:extLst>
+              <a:ext uri="{FF2B5EF4-FFF2-40B4-BE49-F238E27FC236}">
+                <a16:creationId xmlns:a16="http://schemas.microsoft.com/office/drawing/2014/main" id="{233EEE46-F5D4-4EEA-A55A-2A305072AB0A}"/>
+              </a:ext>
+            </a:extLst>
+          </p:cNvPr>
+          <p:cNvSpPr>
+            <a:spLocks noGrp="1"/>
+          </p:cNvSpPr>
+          <p:nvPr>
+            <p:ph type="title"/>
+          </p:nvPr>
+        </p:nvSpPr>
+        <p:spPr/>
+        <p:txBody>
+          <a:bodyPr/>
+          <a:lstStyle/>
+          <a:p>
+            <a:r>
+              <a:rPr lang="zh-CN" altLang="en-US" dirty="0"/>
+              <a:t>日志框架</a:t>
+            </a:r>
+          </a:p>
+        </p:txBody>
+      </p:sp>
+      <p:pic>
+        <p:nvPicPr>
+          <p:cNvPr id="1026" name="Picture 2" descr="在这里插入图片描述">
+            <a:extLst>
+              <a:ext uri="{FF2B5EF4-FFF2-40B4-BE49-F238E27FC236}">
+                <a16:creationId xmlns:a16="http://schemas.microsoft.com/office/drawing/2014/main" id="{B32DC26A-88BF-4A0B-AE46-C3EEFB3FD113}"/>
+              </a:ext>
+            </a:extLst>
+          </p:cNvPr>
+          <p:cNvPicPr>
+            <a:picLocks noGrp="1" noChangeAspect="1" noChangeArrowheads="1"/>
+          </p:cNvPicPr>
+          <p:nvPr>
+            <p:ph idx="1"/>
+          </p:nvPr>
+        </p:nvPicPr>
+        <p:blipFill>
+          <a:blip r:embed="rId2">
+            <a:extLst>
+              <a:ext uri="{28A0092B-C50C-407E-A947-70E740481C1C}">
+                <a14:useLocalDpi xmlns:a14="http://schemas.microsoft.com/office/drawing/2010/main" val="0"/>
+              </a:ext>
+            </a:extLst>
+          </a:blip>
+          <a:srcRect/>
+          <a:stretch>
+            <a:fillRect/>
+          </a:stretch>
+        </p:blipFill>
+        <p:spPr bwMode="auto">
+          <a:xfrm>
+            <a:off x="4794421" y="365125"/>
+            <a:ext cx="6828798" cy="5837521"/>
+          </a:xfrm>
+          <a:prstGeom prst="rect">
+            <a:avLst/>
+          </a:prstGeom>
+          <a:noFill/>
+          <a:extLst>
+            <a:ext uri="{909E8E84-426E-40DD-AFC4-6F175D3DCCD1}">
+              <a14:hiddenFill xmlns:a14="http://schemas.microsoft.com/office/drawing/2010/main">
+                <a:solidFill>
+                  <a:srgbClr val="FFFFFF"/>
+                </a:solidFill>
+              </a14:hiddenFill>
+            </a:ext>
+          </a:extLst>
+        </p:spPr>
+      </p:pic>
+    </p:spTree>
+    <p:extLst>
+      <p:ext uri="{BB962C8B-B14F-4D97-AF65-F5344CB8AC3E}">
+        <p14:creationId xmlns:p14="http://schemas.microsoft.com/office/powerpoint/2010/main" val="1545787626"/>
+      </p:ext>
+    </p:extLst>
+  </p:cSld>
+  <p:clrMapOvr>
+    <a:masterClrMapping/>
+  </p:clrMapOvr>
+</p:sld>
+</file>
+
+<file path=ppt/slides/slide22.xml><?xml version="1.0" encoding="utf-8"?>
+<p:sld xmlns:a="http://schemas.openxmlformats.org/drawingml/2006/main" xmlns:r="http://schemas.openxmlformats.org/officeDocument/2006/relationships" xmlns:p="http://schemas.openxmlformats.org/presentationml/2006/main">
+  <p:cSld>
+    <p:spTree>
+      <p:nvGrpSpPr>
+        <p:cNvPr id="1" name=""/>
+        <p:cNvGrpSpPr/>
+        <p:nvPr/>
+      </p:nvGrpSpPr>
+      <p:grpSpPr>
+        <a:xfrm>
+          <a:off x="0" y="0"/>
+          <a:ext cx="0" cy="0"/>
+          <a:chOff x="0" y="0"/>
+          <a:chExt cx="0" cy="0"/>
+        </a:xfrm>
+      </p:grpSpPr>
+      <p:sp>
+        <p:nvSpPr>
+          <p:cNvPr id="2" name="标题 1">
+            <a:extLst>
+              <a:ext uri="{FF2B5EF4-FFF2-40B4-BE49-F238E27FC236}">
+                <a16:creationId xmlns:a16="http://schemas.microsoft.com/office/drawing/2014/main" id="{FC915055-564C-4F89-B4A5-080469377E83}"/>
+              </a:ext>
+            </a:extLst>
+          </p:cNvPr>
+          <p:cNvSpPr>
+            <a:spLocks noGrp="1"/>
+          </p:cNvSpPr>
+          <p:nvPr>
+            <p:ph type="title"/>
+          </p:nvPr>
+        </p:nvSpPr>
+        <p:spPr/>
+        <p:txBody>
+          <a:bodyPr>
+            <a:normAutofit fontScale="90000"/>
+          </a:bodyPr>
+          <a:lstStyle/>
+          <a:p>
+            <a:br>
+              <a:rPr lang="zh-CN" altLang="zh-CN" dirty="0"/>
+            </a:br>
+            <a:r>
+              <a:rPr lang="zh-CN" altLang="zh-CN" dirty="0"/>
+              <a:t>常用的</a:t>
+            </a:r>
+            <a:r>
+              <a:rPr lang="en-US" altLang="zh-CN" dirty="0"/>
+              <a:t>.NET Core</a:t>
+            </a:r>
+            <a:r>
+              <a:rPr lang="zh-CN" altLang="zh-CN" dirty="0"/>
+              <a:t>中间件和路由终结点概念</a:t>
+            </a:r>
+            <a:br>
+              <a:rPr lang="zh-CN" altLang="zh-CN" dirty="0"/>
+            </a:br>
+            <a:endParaRPr lang="zh-CN" altLang="en-US" dirty="0"/>
+          </a:p>
+        </p:txBody>
+      </p:sp>
+      <p:sp>
+        <p:nvSpPr>
+          <p:cNvPr id="3" name="内容占位符 2">
+            <a:extLst>
+              <a:ext uri="{FF2B5EF4-FFF2-40B4-BE49-F238E27FC236}">
+                <a16:creationId xmlns:a16="http://schemas.microsoft.com/office/drawing/2014/main" id="{223C0C8E-4992-477A-9B95-CD531FFBFE7A}"/>
+              </a:ext>
+            </a:extLst>
+          </p:cNvPr>
+          <p:cNvSpPr>
+            <a:spLocks noGrp="1"/>
+          </p:cNvSpPr>
+          <p:nvPr>
+            <p:ph idx="1"/>
+          </p:nvPr>
+        </p:nvSpPr>
+        <p:spPr>
+          <a:xfrm>
+            <a:off x="838200" y="1825625"/>
+            <a:ext cx="10515600" cy="2260343"/>
+          </a:xfrm>
+        </p:spPr>
+        <p:txBody>
+          <a:bodyPr>
+            <a:normAutofit lnSpcReduction="10000"/>
+          </a:bodyPr>
+          <a:lstStyle/>
+          <a:p>
+            <a:r>
+              <a:rPr lang="zh-CN" altLang="en-US" sz="1600" dirty="0">
+                <a:latin typeface="宋体" panose="02010600030101010101" pitchFamily="2" charset="-122"/>
+                <a:ea typeface="宋体" panose="02010600030101010101" pitchFamily="2" charset="-122"/>
+              </a:rPr>
+              <a:t>第一步：执行</a:t>
+            </a:r>
+            <a:r>
+              <a:rPr lang="en-US" altLang="zh-CN" sz="1600" dirty="0" err="1">
+                <a:latin typeface="宋体" panose="02010600030101010101" pitchFamily="2" charset="-122"/>
+                <a:ea typeface="宋体" panose="02010600030101010101" pitchFamily="2" charset="-122"/>
+              </a:rPr>
+              <a:t>services.AddControllers</a:t>
+            </a:r>
+            <a:r>
+              <a:rPr lang="en-US" altLang="zh-CN" sz="1600" dirty="0">
+                <a:latin typeface="宋体" panose="02010600030101010101" pitchFamily="2" charset="-122"/>
+                <a:ea typeface="宋体" panose="02010600030101010101" pitchFamily="2" charset="-122"/>
+              </a:rPr>
+              <a:t>() </a:t>
+            </a:r>
+            <a:r>
+              <a:rPr lang="zh-CN" altLang="en-US" sz="1600" dirty="0">
+                <a:latin typeface="宋体" panose="02010600030101010101" pitchFamily="2" charset="-122"/>
+                <a:ea typeface="宋体" panose="02010600030101010101" pitchFamily="2" charset="-122"/>
+              </a:rPr>
+              <a:t>将</a:t>
+            </a:r>
+            <a:r>
+              <a:rPr lang="en-US" altLang="zh-CN" sz="1600" dirty="0">
+                <a:latin typeface="宋体" panose="02010600030101010101" pitchFamily="2" charset="-122"/>
+                <a:ea typeface="宋体" panose="02010600030101010101" pitchFamily="2" charset="-122"/>
+              </a:rPr>
+              <a:t>Controller</a:t>
+            </a:r>
+            <a:r>
+              <a:rPr lang="zh-CN" altLang="en-US" sz="1600" dirty="0">
+                <a:latin typeface="宋体" panose="02010600030101010101" pitchFamily="2" charset="-122"/>
+                <a:ea typeface="宋体" panose="02010600030101010101" pitchFamily="2" charset="-122"/>
+              </a:rPr>
+              <a:t>的核心服务注册到容器中去</a:t>
+            </a:r>
+            <a:endParaRPr lang="en-US" altLang="zh-CN" sz="1600" dirty="0">
+              <a:latin typeface="宋体" panose="02010600030101010101" pitchFamily="2" charset="-122"/>
+              <a:ea typeface="宋体" panose="02010600030101010101" pitchFamily="2" charset="-122"/>
+            </a:endParaRPr>
+          </a:p>
+          <a:p>
+            <a:r>
+              <a:rPr lang="zh-CN" altLang="en-US" sz="1600" dirty="0">
+                <a:latin typeface="宋体" panose="02010600030101010101" pitchFamily="2" charset="-122"/>
+                <a:ea typeface="宋体" panose="02010600030101010101" pitchFamily="2" charset="-122"/>
+              </a:rPr>
+              <a:t>第二步：执行</a:t>
+            </a:r>
+            <a:r>
+              <a:rPr lang="en-US" altLang="zh-CN" sz="1600" dirty="0" err="1">
+                <a:latin typeface="宋体" panose="02010600030101010101" pitchFamily="2" charset="-122"/>
+                <a:ea typeface="宋体" panose="02010600030101010101" pitchFamily="2" charset="-122"/>
+              </a:rPr>
+              <a:t>app.UseRouting</a:t>
+            </a:r>
+            <a:r>
+              <a:rPr lang="en-US" altLang="zh-CN" sz="1600" dirty="0">
+                <a:latin typeface="宋体" panose="02010600030101010101" pitchFamily="2" charset="-122"/>
+                <a:ea typeface="宋体" panose="02010600030101010101" pitchFamily="2" charset="-122"/>
+              </a:rPr>
+              <a:t>() </a:t>
+            </a:r>
+            <a:r>
+              <a:rPr lang="zh-CN" altLang="en-US" sz="1600" dirty="0">
+                <a:latin typeface="宋体" panose="02010600030101010101" pitchFamily="2" charset="-122"/>
+                <a:ea typeface="宋体" panose="02010600030101010101" pitchFamily="2" charset="-122"/>
+              </a:rPr>
+              <a:t>将</a:t>
+            </a:r>
+            <a:r>
+              <a:rPr lang="en-US" altLang="zh-CN" sz="1600" dirty="0" err="1">
+                <a:latin typeface="宋体" panose="02010600030101010101" pitchFamily="2" charset="-122"/>
+                <a:ea typeface="宋体" panose="02010600030101010101" pitchFamily="2" charset="-122"/>
+              </a:rPr>
+              <a:t>EndpointRoutingMiddleware</a:t>
+            </a:r>
+            <a:r>
+              <a:rPr lang="zh-CN" altLang="en-US" sz="1600" dirty="0">
+                <a:latin typeface="宋体" panose="02010600030101010101" pitchFamily="2" charset="-122"/>
+                <a:ea typeface="宋体" panose="02010600030101010101" pitchFamily="2" charset="-122"/>
+              </a:rPr>
+              <a:t>中间件注册到</a:t>
+            </a:r>
+            <a:r>
+              <a:rPr lang="en-US" altLang="zh-CN" sz="1600" dirty="0">
+                <a:latin typeface="宋体" panose="02010600030101010101" pitchFamily="2" charset="-122"/>
+                <a:ea typeface="宋体" panose="02010600030101010101" pitchFamily="2" charset="-122"/>
+              </a:rPr>
+              <a:t>http</a:t>
+            </a:r>
+            <a:r>
+              <a:rPr lang="zh-CN" altLang="en-US" sz="1600" dirty="0">
+                <a:latin typeface="宋体" panose="02010600030101010101" pitchFamily="2" charset="-122"/>
+                <a:ea typeface="宋体" panose="02010600030101010101" pitchFamily="2" charset="-122"/>
+              </a:rPr>
+              <a:t>管道中</a:t>
+            </a:r>
+            <a:endParaRPr lang="en-US" altLang="zh-CN" sz="1600" dirty="0">
+              <a:latin typeface="宋体" panose="02010600030101010101" pitchFamily="2" charset="-122"/>
+              <a:ea typeface="宋体" panose="02010600030101010101" pitchFamily="2" charset="-122"/>
+            </a:endParaRPr>
+          </a:p>
+          <a:p>
+            <a:r>
+              <a:rPr lang="zh-CN" altLang="en-US" sz="1600" dirty="0">
+                <a:latin typeface="宋体" panose="02010600030101010101" pitchFamily="2" charset="-122"/>
+                <a:ea typeface="宋体" panose="02010600030101010101" pitchFamily="2" charset="-122"/>
+              </a:rPr>
+              <a:t>第三步：执行</a:t>
+            </a:r>
+            <a:r>
+              <a:rPr lang="en-US" altLang="zh-CN" sz="1600" dirty="0" err="1">
+                <a:latin typeface="宋体" panose="02010600030101010101" pitchFamily="2" charset="-122"/>
+                <a:ea typeface="宋体" panose="02010600030101010101" pitchFamily="2" charset="-122"/>
+              </a:rPr>
+              <a:t>app.UseAuthorization</a:t>
+            </a:r>
+            <a:r>
+              <a:rPr lang="en-US" altLang="zh-CN" sz="1600" dirty="0">
+                <a:latin typeface="宋体" panose="02010600030101010101" pitchFamily="2" charset="-122"/>
+                <a:ea typeface="宋体" panose="02010600030101010101" pitchFamily="2" charset="-122"/>
+              </a:rPr>
+              <a:t>() </a:t>
+            </a:r>
+            <a:r>
+              <a:rPr lang="zh-CN" altLang="en-US" sz="1600" dirty="0">
+                <a:latin typeface="宋体" panose="02010600030101010101" pitchFamily="2" charset="-122"/>
+                <a:ea typeface="宋体" panose="02010600030101010101" pitchFamily="2" charset="-122"/>
+              </a:rPr>
+              <a:t>将</a:t>
+            </a:r>
+            <a:r>
+              <a:rPr lang="en-US" altLang="zh-CN" sz="1600" dirty="0" err="1">
+                <a:latin typeface="宋体" panose="02010600030101010101" pitchFamily="2" charset="-122"/>
+                <a:ea typeface="宋体" panose="02010600030101010101" pitchFamily="2" charset="-122"/>
+              </a:rPr>
+              <a:t>AuthorizationMiddleware</a:t>
+            </a:r>
+            <a:r>
+              <a:rPr lang="zh-CN" altLang="en-US" sz="1600" dirty="0">
+                <a:latin typeface="宋体" panose="02010600030101010101" pitchFamily="2" charset="-122"/>
+                <a:ea typeface="宋体" panose="02010600030101010101" pitchFamily="2" charset="-122"/>
+              </a:rPr>
+              <a:t>中间件注册到</a:t>
+            </a:r>
+            <a:r>
+              <a:rPr lang="en-US" altLang="zh-CN" sz="1600" dirty="0">
+                <a:latin typeface="宋体" panose="02010600030101010101" pitchFamily="2" charset="-122"/>
+                <a:ea typeface="宋体" panose="02010600030101010101" pitchFamily="2" charset="-122"/>
+              </a:rPr>
+              <a:t>http</a:t>
+            </a:r>
+            <a:r>
+              <a:rPr lang="zh-CN" altLang="en-US" sz="1600" dirty="0">
+                <a:latin typeface="宋体" panose="02010600030101010101" pitchFamily="2" charset="-122"/>
+                <a:ea typeface="宋体" panose="02010600030101010101" pitchFamily="2" charset="-122"/>
+              </a:rPr>
+              <a:t>管道中</a:t>
+            </a:r>
+            <a:endParaRPr lang="en-US" altLang="zh-CN" sz="1600" dirty="0">
+              <a:latin typeface="宋体" panose="02010600030101010101" pitchFamily="2" charset="-122"/>
+              <a:ea typeface="宋体" panose="02010600030101010101" pitchFamily="2" charset="-122"/>
+            </a:endParaRPr>
+          </a:p>
+          <a:p>
+            <a:r>
+              <a:rPr lang="zh-CN" altLang="en-US" sz="1600" dirty="0">
+                <a:latin typeface="宋体" panose="02010600030101010101" pitchFamily="2" charset="-122"/>
+                <a:ea typeface="宋体" panose="02010600030101010101" pitchFamily="2" charset="-122"/>
+              </a:rPr>
+              <a:t>第四步：执行</a:t>
+            </a:r>
+            <a:r>
+              <a:rPr lang="en-US" altLang="zh-CN" sz="1600" dirty="0" err="1">
+                <a:latin typeface="宋体" panose="02010600030101010101" pitchFamily="2" charset="-122"/>
+                <a:ea typeface="宋体" panose="02010600030101010101" pitchFamily="2" charset="-122"/>
+              </a:rPr>
+              <a:t>app.UseEndpoints</a:t>
+            </a:r>
+            <a:r>
+              <a:rPr lang="en-US" altLang="zh-CN" sz="1600" dirty="0">
+                <a:latin typeface="宋体" panose="02010600030101010101" pitchFamily="2" charset="-122"/>
+                <a:ea typeface="宋体" panose="02010600030101010101" pitchFamily="2" charset="-122"/>
+              </a:rPr>
+              <a:t>(</a:t>
+            </a:r>
+            <a:r>
+              <a:rPr lang="en-US" altLang="zh-CN" sz="1600" dirty="0" err="1">
+                <a:latin typeface="宋体" panose="02010600030101010101" pitchFamily="2" charset="-122"/>
+                <a:ea typeface="宋体" panose="02010600030101010101" pitchFamily="2" charset="-122"/>
+              </a:rPr>
+              <a:t>encpoints</a:t>
+            </a:r>
+            <a:r>
+              <a:rPr lang="en-US" altLang="zh-CN" sz="1600" dirty="0">
+                <a:latin typeface="宋体" panose="02010600030101010101" pitchFamily="2" charset="-122"/>
+                <a:ea typeface="宋体" panose="02010600030101010101" pitchFamily="2" charset="-122"/>
+              </a:rPr>
+              <a:t>=&gt;</a:t>
+            </a:r>
+            <a:r>
+              <a:rPr lang="en-US" altLang="zh-CN" sz="1600" dirty="0" err="1">
+                <a:latin typeface="宋体" panose="02010600030101010101" pitchFamily="2" charset="-122"/>
+                <a:ea typeface="宋体" panose="02010600030101010101" pitchFamily="2" charset="-122"/>
+              </a:rPr>
+              <a:t>endpoints.MapControllers</a:t>
+            </a:r>
+            <a:r>
+              <a:rPr lang="en-US" altLang="zh-CN" sz="1600" dirty="0">
+                <a:latin typeface="宋体" panose="02010600030101010101" pitchFamily="2" charset="-122"/>
+                <a:ea typeface="宋体" panose="02010600030101010101" pitchFamily="2" charset="-122"/>
+              </a:rPr>
+              <a:t>()) </a:t>
+            </a:r>
+            <a:r>
+              <a:rPr lang="zh-CN" altLang="en-US" sz="1600" dirty="0">
+                <a:latin typeface="宋体" panose="02010600030101010101" pitchFamily="2" charset="-122"/>
+                <a:ea typeface="宋体" panose="02010600030101010101" pitchFamily="2" charset="-122"/>
+              </a:rPr>
+              <a:t>有两个主要的作用：</a:t>
+            </a:r>
+            <a:endParaRPr lang="en-US" altLang="zh-CN" sz="1600" dirty="0">
+              <a:latin typeface="宋体" panose="02010600030101010101" pitchFamily="2" charset="-122"/>
+              <a:ea typeface="宋体" panose="02010600030101010101" pitchFamily="2" charset="-122"/>
+            </a:endParaRPr>
+          </a:p>
+          <a:p>
+            <a:pPr marL="0" indent="0">
+              <a:buNone/>
+            </a:pPr>
+            <a:r>
+              <a:rPr lang="en-US" altLang="zh-CN" sz="1600" dirty="0">
+                <a:latin typeface="宋体" panose="02010600030101010101" pitchFamily="2" charset="-122"/>
+                <a:ea typeface="宋体" panose="02010600030101010101" pitchFamily="2" charset="-122"/>
+              </a:rPr>
+              <a:t>	</a:t>
+            </a:r>
+            <a:r>
+              <a:rPr lang="zh-CN" altLang="en-US" sz="1600" dirty="0">
+                <a:latin typeface="宋体" panose="02010600030101010101" pitchFamily="2" charset="-122"/>
+                <a:ea typeface="宋体" panose="02010600030101010101" pitchFamily="2" charset="-122"/>
+              </a:rPr>
+              <a:t>调用</a:t>
+            </a:r>
+            <a:r>
+              <a:rPr lang="en-US" altLang="zh-CN" sz="1600" dirty="0" err="1">
+                <a:latin typeface="宋体" panose="02010600030101010101" pitchFamily="2" charset="-122"/>
+                <a:ea typeface="宋体" panose="02010600030101010101" pitchFamily="2" charset="-122"/>
+              </a:rPr>
+              <a:t>endpoints.MapControllers</a:t>
+            </a:r>
+            <a:r>
+              <a:rPr lang="en-US" altLang="zh-CN" sz="1600" dirty="0">
+                <a:latin typeface="宋体" panose="02010600030101010101" pitchFamily="2" charset="-122"/>
+                <a:ea typeface="宋体" panose="02010600030101010101" pitchFamily="2" charset="-122"/>
+              </a:rPr>
+              <a:t>()</a:t>
+            </a:r>
+            <a:r>
+              <a:rPr lang="zh-CN" altLang="en-US" sz="1600" dirty="0">
+                <a:latin typeface="宋体" panose="02010600030101010101" pitchFamily="2" charset="-122"/>
+                <a:ea typeface="宋体" panose="02010600030101010101" pitchFamily="2" charset="-122"/>
+              </a:rPr>
+              <a:t>将本程序集定义的所有</a:t>
+            </a:r>
+            <a:r>
+              <a:rPr lang="en-US" altLang="zh-CN" sz="1600" dirty="0">
+                <a:latin typeface="宋体" panose="02010600030101010101" pitchFamily="2" charset="-122"/>
+                <a:ea typeface="宋体" panose="02010600030101010101" pitchFamily="2" charset="-122"/>
+              </a:rPr>
+              <a:t>Controller</a:t>
+            </a:r>
+            <a:r>
+              <a:rPr lang="zh-CN" altLang="en-US" sz="1600" dirty="0">
+                <a:latin typeface="宋体" panose="02010600030101010101" pitchFamily="2" charset="-122"/>
+                <a:ea typeface="宋体" panose="02010600030101010101" pitchFamily="2" charset="-122"/>
+              </a:rPr>
+              <a:t>和</a:t>
+            </a:r>
+            <a:r>
+              <a:rPr lang="en-US" altLang="zh-CN" sz="1600" dirty="0">
+                <a:latin typeface="宋体" panose="02010600030101010101" pitchFamily="2" charset="-122"/>
+                <a:ea typeface="宋体" panose="02010600030101010101" pitchFamily="2" charset="-122"/>
+              </a:rPr>
+              <a:t>Action</a:t>
+            </a:r>
+            <a:r>
+              <a:rPr lang="zh-CN" altLang="en-US" sz="1600" dirty="0">
+                <a:latin typeface="宋体" panose="02010600030101010101" pitchFamily="2" charset="-122"/>
+                <a:ea typeface="宋体" panose="02010600030101010101" pitchFamily="2" charset="-122"/>
+              </a:rPr>
+              <a:t>转换为一个个的</a:t>
+            </a:r>
+            <a:r>
+              <a:rPr lang="en-US" altLang="zh-CN" sz="1600" dirty="0" err="1">
+                <a:latin typeface="宋体" panose="02010600030101010101" pitchFamily="2" charset="-122"/>
+                <a:ea typeface="宋体" panose="02010600030101010101" pitchFamily="2" charset="-122"/>
+              </a:rPr>
+              <a:t>EndPoint</a:t>
+            </a:r>
+            <a:r>
+              <a:rPr lang="zh-CN" altLang="en-US" sz="1600" dirty="0">
+                <a:latin typeface="宋体" panose="02010600030101010101" pitchFamily="2" charset="-122"/>
+                <a:ea typeface="宋体" panose="02010600030101010101" pitchFamily="2" charset="-122"/>
+              </a:rPr>
+              <a:t>放到路由中间件的配置对象</a:t>
+            </a:r>
+            <a:r>
+              <a:rPr lang="en-US" altLang="zh-CN" sz="1600" dirty="0" err="1">
+                <a:latin typeface="宋体" panose="02010600030101010101" pitchFamily="2" charset="-122"/>
+                <a:ea typeface="宋体" panose="02010600030101010101" pitchFamily="2" charset="-122"/>
+              </a:rPr>
+              <a:t>RouteOptions</a:t>
+            </a:r>
+            <a:r>
+              <a:rPr lang="zh-CN" altLang="en-US" sz="1600" dirty="0">
+                <a:latin typeface="宋体" panose="02010600030101010101" pitchFamily="2" charset="-122"/>
+                <a:ea typeface="宋体" panose="02010600030101010101" pitchFamily="2" charset="-122"/>
+              </a:rPr>
+              <a:t>中</a:t>
+            </a:r>
+            <a:endParaRPr lang="en-US" altLang="zh-CN" sz="1600" dirty="0">
+              <a:latin typeface="宋体" panose="02010600030101010101" pitchFamily="2" charset="-122"/>
+              <a:ea typeface="宋体" panose="02010600030101010101" pitchFamily="2" charset="-122"/>
+            </a:endParaRPr>
+          </a:p>
+          <a:p>
+            <a:pPr marL="0" indent="0">
+              <a:buNone/>
+            </a:pPr>
+            <a:r>
+              <a:rPr lang="en-US" altLang="zh-CN" sz="1600" dirty="0">
+                <a:latin typeface="宋体" panose="02010600030101010101" pitchFamily="2" charset="-122"/>
+                <a:ea typeface="宋体" panose="02010600030101010101" pitchFamily="2" charset="-122"/>
+              </a:rPr>
+              <a:t>	</a:t>
+            </a:r>
+            <a:r>
+              <a:rPr lang="zh-CN" altLang="en-US" sz="1600" dirty="0">
+                <a:latin typeface="宋体" panose="02010600030101010101" pitchFamily="2" charset="-122"/>
+                <a:ea typeface="宋体" panose="02010600030101010101" pitchFamily="2" charset="-122"/>
+              </a:rPr>
+              <a:t>将</a:t>
+            </a:r>
+            <a:r>
+              <a:rPr lang="en-US" altLang="zh-CN" sz="1600" dirty="0" err="1">
+                <a:latin typeface="宋体" panose="02010600030101010101" pitchFamily="2" charset="-122"/>
+                <a:ea typeface="宋体" panose="02010600030101010101" pitchFamily="2" charset="-122"/>
+              </a:rPr>
+              <a:t>EndpointMiddleware</a:t>
+            </a:r>
+            <a:r>
+              <a:rPr lang="zh-CN" altLang="en-US" sz="1600" dirty="0">
+                <a:latin typeface="宋体" panose="02010600030101010101" pitchFamily="2" charset="-122"/>
+                <a:ea typeface="宋体" panose="02010600030101010101" pitchFamily="2" charset="-122"/>
+              </a:rPr>
+              <a:t>中间件注册到</a:t>
+            </a:r>
+            <a:r>
+              <a:rPr lang="en-US" altLang="zh-CN" sz="1600" dirty="0">
+                <a:latin typeface="宋体" panose="02010600030101010101" pitchFamily="2" charset="-122"/>
+                <a:ea typeface="宋体" panose="02010600030101010101" pitchFamily="2" charset="-122"/>
+              </a:rPr>
+              <a:t>http</a:t>
+            </a:r>
+            <a:r>
+              <a:rPr lang="zh-CN" altLang="en-US" sz="1600" dirty="0">
+                <a:latin typeface="宋体" panose="02010600030101010101" pitchFamily="2" charset="-122"/>
+                <a:ea typeface="宋体" panose="02010600030101010101" pitchFamily="2" charset="-122"/>
+              </a:rPr>
+              <a:t>管道中</a:t>
+            </a:r>
+          </a:p>
+        </p:txBody>
+      </p:sp>
+      <p:sp>
+        <p:nvSpPr>
+          <p:cNvPr id="4" name="文本框 3">
+            <a:extLst>
+              <a:ext uri="{FF2B5EF4-FFF2-40B4-BE49-F238E27FC236}">
+                <a16:creationId xmlns:a16="http://schemas.microsoft.com/office/drawing/2014/main" id="{52495944-0DCA-4935-84B3-422D6A14CB3A}"/>
+              </a:ext>
+            </a:extLst>
+          </p:cNvPr>
+          <p:cNvSpPr txBox="1"/>
+          <p:nvPr/>
+        </p:nvSpPr>
+        <p:spPr>
+          <a:xfrm>
+            <a:off x="906163" y="4193059"/>
+            <a:ext cx="10247870" cy="1815882"/>
+          </a:xfrm>
+          <a:prstGeom prst="rect">
+            <a:avLst/>
+          </a:prstGeom>
+          <a:noFill/>
+        </p:spPr>
+        <p:txBody>
+          <a:bodyPr wrap="square" rtlCol="0">
+            <a:spAutoFit/>
+          </a:bodyPr>
+          <a:lstStyle/>
+          <a:p>
+            <a:r>
+              <a:rPr lang="zh-CN" altLang="en-US" sz="1600" dirty="0">
+                <a:latin typeface="宋体" panose="02010600030101010101" pitchFamily="2" charset="-122"/>
+                <a:ea typeface="宋体" panose="02010600030101010101" pitchFamily="2" charset="-122"/>
+              </a:rPr>
+              <a:t>程序启动的时候会把所有的</a:t>
+            </a:r>
+            <a:r>
+              <a:rPr lang="en-US" altLang="zh-CN" sz="1600" dirty="0">
+                <a:latin typeface="宋体" panose="02010600030101010101" pitchFamily="2" charset="-122"/>
+                <a:ea typeface="宋体" panose="02010600030101010101" pitchFamily="2" charset="-122"/>
+              </a:rPr>
+              <a:t>Controller </a:t>
+            </a:r>
+            <a:r>
+              <a:rPr lang="zh-CN" altLang="en-US" sz="1600" dirty="0">
+                <a:latin typeface="宋体" panose="02010600030101010101" pitchFamily="2" charset="-122"/>
+                <a:ea typeface="宋体" panose="02010600030101010101" pitchFamily="2" charset="-122"/>
+              </a:rPr>
+              <a:t>中的</a:t>
+            </a:r>
+            <a:r>
+              <a:rPr lang="en-US" altLang="zh-CN" sz="1600" dirty="0">
+                <a:latin typeface="宋体" panose="02010600030101010101" pitchFamily="2" charset="-122"/>
+                <a:ea typeface="宋体" panose="02010600030101010101" pitchFamily="2" charset="-122"/>
+              </a:rPr>
+              <a:t>Action </a:t>
+            </a:r>
+            <a:r>
+              <a:rPr lang="zh-CN" altLang="en-US" sz="1600" dirty="0">
+                <a:latin typeface="宋体" panose="02010600030101010101" pitchFamily="2" charset="-122"/>
+                <a:ea typeface="宋体" panose="02010600030101010101" pitchFamily="2" charset="-122"/>
+              </a:rPr>
+              <a:t>映射存储到</a:t>
+            </a:r>
+            <a:r>
+              <a:rPr lang="en-US" altLang="zh-CN" sz="1600" dirty="0" err="1">
+                <a:latin typeface="宋体" panose="02010600030101010101" pitchFamily="2" charset="-122"/>
+                <a:ea typeface="宋体" panose="02010600030101010101" pitchFamily="2" charset="-122"/>
+              </a:rPr>
+              <a:t>routeOptions</a:t>
+            </a:r>
+            <a:r>
+              <a:rPr lang="zh-CN" altLang="en-US" sz="1600" dirty="0">
+                <a:latin typeface="宋体" panose="02010600030101010101" pitchFamily="2" charset="-122"/>
+                <a:ea typeface="宋体" panose="02010600030101010101" pitchFamily="2" charset="-122"/>
+              </a:rPr>
+              <a:t>的集合中，</a:t>
+            </a:r>
+            <a:r>
+              <a:rPr lang="en-US" altLang="zh-CN" sz="1600" dirty="0">
+                <a:latin typeface="宋体" panose="02010600030101010101" pitchFamily="2" charset="-122"/>
+                <a:ea typeface="宋体" panose="02010600030101010101" pitchFamily="2" charset="-122"/>
+              </a:rPr>
+              <a:t> Action </a:t>
+            </a:r>
+            <a:r>
+              <a:rPr lang="zh-CN" altLang="en-US" sz="1600" dirty="0">
+                <a:latin typeface="宋体" panose="02010600030101010101" pitchFamily="2" charset="-122"/>
+                <a:ea typeface="宋体" panose="02010600030101010101" pitchFamily="2" charset="-122"/>
+              </a:rPr>
+              <a:t>映射成</a:t>
+            </a:r>
+            <a:r>
+              <a:rPr lang="en-US" altLang="zh-CN" sz="1600" dirty="0">
+                <a:latin typeface="宋体" panose="02010600030101010101" pitchFamily="2" charset="-122"/>
+                <a:ea typeface="宋体" panose="02010600030101010101" pitchFamily="2" charset="-122"/>
+              </a:rPr>
+              <a:t>Endpoint</a:t>
+            </a:r>
+            <a:r>
+              <a:rPr lang="zh-CN" altLang="en-US" sz="1600" dirty="0">
+                <a:latin typeface="宋体" panose="02010600030101010101" pitchFamily="2" charset="-122"/>
+                <a:ea typeface="宋体" panose="02010600030101010101" pitchFamily="2" charset="-122"/>
+              </a:rPr>
+              <a:t>终结点 的</a:t>
+            </a:r>
+            <a:r>
+              <a:rPr lang="en-US" altLang="zh-CN" sz="1600" dirty="0" err="1">
+                <a:latin typeface="宋体" panose="02010600030101010101" pitchFamily="2" charset="-122"/>
+                <a:ea typeface="宋体" panose="02010600030101010101" pitchFamily="2" charset="-122"/>
+              </a:rPr>
+              <a:t>RequestDelegate</a:t>
+            </a:r>
+            <a:r>
+              <a:rPr lang="zh-CN" altLang="en-US" sz="1600" dirty="0">
+                <a:latin typeface="宋体" panose="02010600030101010101" pitchFamily="2" charset="-122"/>
+                <a:ea typeface="宋体" panose="02010600030101010101" pitchFamily="2" charset="-122"/>
+              </a:rPr>
+              <a:t>委托属性，最后通过</a:t>
+            </a:r>
+            <a:r>
+              <a:rPr lang="en-US" altLang="zh-CN" sz="1600" dirty="0" err="1">
+                <a:latin typeface="宋体" panose="02010600030101010101" pitchFamily="2" charset="-122"/>
+                <a:ea typeface="宋体" panose="02010600030101010101" pitchFamily="2" charset="-122"/>
+              </a:rPr>
+              <a:t>UseEndPoints</a:t>
+            </a:r>
+            <a:r>
+              <a:rPr lang="zh-CN" altLang="en-US" sz="1600" dirty="0">
+                <a:latin typeface="宋体" panose="02010600030101010101" pitchFamily="2" charset="-122"/>
+                <a:ea typeface="宋体" panose="02010600030101010101" pitchFamily="2" charset="-122"/>
+              </a:rPr>
+              <a:t>添加</a:t>
+            </a:r>
+            <a:r>
+              <a:rPr lang="en-US" altLang="zh-CN" sz="1600" dirty="0" err="1">
+                <a:latin typeface="宋体" panose="02010600030101010101" pitchFamily="2" charset="-122"/>
+                <a:ea typeface="宋体" panose="02010600030101010101" pitchFamily="2" charset="-122"/>
+              </a:rPr>
+              <a:t>EndpointMiddleware</a:t>
+            </a:r>
+            <a:r>
+              <a:rPr lang="zh-CN" altLang="en-US" sz="1600" dirty="0">
+                <a:latin typeface="宋体" panose="02010600030101010101" pitchFamily="2" charset="-122"/>
+                <a:ea typeface="宋体" panose="02010600030101010101" pitchFamily="2" charset="-122"/>
+              </a:rPr>
+              <a:t>中间件进行执行，同时这个中间件中的</a:t>
+            </a:r>
+            <a:r>
+              <a:rPr lang="en-US" altLang="zh-CN" sz="1600" dirty="0">
+                <a:latin typeface="宋体" panose="02010600030101010101" pitchFamily="2" charset="-122"/>
+                <a:ea typeface="宋体" panose="02010600030101010101" pitchFamily="2" charset="-122"/>
+              </a:rPr>
+              <a:t>Endpoint</a:t>
+            </a:r>
+            <a:r>
+              <a:rPr lang="zh-CN" altLang="en-US" sz="1600" dirty="0">
+                <a:latin typeface="宋体" panose="02010600030101010101" pitchFamily="2" charset="-122"/>
+                <a:ea typeface="宋体" panose="02010600030101010101" pitchFamily="2" charset="-122"/>
+              </a:rPr>
+              <a:t>  终结点路由已经是通过</a:t>
+            </a:r>
+            <a:r>
+              <a:rPr lang="en-US" altLang="zh-CN" sz="1600" dirty="0">
+                <a:latin typeface="宋体" panose="02010600030101010101" pitchFamily="2" charset="-122"/>
+                <a:ea typeface="宋体" panose="02010600030101010101" pitchFamily="2" charset="-122"/>
+              </a:rPr>
+              <a:t>Routing</a:t>
+            </a:r>
+            <a:r>
+              <a:rPr lang="zh-CN" altLang="en-US" sz="1600" dirty="0">
+                <a:latin typeface="宋体" panose="02010600030101010101" pitchFamily="2" charset="-122"/>
+                <a:ea typeface="宋体" panose="02010600030101010101" pitchFamily="2" charset="-122"/>
+              </a:rPr>
+              <a:t>匹配后的路由。</a:t>
+            </a:r>
+            <a:endParaRPr lang="en-US" altLang="zh-CN" sz="1600" dirty="0">
+              <a:latin typeface="宋体" panose="02010600030101010101" pitchFamily="2" charset="-122"/>
+              <a:ea typeface="宋体" panose="02010600030101010101" pitchFamily="2" charset="-122"/>
+            </a:endParaRPr>
+          </a:p>
+          <a:p>
+            <a:r>
+              <a:rPr lang="en-US" altLang="zh-CN" sz="1600" dirty="0" err="1">
+                <a:latin typeface="宋体" panose="02010600030101010101" pitchFamily="2" charset="-122"/>
+                <a:ea typeface="宋体" panose="02010600030101010101" pitchFamily="2" charset="-122"/>
+              </a:rPr>
+              <a:t>Ednpoint</a:t>
+            </a:r>
+            <a:r>
+              <a:rPr lang="zh-CN" altLang="en-US" sz="1600" dirty="0">
+                <a:latin typeface="宋体" panose="02010600030101010101" pitchFamily="2" charset="-122"/>
+                <a:ea typeface="宋体" panose="02010600030101010101" pitchFamily="2" charset="-122"/>
+              </a:rPr>
+              <a:t>终结者路由是普通路由</a:t>
+            </a:r>
+            <a:r>
+              <a:rPr lang="en-US" altLang="zh-CN" sz="1600" dirty="0">
+                <a:latin typeface="宋体" panose="02010600030101010101" pitchFamily="2" charset="-122"/>
+                <a:ea typeface="宋体" panose="02010600030101010101" pitchFamily="2" charset="-122"/>
+              </a:rPr>
+              <a:t>map</a:t>
+            </a:r>
+            <a:r>
+              <a:rPr lang="zh-CN" altLang="en-US" sz="1600" dirty="0">
+                <a:latin typeface="宋体" panose="02010600030101010101" pitchFamily="2" charset="-122"/>
+                <a:ea typeface="宋体" panose="02010600030101010101" pitchFamily="2" charset="-122"/>
+              </a:rPr>
+              <a:t>转换后的委托路由，里面包含了路由方法的所有元素信息</a:t>
+            </a:r>
+            <a:r>
+              <a:rPr lang="en-US" altLang="zh-CN" sz="1600" dirty="0" err="1">
+                <a:latin typeface="宋体" panose="02010600030101010101" pitchFamily="2" charset="-122"/>
+                <a:ea typeface="宋体" panose="02010600030101010101" pitchFamily="2" charset="-122"/>
+              </a:rPr>
+              <a:t>EndpointMetadataCollection</a:t>
+            </a:r>
+            <a:r>
+              <a:rPr lang="zh-CN" altLang="en-US" sz="1600" dirty="0">
+                <a:latin typeface="宋体" panose="02010600030101010101" pitchFamily="2" charset="-122"/>
+                <a:ea typeface="宋体" panose="02010600030101010101" pitchFamily="2" charset="-122"/>
+              </a:rPr>
+              <a:t>和</a:t>
+            </a:r>
+            <a:r>
+              <a:rPr lang="en-US" altLang="zh-CN" sz="1600" dirty="0" err="1">
+                <a:latin typeface="宋体" panose="02010600030101010101" pitchFamily="2" charset="-122"/>
+                <a:ea typeface="宋体" panose="02010600030101010101" pitchFamily="2" charset="-122"/>
+              </a:rPr>
+              <a:t>RequestDelegate</a:t>
+            </a:r>
+            <a:r>
+              <a:rPr lang="zh-CN" altLang="en-US" sz="1600" dirty="0">
+                <a:latin typeface="宋体" panose="02010600030101010101" pitchFamily="2" charset="-122"/>
+                <a:ea typeface="宋体" panose="02010600030101010101" pitchFamily="2" charset="-122"/>
+              </a:rPr>
+              <a:t>委托。</a:t>
+            </a:r>
+            <a:endParaRPr lang="en-US" altLang="zh-CN" sz="1600" dirty="0">
+              <a:latin typeface="宋体" panose="02010600030101010101" pitchFamily="2" charset="-122"/>
+              <a:ea typeface="宋体" panose="02010600030101010101" pitchFamily="2" charset="-122"/>
+            </a:endParaRPr>
+          </a:p>
+          <a:p>
+            <a:r>
+              <a:rPr lang="en-US" altLang="zh-CN" sz="1600" dirty="0" err="1">
+                <a:latin typeface="宋体" panose="02010600030101010101" pitchFamily="2" charset="-122"/>
+                <a:ea typeface="宋体" panose="02010600030101010101" pitchFamily="2" charset="-122"/>
+              </a:rPr>
+              <a:t>UseRouing</a:t>
+            </a:r>
+            <a:r>
+              <a:rPr lang="zh-CN" altLang="en-US" sz="1600" dirty="0">
+                <a:latin typeface="宋体" panose="02010600030101010101" pitchFamily="2" charset="-122"/>
+                <a:ea typeface="宋体" panose="02010600030101010101" pitchFamily="2" charset="-122"/>
+              </a:rPr>
+              <a:t>中间件主要是路由匹配，找到匹配的终结者路由</a:t>
+            </a:r>
+            <a:r>
+              <a:rPr lang="en-US" altLang="zh-CN" sz="1600" dirty="0">
+                <a:latin typeface="宋体" panose="02010600030101010101" pitchFamily="2" charset="-122"/>
+                <a:ea typeface="宋体" panose="02010600030101010101" pitchFamily="2" charset="-122"/>
+              </a:rPr>
+              <a:t>Endpoint</a:t>
+            </a:r>
+            <a:r>
+              <a:rPr lang="zh-CN" altLang="en-US" sz="1600" dirty="0">
+                <a:latin typeface="宋体" panose="02010600030101010101" pitchFamily="2" charset="-122"/>
+                <a:ea typeface="宋体" panose="02010600030101010101" pitchFamily="2" charset="-122"/>
+              </a:rPr>
+              <a:t>。</a:t>
+            </a:r>
+            <a:r>
+              <a:rPr lang="en-US" altLang="zh-CN" sz="1600" dirty="0">
+                <a:latin typeface="宋体" panose="02010600030101010101" pitchFamily="2" charset="-122"/>
+                <a:ea typeface="宋体" panose="02010600030101010101" pitchFamily="2" charset="-122"/>
+              </a:rPr>
+              <a:t> </a:t>
+            </a:r>
+            <a:r>
+              <a:rPr lang="en-US" altLang="zh-CN" sz="1600" dirty="0" err="1">
+                <a:latin typeface="宋体" panose="02010600030101010101" pitchFamily="2" charset="-122"/>
+                <a:ea typeface="宋体" panose="02010600030101010101" pitchFamily="2" charset="-122"/>
+              </a:rPr>
+              <a:t>UseEndpoints</a:t>
+            </a:r>
+            <a:r>
+              <a:rPr lang="zh-CN" altLang="en-US" sz="1600" dirty="0">
+                <a:latin typeface="宋体" panose="02010600030101010101" pitchFamily="2" charset="-122"/>
+                <a:ea typeface="宋体" panose="02010600030101010101" pitchFamily="2" charset="-122"/>
+              </a:rPr>
+              <a:t>中间件主要针对</a:t>
+            </a:r>
+            <a:r>
+              <a:rPr lang="en-US" altLang="zh-CN" sz="1600" dirty="0" err="1">
+                <a:latin typeface="宋体" panose="02010600030101010101" pitchFamily="2" charset="-122"/>
+                <a:ea typeface="宋体" panose="02010600030101010101" pitchFamily="2" charset="-122"/>
+              </a:rPr>
+              <a:t>UseRouting</a:t>
+            </a:r>
+            <a:r>
+              <a:rPr lang="zh-CN" altLang="en-US" sz="1600" dirty="0">
+                <a:latin typeface="宋体" panose="02010600030101010101" pitchFamily="2" charset="-122"/>
+                <a:ea typeface="宋体" panose="02010600030101010101" pitchFamily="2" charset="-122"/>
+              </a:rPr>
+              <a:t>中间件匹配到的路由进行 委托方法的执行等操作。</a:t>
+            </a:r>
+          </a:p>
+        </p:txBody>
+      </p:sp>
+    </p:spTree>
+    <p:extLst>
+      <p:ext uri="{BB962C8B-B14F-4D97-AF65-F5344CB8AC3E}">
+        <p14:creationId xmlns:p14="http://schemas.microsoft.com/office/powerpoint/2010/main" val="2067132064"/>
+      </p:ext>
+    </p:extLst>
+  </p:cSld>
+  <p:clrMapOvr>
+    <a:masterClrMapping/>
+  </p:clrMapOvr>
+  <p:timing>
+    <p:tnLst>
+      <p:par>
+        <p:cTn id="1" dur="indefinite" restart="never" nodeType="tmRoot">
+          <p:childTnLst>
+            <p:seq concurrent="1" nextAc="seek">
+              <p:cTn id="2" dur="indefinite" nodeType="mainSeq">
+                <p:childTnLst>
+                  <p:par>
+                    <p:cTn id="3" fill="hold">
+                      <p:stCondLst>
+                        <p:cond delay="indefinite"/>
+                      </p:stCondLst>
+                      <p:childTnLst>
+                        <p:par>
+                          <p:cTn id="4" fill="hold">
+                            <p:stCondLst>
+                              <p:cond delay="0"/>
+                            </p:stCondLst>
+                            <p:childTnLst>
+                              <p:par>
+                                <p:cTn id="5" presetID="10" presetClass="entr" presetSubtype="0" fill="hold" grpId="0" nodeType="clickEffect">
+                                  <p:stCondLst>
+                                    <p:cond delay="0"/>
+                                  </p:stCondLst>
+                                  <p:childTnLst>
+                                    <p:set>
+                                      <p:cBhvr>
+                                        <p:cTn id="6" dur="1" fill="hold">
+                                          <p:stCondLst>
+                                            <p:cond delay="0"/>
+                                          </p:stCondLst>
+                                        </p:cTn>
+                                        <p:tgtEl>
+                                          <p:spTgt spid="4"/>
+                                        </p:tgtEl>
+                                        <p:attrNameLst>
+                                          <p:attrName>style.visibility</p:attrName>
+                                        </p:attrNameLst>
+                                      </p:cBhvr>
+                                      <p:to>
+                                        <p:strVal val="visible"/>
+                                      </p:to>
+                                    </p:set>
+                                    <p:animEffect transition="in" filter="fade">
+                                      <p:cBhvr>
+                                        <p:cTn id="7" dur="500"/>
+                                        <p:tgtEl>
+                                          <p:spTgt spid="4"/>
+                                        </p:tgtEl>
+                                      </p:cBhvr>
+                                    </p:animEffect>
+                                  </p:childTnLst>
+                                </p:cTn>
+                              </p:par>
+                            </p:childTnLst>
+                          </p:cTn>
+                        </p:par>
+                      </p:childTnLst>
+                    </p:cTn>
+                  </p:par>
+                </p:childTnLst>
+              </p:cTn>
+              <p:prevCondLst>
+                <p:cond evt="onPrev" delay="0">
+                  <p:tgtEl>
+                    <p:sldTgt/>
+                  </p:tgtEl>
+                </p:cond>
+              </p:prevCondLst>
+              <p:nextCondLst>
+                <p:cond evt="onNext" delay="0">
+                  <p:tgtEl>
+                    <p:sldTgt/>
+                  </p:tgtEl>
+                </p:cond>
+              </p:nextCondLst>
+            </p:seq>
+          </p:childTnLst>
+        </p:cTn>
+      </p:par>
+    </p:tnLst>
+    <p:bldLst>
+      <p:bldP spid="4" grpId="0"/>
+    </p:bldLst>
+  </p:timing>
+</p:sld>
+</file>
+
+<file path=ppt/slides/slide23.xml><?xml version="1.0" encoding="utf-8"?>
+<p:sld xmlns:a="http://schemas.openxmlformats.org/drawingml/2006/main" xmlns:r="http://schemas.openxmlformats.org/officeDocument/2006/relationships" xmlns:p="http://schemas.openxmlformats.org/presentationml/2006/main">
+  <p:cSld>
+    <p:spTree>
+      <p:nvGrpSpPr>
+        <p:cNvPr id="1" name=""/>
+        <p:cNvGrpSpPr/>
+        <p:nvPr/>
+      </p:nvGrpSpPr>
+      <p:grpSpPr>
+        <a:xfrm>
+          <a:off x="0" y="0"/>
+          <a:ext cx="0" cy="0"/>
+          <a:chOff x="0" y="0"/>
+          <a:chExt cx="0" cy="0"/>
+        </a:xfrm>
+      </p:grpSpPr>
+      <p:sp>
+        <p:nvSpPr>
+          <p:cNvPr id="2" name="标题 1">
+            <a:extLst>
+              <a:ext uri="{FF2B5EF4-FFF2-40B4-BE49-F238E27FC236}">
+                <a16:creationId xmlns:a16="http://schemas.microsoft.com/office/drawing/2014/main" id="{870B31A4-7F20-40CF-95A0-7B0992145DDC}"/>
+              </a:ext>
+            </a:extLst>
+          </p:cNvPr>
+          <p:cNvSpPr>
+            <a:spLocks noGrp="1"/>
+          </p:cNvSpPr>
+          <p:nvPr>
+            <p:ph type="title"/>
+          </p:nvPr>
+        </p:nvSpPr>
+        <p:spPr/>
+        <p:txBody>
+          <a:bodyPr/>
+          <a:lstStyle/>
+          <a:p>
+            <a:r>
+              <a:rPr lang="zh-CN" altLang="en-US" dirty="0"/>
+              <a:t>终结点</a:t>
+            </a:r>
+          </a:p>
+        </p:txBody>
+      </p:sp>
+      <p:sp>
+        <p:nvSpPr>
+          <p:cNvPr id="3" name="内容占位符 2">
+            <a:extLst>
+              <a:ext uri="{FF2B5EF4-FFF2-40B4-BE49-F238E27FC236}">
+                <a16:creationId xmlns:a16="http://schemas.microsoft.com/office/drawing/2014/main" id="{3D35B9A5-D4AB-4454-92E7-F060A8CF44BE}"/>
+              </a:ext>
+            </a:extLst>
+          </p:cNvPr>
+          <p:cNvSpPr>
+            <a:spLocks noGrp="1"/>
+          </p:cNvSpPr>
+          <p:nvPr>
+            <p:ph idx="1"/>
+          </p:nvPr>
+        </p:nvSpPr>
+        <p:spPr>
+          <a:xfrm>
+            <a:off x="8888626" y="1812325"/>
+            <a:ext cx="2465173" cy="4364638"/>
+          </a:xfrm>
+        </p:spPr>
+        <p:txBody>
+          <a:bodyPr>
+            <a:normAutofit/>
+          </a:bodyPr>
+          <a:lstStyle/>
+          <a:p>
+            <a:pPr marL="0" indent="0">
+              <a:buNone/>
+            </a:pPr>
+            <a:endParaRPr lang="zh-CN" altLang="en-US" dirty="0"/>
+          </a:p>
+        </p:txBody>
+      </p:sp>
+      <p:pic>
+        <p:nvPicPr>
+          <p:cNvPr id="4" name="图片 3">
+            <a:extLst>
+              <a:ext uri="{FF2B5EF4-FFF2-40B4-BE49-F238E27FC236}">
+                <a16:creationId xmlns:a16="http://schemas.microsoft.com/office/drawing/2014/main" id="{E908E8BF-CD27-45C2-8E10-FC3E55DABF7E}"/>
+              </a:ext>
+            </a:extLst>
+          </p:cNvPr>
+          <p:cNvPicPr>
+            <a:picLocks noChangeAspect="1"/>
+          </p:cNvPicPr>
+          <p:nvPr/>
+        </p:nvPicPr>
+        <p:blipFill>
+          <a:blip r:embed="rId2"/>
+          <a:stretch>
+            <a:fillRect/>
+          </a:stretch>
+        </p:blipFill>
+        <p:spPr>
+          <a:xfrm>
+            <a:off x="0" y="1812325"/>
+            <a:ext cx="7876190" cy="4600000"/>
+          </a:xfrm>
+          <a:prstGeom prst="rect">
+            <a:avLst/>
+          </a:prstGeom>
+        </p:spPr>
+      </p:pic>
+    </p:spTree>
+    <p:extLst>
+      <p:ext uri="{BB962C8B-B14F-4D97-AF65-F5344CB8AC3E}">
+        <p14:creationId xmlns:p14="http://schemas.microsoft.com/office/powerpoint/2010/main" val="2014015593"/>
+      </p:ext>
+    </p:extLst>
+  </p:cSld>
+  <p:clrMapOvr>
+    <a:masterClrMapping/>
+  </p:clrMapOvr>
+</p:sld>
+</file>
+
+<file path=ppt/slides/slide24.xml><?xml version="1.0" encoding="utf-8"?>
+<p:sld xmlns:a="http://schemas.openxmlformats.org/drawingml/2006/main" xmlns:r="http://schemas.openxmlformats.org/officeDocument/2006/relationships" xmlns:p="http://schemas.openxmlformats.org/presentationml/2006/main">
+  <p:cSld>
+    <p:spTree>
+      <p:nvGrpSpPr>
+        <p:cNvPr id="1" name=""/>
+        <p:cNvGrpSpPr/>
+        <p:nvPr/>
+      </p:nvGrpSpPr>
+      <p:grpSpPr>
+        <a:xfrm>
+          <a:off x="0" y="0"/>
+          <a:ext cx="0" cy="0"/>
+          <a:chOff x="0" y="0"/>
+          <a:chExt cx="0" cy="0"/>
+        </a:xfrm>
+      </p:grpSpPr>
+      <p:sp>
+        <p:nvSpPr>
+          <p:cNvPr id="2" name="标题 1">
+            <a:extLst>
+              <a:ext uri="{FF2B5EF4-FFF2-40B4-BE49-F238E27FC236}">
+                <a16:creationId xmlns:a16="http://schemas.microsoft.com/office/drawing/2014/main" id="{E10BF631-F14A-4F36-A794-3C01AAED031D}"/>
+              </a:ext>
+            </a:extLst>
+          </p:cNvPr>
+          <p:cNvSpPr>
+            <a:spLocks noGrp="1"/>
+          </p:cNvSpPr>
+          <p:nvPr>
+            <p:ph type="title"/>
+          </p:nvPr>
+        </p:nvSpPr>
+        <p:spPr/>
+        <p:txBody>
+          <a:bodyPr/>
+          <a:lstStyle/>
+          <a:p>
+            <a:r>
+              <a:rPr lang="zh-CN" altLang="en-US" dirty="0"/>
+              <a:t>终结点</a:t>
+            </a:r>
+          </a:p>
+        </p:txBody>
+      </p:sp>
+      <p:sp>
+        <p:nvSpPr>
+          <p:cNvPr id="3" name="内容占位符 2">
+            <a:extLst>
+              <a:ext uri="{FF2B5EF4-FFF2-40B4-BE49-F238E27FC236}">
+                <a16:creationId xmlns:a16="http://schemas.microsoft.com/office/drawing/2014/main" id="{89D7A100-BDF7-40A7-B469-834061E60BDB}"/>
+              </a:ext>
+            </a:extLst>
+          </p:cNvPr>
+          <p:cNvSpPr>
+            <a:spLocks noGrp="1"/>
+          </p:cNvSpPr>
+          <p:nvPr>
+            <p:ph idx="1"/>
+          </p:nvPr>
+        </p:nvSpPr>
+        <p:spPr/>
+        <p:txBody>
+          <a:bodyPr>
+            <a:normAutofit/>
+          </a:bodyPr>
+          <a:lstStyle/>
+          <a:p>
+            <a:pPr marL="0" indent="0">
+              <a:buNone/>
+            </a:pPr>
+            <a:r>
+              <a:rPr lang="zh-CN" altLang="en-US" sz="2400" dirty="0">
+                <a:latin typeface="宋体" panose="02010600030101010101" pitchFamily="2" charset="-122"/>
+                <a:ea typeface="宋体" panose="02010600030101010101" pitchFamily="2" charset="-122"/>
+              </a:rPr>
+              <a:t>借助路由系统提供的请求</a:t>
+            </a:r>
+            <a:r>
+              <a:rPr lang="en-US" altLang="zh-CN" sz="2400" dirty="0">
+                <a:latin typeface="宋体" panose="02010600030101010101" pitchFamily="2" charset="-122"/>
+                <a:ea typeface="宋体" panose="02010600030101010101" pitchFamily="2" charset="-122"/>
+              </a:rPr>
+              <a:t>URL</a:t>
+            </a:r>
+            <a:r>
+              <a:rPr lang="zh-CN" altLang="en-US" sz="2400" dirty="0">
+                <a:latin typeface="宋体" panose="02010600030101010101" pitchFamily="2" charset="-122"/>
+                <a:ea typeface="宋体" panose="02010600030101010101" pitchFamily="2" charset="-122"/>
+              </a:rPr>
+              <a:t>模式与对应终结点（</a:t>
+            </a:r>
+            <a:r>
+              <a:rPr lang="en-US" altLang="zh-CN" sz="2400" dirty="0">
+                <a:latin typeface="宋体" panose="02010600030101010101" pitchFamily="2" charset="-122"/>
+                <a:ea typeface="宋体" panose="02010600030101010101" pitchFamily="2" charset="-122"/>
+              </a:rPr>
+              <a:t>Endpoint</a:t>
+            </a:r>
+            <a:r>
+              <a:rPr lang="zh-CN" altLang="en-US" sz="2400" dirty="0">
+                <a:latin typeface="宋体" panose="02010600030101010101" pitchFamily="2" charset="-122"/>
+                <a:ea typeface="宋体" panose="02010600030101010101" pitchFamily="2" charset="-122"/>
+              </a:rPr>
+              <a:t>）之间的映射关系，我们可以将具有相同</a:t>
+            </a:r>
+            <a:r>
+              <a:rPr lang="en-US" altLang="zh-CN" sz="2400" dirty="0">
+                <a:latin typeface="宋体" panose="02010600030101010101" pitchFamily="2" charset="-122"/>
+                <a:ea typeface="宋体" panose="02010600030101010101" pitchFamily="2" charset="-122"/>
+              </a:rPr>
+              <a:t>URL</a:t>
+            </a:r>
+            <a:r>
+              <a:rPr lang="zh-CN" altLang="en-US" sz="2400" dirty="0">
+                <a:latin typeface="宋体" panose="02010600030101010101" pitchFamily="2" charset="-122"/>
+                <a:ea typeface="宋体" panose="02010600030101010101" pitchFamily="2" charset="-122"/>
+              </a:rPr>
+              <a:t>模式的请求分发给应用的终结点进行处理。</a:t>
+            </a:r>
+            <a:r>
+              <a:rPr lang="en-US" altLang="zh-CN" sz="2400" dirty="0">
+                <a:latin typeface="宋体" panose="02010600030101010101" pitchFamily="2" charset="-122"/>
+                <a:ea typeface="宋体" panose="02010600030101010101" pitchFamily="2" charset="-122"/>
+              </a:rPr>
+              <a:t>ASP.NET Core</a:t>
+            </a:r>
+            <a:r>
+              <a:rPr lang="zh-CN" altLang="en-US" sz="2400" dirty="0">
+                <a:latin typeface="宋体" panose="02010600030101010101" pitchFamily="2" charset="-122"/>
+                <a:ea typeface="宋体" panose="02010600030101010101" pitchFamily="2" charset="-122"/>
+              </a:rPr>
+              <a:t>的路由是通过</a:t>
+            </a:r>
+            <a:r>
+              <a:rPr lang="en-US" altLang="zh-CN" sz="2400" dirty="0" err="1">
+                <a:latin typeface="宋体" panose="02010600030101010101" pitchFamily="2" charset="-122"/>
+                <a:ea typeface="宋体" panose="02010600030101010101" pitchFamily="2" charset="-122"/>
+              </a:rPr>
+              <a:t>EndpointRoutingMiddleware</a:t>
+            </a:r>
+            <a:r>
+              <a:rPr lang="zh-CN" altLang="en-US" sz="2400" dirty="0">
+                <a:latin typeface="宋体" panose="02010600030101010101" pitchFamily="2" charset="-122"/>
+                <a:ea typeface="宋体" panose="02010600030101010101" pitchFamily="2" charset="-122"/>
+              </a:rPr>
+              <a:t>和</a:t>
+            </a:r>
+            <a:r>
+              <a:rPr lang="en-US" altLang="zh-CN" sz="2400" dirty="0" err="1">
+                <a:latin typeface="宋体" panose="02010600030101010101" pitchFamily="2" charset="-122"/>
+                <a:ea typeface="宋体" panose="02010600030101010101" pitchFamily="2" charset="-122"/>
+              </a:rPr>
+              <a:t>EndpointMiddleware</a:t>
+            </a:r>
+            <a:r>
+              <a:rPr lang="zh-CN" altLang="en-US" sz="2400" dirty="0">
+                <a:latin typeface="宋体" panose="02010600030101010101" pitchFamily="2" charset="-122"/>
+                <a:ea typeface="宋体" panose="02010600030101010101" pitchFamily="2" charset="-122"/>
+              </a:rPr>
+              <a:t>这两个中间件协作完成的。可以将一个</a:t>
+            </a:r>
+            <a:r>
+              <a:rPr lang="en-US" altLang="zh-CN" sz="2400" dirty="0">
+                <a:latin typeface="宋体" panose="02010600030101010101" pitchFamily="2" charset="-122"/>
+                <a:ea typeface="宋体" panose="02010600030101010101" pitchFamily="2" charset="-122"/>
+              </a:rPr>
+              <a:t>ASP.NET Core</a:t>
+            </a:r>
+            <a:r>
+              <a:rPr lang="zh-CN" altLang="en-US" sz="2400" dirty="0">
+                <a:latin typeface="宋体" panose="02010600030101010101" pitchFamily="2" charset="-122"/>
+                <a:ea typeface="宋体" panose="02010600030101010101" pitchFamily="2" charset="-122"/>
+              </a:rPr>
+              <a:t>应用视为一组终结点的组合，所谓的终结点可以理解为能够通过</a:t>
+            </a:r>
+            <a:r>
+              <a:rPr lang="en-US" altLang="zh-CN" sz="2400" dirty="0">
+                <a:latin typeface="宋体" panose="02010600030101010101" pitchFamily="2" charset="-122"/>
+                <a:ea typeface="宋体" panose="02010600030101010101" pitchFamily="2" charset="-122"/>
+              </a:rPr>
+              <a:t>HTTP</a:t>
+            </a:r>
+            <a:r>
+              <a:rPr lang="zh-CN" altLang="en-US" sz="2400" dirty="0">
+                <a:latin typeface="宋体" panose="02010600030101010101" pitchFamily="2" charset="-122"/>
+                <a:ea typeface="宋体" panose="02010600030101010101" pitchFamily="2" charset="-122"/>
+              </a:rPr>
+              <a:t>请求的形式访问的远程服务。每个终结点通过</a:t>
+            </a:r>
+            <a:r>
+              <a:rPr lang="en-US" altLang="zh-CN" sz="2400" dirty="0" err="1">
+                <a:latin typeface="宋体" panose="02010600030101010101" pitchFamily="2" charset="-122"/>
+                <a:ea typeface="宋体" panose="02010600030101010101" pitchFamily="2" charset="-122"/>
+              </a:rPr>
+              <a:t>RequestDelegate</a:t>
+            </a:r>
+            <a:r>
+              <a:rPr lang="zh-CN" altLang="en-US" sz="2400" dirty="0">
+                <a:latin typeface="宋体" panose="02010600030101010101" pitchFamily="2" charset="-122"/>
+                <a:ea typeface="宋体" panose="02010600030101010101" pitchFamily="2" charset="-122"/>
+              </a:rPr>
+              <a:t>对象来处理路由过来的请求。</a:t>
+            </a:r>
+            <a:r>
+              <a:rPr lang="en-US" altLang="zh-CN" sz="2400" dirty="0">
+                <a:latin typeface="宋体" panose="02010600030101010101" pitchFamily="2" charset="-122"/>
+                <a:ea typeface="宋体" panose="02010600030101010101" pitchFamily="2" charset="-122"/>
+              </a:rPr>
+              <a:t>ASP.NET Core</a:t>
+            </a:r>
+            <a:r>
+              <a:rPr lang="zh-CN" altLang="en-US" sz="2400" dirty="0">
+                <a:latin typeface="宋体" panose="02010600030101010101" pitchFamily="2" charset="-122"/>
+                <a:ea typeface="宋体" panose="02010600030101010101" pitchFamily="2" charset="-122"/>
+              </a:rPr>
+              <a:t>的路由是通过</a:t>
+            </a:r>
+            <a:r>
+              <a:rPr lang="en-US" altLang="zh-CN" sz="2400" dirty="0" err="1">
+                <a:latin typeface="宋体" panose="02010600030101010101" pitchFamily="2" charset="-122"/>
+                <a:ea typeface="宋体" panose="02010600030101010101" pitchFamily="2" charset="-122"/>
+              </a:rPr>
+              <a:t>EndpointRoutingMiddleware</a:t>
+            </a:r>
+            <a:r>
+              <a:rPr lang="zh-CN" altLang="en-US" sz="2400" dirty="0">
+                <a:latin typeface="宋体" panose="02010600030101010101" pitchFamily="2" charset="-122"/>
+                <a:ea typeface="宋体" panose="02010600030101010101" pitchFamily="2" charset="-122"/>
+              </a:rPr>
+              <a:t>和</a:t>
+            </a:r>
+            <a:r>
+              <a:rPr lang="en-US" altLang="zh-CN" sz="2400" dirty="0" err="1">
+                <a:latin typeface="宋体" panose="02010600030101010101" pitchFamily="2" charset="-122"/>
+                <a:ea typeface="宋体" panose="02010600030101010101" pitchFamily="2" charset="-122"/>
+              </a:rPr>
+              <a:t>EndpointMiddleware</a:t>
+            </a:r>
+            <a:r>
+              <a:rPr lang="zh-CN" altLang="en-US" sz="2400" dirty="0">
+                <a:latin typeface="宋体" panose="02010600030101010101" pitchFamily="2" charset="-122"/>
+                <a:ea typeface="宋体" panose="02010600030101010101" pitchFamily="2" charset="-122"/>
+              </a:rPr>
+              <a:t>这两个中间件来实现的。</a:t>
+            </a:r>
+          </a:p>
+        </p:txBody>
+      </p:sp>
+    </p:spTree>
+    <p:extLst>
+      <p:ext uri="{BB962C8B-B14F-4D97-AF65-F5344CB8AC3E}">
+        <p14:creationId xmlns:p14="http://schemas.microsoft.com/office/powerpoint/2010/main" val="552114973"/>
+      </p:ext>
+    </p:extLst>
+  </p:cSld>
+  <p:clrMapOvr>
+    <a:masterClrMapping/>
+  </p:clrMapOvr>
+</p:sld>
+</file>
+
+<file path=ppt/slides/slide25.xml><?xml version="1.0" encoding="utf-8"?>
+<p:sld xmlns:a="http://schemas.openxmlformats.org/drawingml/2006/main" xmlns:r="http://schemas.openxmlformats.org/officeDocument/2006/relationships" xmlns:p="http://schemas.openxmlformats.org/presentationml/2006/main">
+  <p:cSld>
+    <p:spTree>
+      <p:nvGrpSpPr>
+        <p:cNvPr id="1" name=""/>
+        <p:cNvGrpSpPr/>
+        <p:nvPr/>
+      </p:nvGrpSpPr>
+      <p:grpSpPr>
+        <a:xfrm>
+          <a:off x="0" y="0"/>
+          <a:ext cx="0" cy="0"/>
+          <a:chOff x="0" y="0"/>
+          <a:chExt cx="0" cy="0"/>
+        </a:xfrm>
+      </p:grpSpPr>
+      <p:sp>
+        <p:nvSpPr>
+          <p:cNvPr id="2" name="标题 1">
+            <a:extLst>
+              <a:ext uri="{FF2B5EF4-FFF2-40B4-BE49-F238E27FC236}">
+                <a16:creationId xmlns:a16="http://schemas.microsoft.com/office/drawing/2014/main" id="{BDCB1397-070D-41DC-B196-E451F00B6DDB}"/>
+              </a:ext>
+            </a:extLst>
+          </p:cNvPr>
+          <p:cNvSpPr>
+            <a:spLocks noGrp="1"/>
+          </p:cNvSpPr>
+          <p:nvPr>
+            <p:ph type="title"/>
+          </p:nvPr>
+        </p:nvSpPr>
+        <p:spPr/>
+        <p:txBody>
+          <a:bodyPr/>
+          <a:lstStyle/>
+          <a:p>
+            <a:r>
+              <a:rPr lang="zh-CN" altLang="en-US" dirty="0"/>
+              <a:t>中间件</a:t>
+            </a:r>
+          </a:p>
+        </p:txBody>
+      </p:sp>
+      <p:sp>
+        <p:nvSpPr>
+          <p:cNvPr id="3" name="内容占位符 2">
+            <a:extLst>
+              <a:ext uri="{FF2B5EF4-FFF2-40B4-BE49-F238E27FC236}">
+                <a16:creationId xmlns:a16="http://schemas.microsoft.com/office/drawing/2014/main" id="{72762795-4774-41A6-9FE2-A2FC0672109F}"/>
+              </a:ext>
+            </a:extLst>
+          </p:cNvPr>
+          <p:cNvSpPr>
+            <a:spLocks noGrp="1"/>
+          </p:cNvSpPr>
+          <p:nvPr>
+            <p:ph idx="1"/>
+          </p:nvPr>
+        </p:nvSpPr>
+        <p:spPr>
+          <a:xfrm>
+            <a:off x="838200" y="1825625"/>
+            <a:ext cx="10515600" cy="4351338"/>
+          </a:xfrm>
+        </p:spPr>
+        <p:txBody>
+          <a:bodyPr>
+            <a:normAutofit/>
+          </a:bodyPr>
+          <a:lstStyle/>
+          <a:p>
+            <a:pPr marL="0" indent="0">
+              <a:buNone/>
+            </a:pPr>
+            <a:r>
+              <a:rPr lang="zh-CN" altLang="en-US" sz="1800" dirty="0"/>
+              <a:t>用于构建管道处理</a:t>
+            </a:r>
+            <a:r>
+              <a:rPr lang="en-US" altLang="zh-CN" sz="1800" dirty="0"/>
+              <a:t>Http</a:t>
+            </a:r>
+            <a:r>
+              <a:rPr lang="zh-CN" altLang="en-US" sz="1800" dirty="0"/>
+              <a:t>请求，管道中的每个中间件（</a:t>
+            </a:r>
+            <a:r>
+              <a:rPr lang="en-US" altLang="zh-CN" sz="1800" dirty="0"/>
+              <a:t>Middleware</a:t>
+            </a:r>
+            <a:r>
+              <a:rPr lang="zh-CN" altLang="en-US" sz="1800" dirty="0"/>
+              <a:t>）组件负责请求处理和选择是否将请求传递到管道中的下一个组件，在这里我们可以添加自己想要的中间件来处理每一个</a:t>
+            </a:r>
+            <a:r>
+              <a:rPr lang="en-US" altLang="zh-CN" sz="1800" dirty="0"/>
+              <a:t>Http</a:t>
+            </a:r>
+            <a:r>
+              <a:rPr lang="zh-CN" altLang="en-US" sz="1800" dirty="0"/>
+              <a:t>请求，一般是使用上面的</a:t>
+            </a:r>
+            <a:r>
+              <a:rPr lang="en-US" altLang="zh-CN" sz="1800" dirty="0" err="1"/>
+              <a:t>ConfigureServices</a:t>
+            </a:r>
+            <a:r>
+              <a:rPr lang="zh-CN" altLang="en-US" sz="1800" dirty="0"/>
+              <a:t>方法中注册好的服务，一般的用法是 </a:t>
+            </a:r>
+            <a:r>
+              <a:rPr lang="en-US" altLang="zh-CN" sz="1800" dirty="0" err="1"/>
+              <a:t>app.Usexxx</a:t>
+            </a:r>
+            <a:r>
+              <a:rPr lang="zh-CN" altLang="en-US" sz="1800" dirty="0"/>
+              <a:t>，这个</a:t>
+            </a:r>
+            <a:r>
+              <a:rPr lang="en-US" altLang="zh-CN" sz="1800" dirty="0" err="1"/>
+              <a:t>Usexxx</a:t>
+            </a:r>
+            <a:r>
+              <a:rPr lang="zh-CN" altLang="en-US" sz="1800" dirty="0"/>
+              <a:t>方法是基于</a:t>
+            </a:r>
+            <a:r>
+              <a:rPr lang="en-US" altLang="zh-CN" sz="1800" dirty="0" err="1"/>
+              <a:t>IApplicationBuilder</a:t>
+            </a:r>
+            <a:r>
+              <a:rPr lang="zh-CN" altLang="en-US" sz="1800" dirty="0"/>
+              <a:t>的扩展。</a:t>
+            </a:r>
+            <a:endParaRPr lang="en-US" altLang="zh-CN" sz="1800" dirty="0"/>
+          </a:p>
+          <a:p>
+            <a:pPr marL="0" indent="0">
+              <a:buNone/>
+            </a:pPr>
+            <a:endParaRPr lang="zh-CN" altLang="en-US" sz="1800" dirty="0"/>
+          </a:p>
+        </p:txBody>
+      </p:sp>
+      <p:pic>
+        <p:nvPicPr>
+          <p:cNvPr id="2052" name="Picture 4" descr="https://img2018.cnblogs.com/blog/1479901/201904/1479901-20190416001443609-934082280.png">
+            <a:extLst>
+              <a:ext uri="{FF2B5EF4-FFF2-40B4-BE49-F238E27FC236}">
+                <a16:creationId xmlns:a16="http://schemas.microsoft.com/office/drawing/2014/main" id="{6CC8FD64-8448-4FC0-AC35-2058EADD4A8B}"/>
+              </a:ext>
+            </a:extLst>
+          </p:cNvPr>
+          <p:cNvPicPr>
+            <a:picLocks noChangeAspect="1" noChangeArrowheads="1"/>
+          </p:cNvPicPr>
+          <p:nvPr/>
+        </p:nvPicPr>
+        <p:blipFill>
+          <a:blip r:embed="rId2">
+            <a:extLst>
+              <a:ext uri="{28A0092B-C50C-407E-A947-70E740481C1C}">
+                <a14:useLocalDpi xmlns:a14="http://schemas.microsoft.com/office/drawing/2010/main" val="0"/>
+              </a:ext>
+            </a:extLst>
+          </a:blip>
+          <a:srcRect/>
+          <a:stretch>
+            <a:fillRect/>
+          </a:stretch>
+        </p:blipFill>
+        <p:spPr bwMode="auto">
+          <a:xfrm>
+            <a:off x="5185142" y="2882900"/>
+            <a:ext cx="5838825" cy="3429000"/>
+          </a:xfrm>
+          <a:prstGeom prst="rect">
+            <a:avLst/>
+          </a:prstGeom>
+          <a:noFill/>
+          <a:extLst>
+            <a:ext uri="{909E8E84-426E-40DD-AFC4-6F175D3DCCD1}">
+              <a14:hiddenFill xmlns:a14="http://schemas.microsoft.com/office/drawing/2010/main">
+                <a:solidFill>
+                  <a:srgbClr val="FFFFFF"/>
+                </a:solidFill>
+              </a14:hiddenFill>
+            </a:ext>
+          </a:extLst>
+        </p:spPr>
+      </p:pic>
+      <p:pic>
+        <p:nvPicPr>
+          <p:cNvPr id="4" name="图片 3">
+            <a:extLst>
+              <a:ext uri="{FF2B5EF4-FFF2-40B4-BE49-F238E27FC236}">
+                <a16:creationId xmlns:a16="http://schemas.microsoft.com/office/drawing/2014/main" id="{51E70FFE-D12B-49C2-8635-B4C45EE01026}"/>
+              </a:ext>
+            </a:extLst>
+          </p:cNvPr>
+          <p:cNvPicPr>
+            <a:picLocks noChangeAspect="1"/>
+          </p:cNvPicPr>
+          <p:nvPr/>
+        </p:nvPicPr>
+        <p:blipFill>
+          <a:blip r:embed="rId3"/>
+          <a:stretch>
+            <a:fillRect/>
+          </a:stretch>
+        </p:blipFill>
+        <p:spPr>
+          <a:xfrm>
+            <a:off x="0" y="2882900"/>
+            <a:ext cx="6819048" cy="3838095"/>
+          </a:xfrm>
+          <a:prstGeom prst="rect">
+            <a:avLst/>
+          </a:prstGeom>
+        </p:spPr>
+      </p:pic>
+    </p:spTree>
+    <p:extLst>
+      <p:ext uri="{BB962C8B-B14F-4D97-AF65-F5344CB8AC3E}">
+        <p14:creationId xmlns:p14="http://schemas.microsoft.com/office/powerpoint/2010/main" val="344327788"/>
+      </p:ext>
+    </p:extLst>
+  </p:cSld>
+  <p:clrMapOvr>
+    <a:masterClrMapping/>
+  </p:clrMapOvr>
+  <p:timing>
+    <p:tnLst>
+      <p:par>
+        <p:cTn id="1" dur="indefinite" restart="never" nodeType="tmRoot">
+          <p:childTnLst>
+            <p:seq concurrent="1" nextAc="seek">
+              <p:cTn id="2" dur="indefinite" nodeType="mainSeq">
+                <p:childTnLst>
+                  <p:par>
+                    <p:cTn id="3" fill="hold">
+                      <p:stCondLst>
+                        <p:cond delay="indefinite"/>
+                      </p:stCondLst>
+                      <p:childTnLst>
+                        <p:par>
+                          <p:cTn id="4" fill="hold">
+                            <p:stCondLst>
+                              <p:cond delay="0"/>
+                            </p:stCondLst>
+                            <p:childTnLst>
+                              <p:par>
+                                <p:cTn id="5" presetID="10" presetClass="entr" presetSubtype="0" fill="hold" nodeType="clickEffect">
+                                  <p:stCondLst>
+                                    <p:cond delay="0"/>
+                                  </p:stCondLst>
+                                  <p:childTnLst>
+                                    <p:set>
+                                      <p:cBhvr>
+                                        <p:cTn id="6" dur="1" fill="hold">
+                                          <p:stCondLst>
+                                            <p:cond delay="0"/>
+                                          </p:stCondLst>
+                                        </p:cTn>
+                                        <p:tgtEl>
+                                          <p:spTgt spid="2052"/>
+                                        </p:tgtEl>
+                                        <p:attrNameLst>
+                                          <p:attrName>style.visibility</p:attrName>
+                                        </p:attrNameLst>
+                                      </p:cBhvr>
+                                      <p:to>
+                                        <p:strVal val="visible"/>
+                                      </p:to>
+                                    </p:set>
+                                    <p:animEffect transition="in" filter="fade">
+                                      <p:cBhvr>
+                                        <p:cTn id="7" dur="500"/>
+                                        <p:tgtEl>
+                                          <p:spTgt spid="2052"/>
+                                        </p:tgtEl>
+                                      </p:cBhvr>
+                                    </p:animEffect>
+                                  </p:childTnLst>
+                                </p:cTn>
+                              </p:par>
+                            </p:childTnLst>
+                          </p:cTn>
+                        </p:par>
+                      </p:childTnLst>
+                    </p:cTn>
+                  </p:par>
+                  <p:par>
+                    <p:cTn id="8" fill="hold">
+                      <p:stCondLst>
+                        <p:cond delay="indefinite"/>
+                      </p:stCondLst>
+                      <p:childTnLst>
+                        <p:par>
+                          <p:cTn id="9" fill="hold">
+                            <p:stCondLst>
+                              <p:cond delay="0"/>
+                            </p:stCondLst>
+                            <p:childTnLst>
+                              <p:par>
+                                <p:cTn id="10" presetID="10" presetClass="entr" presetSubtype="0" fill="hold" nodeType="clickEffect">
+                                  <p:stCondLst>
+                                    <p:cond delay="0"/>
+                                  </p:stCondLst>
+                                  <p:childTnLst>
+                                    <p:set>
+                                      <p:cBhvr>
+                                        <p:cTn id="11" dur="1" fill="hold">
+                                          <p:stCondLst>
+                                            <p:cond delay="0"/>
+                                          </p:stCondLst>
+                                        </p:cTn>
+                                        <p:tgtEl>
+                                          <p:spTgt spid="4"/>
+                                        </p:tgtEl>
+                                        <p:attrNameLst>
+                                          <p:attrName>style.visibility</p:attrName>
+                                        </p:attrNameLst>
+                                      </p:cBhvr>
+                                      <p:to>
+                                        <p:strVal val="visible"/>
+                                      </p:to>
+                                    </p:set>
+                                    <p:animEffect transition="in" filter="fade">
+                                      <p:cBhvr>
+                                        <p:cTn id="12" dur="500"/>
+                                        <p:tgtEl>
+                                          <p:spTgt spid="4"/>
+                                        </p:tgtEl>
+                                      </p:cBhvr>
+                                    </p:animEffect>
+                                  </p:childTnLst>
+                                </p:cTn>
+                              </p:par>
+                            </p:childTnLst>
+                          </p:cTn>
+                        </p:par>
+                      </p:childTnLst>
+                    </p:cTn>
+                  </p:par>
+                </p:childTnLst>
+              </p:cTn>
+              <p:prevCondLst>
+                <p:cond evt="onPrev" delay="0">
+                  <p:tgtEl>
+                    <p:sldTgt/>
+                  </p:tgtEl>
+                </p:cond>
+              </p:prevCondLst>
+              <p:nextCondLst>
+                <p:cond evt="onNext" delay="0">
+                  <p:tgtEl>
+                    <p:sldTgt/>
+                  </p:tgtEl>
+                </p:cond>
+              </p:nextCondLst>
+            </p:seq>
+          </p:childTnLst>
+        </p:cTn>
+      </p:par>
+    </p:tnLst>
+  </p:timing>
+</p:sld>
+</file>
+
+<file path=ppt/slides/slide26.xml><?xml version="1.0" encoding="utf-8"?>
+<p:sld xmlns:a="http://schemas.openxmlformats.org/drawingml/2006/main" xmlns:r="http://schemas.openxmlformats.org/officeDocument/2006/relationships" xmlns:p="http://schemas.openxmlformats.org/presentationml/2006/main">
+  <p:cSld>
+    <p:spTree>
+      <p:nvGrpSpPr>
+        <p:cNvPr id="1" name=""/>
+        <p:cNvGrpSpPr/>
+        <p:nvPr/>
+      </p:nvGrpSpPr>
+      <p:grpSpPr>
+        <a:xfrm>
+          <a:off x="0" y="0"/>
+          <a:ext cx="0" cy="0"/>
+          <a:chOff x="0" y="0"/>
+          <a:chExt cx="0" cy="0"/>
+        </a:xfrm>
+      </p:grpSpPr>
+      <p:sp>
+        <p:nvSpPr>
+          <p:cNvPr id="2" name="标题 1">
+            <a:extLst>
+              <a:ext uri="{FF2B5EF4-FFF2-40B4-BE49-F238E27FC236}">
+                <a16:creationId xmlns:a16="http://schemas.microsoft.com/office/drawing/2014/main" id="{E13D5655-F34E-40A9-87D2-B4B530C66DC2}"/>
+              </a:ext>
+            </a:extLst>
+          </p:cNvPr>
+          <p:cNvSpPr>
+            <a:spLocks noGrp="1"/>
+          </p:cNvSpPr>
+          <p:nvPr>
+            <p:ph type="title"/>
+          </p:nvPr>
+        </p:nvSpPr>
+        <p:spPr/>
+        <p:txBody>
+          <a:bodyPr/>
+          <a:lstStyle/>
+          <a:p>
+            <a:r>
+              <a:rPr lang="zh-CN" altLang="en-US" dirty="0"/>
+              <a:t>中间件</a:t>
+            </a:r>
+          </a:p>
+        </p:txBody>
+      </p:sp>
+      <p:pic>
+        <p:nvPicPr>
+          <p:cNvPr id="4" name="内容占位符 3">
+            <a:extLst>
+              <a:ext uri="{FF2B5EF4-FFF2-40B4-BE49-F238E27FC236}">
+                <a16:creationId xmlns:a16="http://schemas.microsoft.com/office/drawing/2014/main" id="{BFF64D34-4725-4522-BDFC-83CC593A94A0}"/>
+              </a:ext>
+            </a:extLst>
+          </p:cNvPr>
+          <p:cNvPicPr>
+            <a:picLocks noGrp="1" noChangeAspect="1"/>
+          </p:cNvPicPr>
+          <p:nvPr>
+            <p:ph idx="1"/>
+          </p:nvPr>
+        </p:nvPicPr>
+        <p:blipFill>
+          <a:blip r:embed="rId2"/>
+          <a:stretch>
+            <a:fillRect/>
+          </a:stretch>
+        </p:blipFill>
+        <p:spPr>
+          <a:xfrm>
+            <a:off x="3144191" y="1825625"/>
+            <a:ext cx="5903617" cy="4351338"/>
+          </a:xfrm>
+          <a:prstGeom prst="rect">
+            <a:avLst/>
+          </a:prstGeom>
+        </p:spPr>
+      </p:pic>
+    </p:spTree>
+    <p:extLst>
+      <p:ext uri="{BB962C8B-B14F-4D97-AF65-F5344CB8AC3E}">
+        <p14:creationId xmlns:p14="http://schemas.microsoft.com/office/powerpoint/2010/main" val="2335753290"/>
+      </p:ext>
+    </p:extLst>
+  </p:cSld>
+  <p:clrMapOvr>
+    <a:masterClrMapping/>
+  </p:clrMapOvr>
+</p:sld>
+</file>
+
+<file path=ppt/slides/slide27.xml><?xml version="1.0" encoding="utf-8"?>
+<p:sld xmlns:a="http://schemas.openxmlformats.org/drawingml/2006/main" xmlns:r="http://schemas.openxmlformats.org/officeDocument/2006/relationships" xmlns:p="http://schemas.openxmlformats.org/presentationml/2006/main">
+  <p:cSld>
+    <p:spTree>
+      <p:nvGrpSpPr>
+        <p:cNvPr id="1" name=""/>
+        <p:cNvGrpSpPr/>
+        <p:nvPr/>
+      </p:nvGrpSpPr>
+      <p:grpSpPr>
+        <a:xfrm>
+          <a:off x="0" y="0"/>
+          <a:ext cx="0" cy="0"/>
+          <a:chOff x="0" y="0"/>
+          <a:chExt cx="0" cy="0"/>
+        </a:xfrm>
+      </p:grpSpPr>
+      <p:sp>
+        <p:nvSpPr>
+          <p:cNvPr id="2" name="标题 1">
+            <a:extLst>
+              <a:ext uri="{FF2B5EF4-FFF2-40B4-BE49-F238E27FC236}">
+                <a16:creationId xmlns:a16="http://schemas.microsoft.com/office/drawing/2014/main" id="{F1919CD2-5D64-4865-92FE-D9F3F4AA5FB8}"/>
+              </a:ext>
+            </a:extLst>
+          </p:cNvPr>
+          <p:cNvSpPr>
+            <a:spLocks noGrp="1"/>
+          </p:cNvSpPr>
+          <p:nvPr>
+            <p:ph type="title"/>
+          </p:nvPr>
+        </p:nvSpPr>
+        <p:spPr/>
+        <p:txBody>
+          <a:bodyPr>
+            <a:normAutofit/>
+          </a:bodyPr>
+          <a:lstStyle/>
+          <a:p>
+            <a:r>
+              <a:rPr lang="zh-CN" altLang="en-US" dirty="0"/>
+              <a:t>对中间件管道进行分支</a:t>
+            </a:r>
+          </a:p>
+        </p:txBody>
+      </p:sp>
+      <p:sp>
+        <p:nvSpPr>
+          <p:cNvPr id="3" name="内容占位符 2">
+            <a:extLst>
+              <a:ext uri="{FF2B5EF4-FFF2-40B4-BE49-F238E27FC236}">
+                <a16:creationId xmlns:a16="http://schemas.microsoft.com/office/drawing/2014/main" id="{D075CA84-0BD3-4766-9CEC-AE6923AC572F}"/>
+              </a:ext>
+            </a:extLst>
+          </p:cNvPr>
+          <p:cNvSpPr>
+            <a:spLocks noGrp="1"/>
+          </p:cNvSpPr>
+          <p:nvPr>
+            <p:ph idx="1"/>
+          </p:nvPr>
+        </p:nvSpPr>
+        <p:spPr>
+          <a:xfrm>
+            <a:off x="838200" y="1825625"/>
+            <a:ext cx="10515600" cy="431543"/>
+          </a:xfrm>
+        </p:spPr>
+        <p:txBody>
+          <a:bodyPr>
+            <a:normAutofit fontScale="92500" lnSpcReduction="10000"/>
+          </a:bodyPr>
+          <a:lstStyle/>
+          <a:p>
+            <a:pPr marL="0" indent="0">
+              <a:buNone/>
+            </a:pPr>
+            <a:r>
+              <a:rPr lang="en-US" altLang="zh-CN" dirty="0"/>
+              <a:t>Map</a:t>
+            </a:r>
+            <a:endParaRPr lang="zh-CN" altLang="en-US" dirty="0"/>
+          </a:p>
+        </p:txBody>
+      </p:sp>
+      <p:pic>
+        <p:nvPicPr>
+          <p:cNvPr id="4" name="图片 3">
+            <a:extLst>
+              <a:ext uri="{FF2B5EF4-FFF2-40B4-BE49-F238E27FC236}">
+                <a16:creationId xmlns:a16="http://schemas.microsoft.com/office/drawing/2014/main" id="{65EDAA80-1224-45C5-AE5F-8B7B8228E973}"/>
+              </a:ext>
+            </a:extLst>
+          </p:cNvPr>
+          <p:cNvPicPr>
+            <a:picLocks noChangeAspect="1"/>
+          </p:cNvPicPr>
+          <p:nvPr/>
+        </p:nvPicPr>
+        <p:blipFill>
+          <a:blip r:embed="rId2"/>
+          <a:stretch>
+            <a:fillRect/>
+          </a:stretch>
+        </p:blipFill>
+        <p:spPr>
+          <a:xfrm>
+            <a:off x="717494" y="2358151"/>
+            <a:ext cx="5510312" cy="4308637"/>
+          </a:xfrm>
+          <a:prstGeom prst="rect">
+            <a:avLst/>
+          </a:prstGeom>
+        </p:spPr>
+      </p:pic>
+      <p:pic>
+        <p:nvPicPr>
+          <p:cNvPr id="5" name="图片 4">
+            <a:extLst>
+              <a:ext uri="{FF2B5EF4-FFF2-40B4-BE49-F238E27FC236}">
+                <a16:creationId xmlns:a16="http://schemas.microsoft.com/office/drawing/2014/main" id="{1C460237-AA6B-4F3B-9330-E28F6E54C346}"/>
+              </a:ext>
+            </a:extLst>
+          </p:cNvPr>
+          <p:cNvPicPr>
+            <a:picLocks noChangeAspect="1"/>
+          </p:cNvPicPr>
+          <p:nvPr/>
+        </p:nvPicPr>
+        <p:blipFill>
+          <a:blip r:embed="rId3"/>
+          <a:stretch>
+            <a:fillRect/>
+          </a:stretch>
+        </p:blipFill>
+        <p:spPr>
+          <a:xfrm>
+            <a:off x="5008400" y="3048162"/>
+            <a:ext cx="7019048" cy="2590476"/>
+          </a:xfrm>
+          <a:prstGeom prst="rect">
+            <a:avLst/>
+          </a:prstGeom>
+        </p:spPr>
+      </p:pic>
+    </p:spTree>
+    <p:extLst>
+      <p:ext uri="{BB962C8B-B14F-4D97-AF65-F5344CB8AC3E}">
+        <p14:creationId xmlns:p14="http://schemas.microsoft.com/office/powerpoint/2010/main" val="460386161"/>
+      </p:ext>
+    </p:extLst>
+  </p:cSld>
+  <p:clrMapOvr>
+    <a:masterClrMapping/>
+  </p:clrMapOvr>
+  <p:timing>
+    <p:tnLst>
+      <p:par>
+        <p:cTn id="1" dur="indefinite" restart="never" nodeType="tmRoot">
+          <p:childTnLst>
+            <p:seq concurrent="1" nextAc="seek">
+              <p:cTn id="2" dur="indefinite" nodeType="mainSeq">
+                <p:childTnLst>
+                  <p:par>
+                    <p:cTn id="3" fill="hold">
+                      <p:stCondLst>
+                        <p:cond delay="indefinite"/>
+                      </p:stCondLst>
+                      <p:childTnLst>
+                        <p:par>
+                          <p:cTn id="4" fill="hold">
+                            <p:stCondLst>
+                              <p:cond delay="0"/>
+                            </p:stCondLst>
+                            <p:childTnLst>
+                              <p:par>
+                                <p:cTn id="5" presetID="10" presetClass="entr" presetSubtype="0" fill="hold" nodeType="clickEffect">
+                                  <p:stCondLst>
+                                    <p:cond delay="0"/>
+                                  </p:stCondLst>
+                                  <p:childTnLst>
+                                    <p:set>
+                                      <p:cBhvr>
+                                        <p:cTn id="6" dur="1" fill="hold">
+                                          <p:stCondLst>
+                                            <p:cond delay="0"/>
+                                          </p:stCondLst>
+                                        </p:cTn>
+                                        <p:tgtEl>
+                                          <p:spTgt spid="4"/>
+                                        </p:tgtEl>
+                                        <p:attrNameLst>
+                                          <p:attrName>style.visibility</p:attrName>
+                                        </p:attrNameLst>
+                                      </p:cBhvr>
+                                      <p:to>
+                                        <p:strVal val="visible"/>
+                                      </p:to>
+                                    </p:set>
+                                    <p:animEffect transition="in" filter="fade">
+                                      <p:cBhvr>
+                                        <p:cTn id="7" dur="500"/>
+                                        <p:tgtEl>
+                                          <p:spTgt spid="4"/>
+                                        </p:tgtEl>
+                                      </p:cBhvr>
+                                    </p:animEffect>
+                                  </p:childTnLst>
+                                </p:cTn>
+                              </p:par>
+                            </p:childTnLst>
+                          </p:cTn>
+                        </p:par>
+                      </p:childTnLst>
+                    </p:cTn>
+                  </p:par>
+                  <p:par>
+                    <p:cTn id="8" fill="hold">
+                      <p:stCondLst>
+                        <p:cond delay="indefinite"/>
+                      </p:stCondLst>
+                      <p:childTnLst>
+                        <p:par>
+                          <p:cTn id="9" fill="hold">
+                            <p:stCondLst>
+                              <p:cond delay="0"/>
+                            </p:stCondLst>
+                            <p:childTnLst>
+                              <p:par>
+                                <p:cTn id="10" presetID="10" presetClass="entr" presetSubtype="0" fill="hold" nodeType="clickEffect">
+                                  <p:stCondLst>
+                                    <p:cond delay="0"/>
+                                  </p:stCondLst>
+                                  <p:childTnLst>
+                                    <p:set>
+                                      <p:cBhvr>
+                                        <p:cTn id="11" dur="1" fill="hold">
+                                          <p:stCondLst>
+                                            <p:cond delay="0"/>
+                                          </p:stCondLst>
+                                        </p:cTn>
+                                        <p:tgtEl>
+                                          <p:spTgt spid="5"/>
+                                        </p:tgtEl>
+                                        <p:attrNameLst>
+                                          <p:attrName>style.visibility</p:attrName>
+                                        </p:attrNameLst>
+                                      </p:cBhvr>
+                                      <p:to>
+                                        <p:strVal val="visible"/>
+                                      </p:to>
+                                    </p:set>
+                                    <p:animEffect transition="in" filter="fade">
+                                      <p:cBhvr>
+                                        <p:cTn id="12" dur="500"/>
+                                        <p:tgtEl>
+                                          <p:spTgt spid="5"/>
+                                        </p:tgtEl>
+                                      </p:cBhvr>
+                                    </p:animEffect>
+                                  </p:childTnLst>
+                                </p:cTn>
+                              </p:par>
+                            </p:childTnLst>
+                          </p:cTn>
+                        </p:par>
+                      </p:childTnLst>
+                    </p:cTn>
+                  </p:par>
+                </p:childTnLst>
+              </p:cTn>
+              <p:prevCondLst>
+                <p:cond evt="onPrev" delay="0">
+                  <p:tgtEl>
+                    <p:sldTgt/>
+                  </p:tgtEl>
+                </p:cond>
+              </p:prevCondLst>
+              <p:nextCondLst>
+                <p:cond evt="onNext" delay="0">
+                  <p:tgtEl>
+                    <p:sldTgt/>
+                  </p:tgtEl>
+                </p:cond>
+              </p:nextCondLst>
+            </p:seq>
+          </p:childTnLst>
+        </p:cTn>
+      </p:par>
+    </p:tnLst>
+  </p:timing>
+</p:sld>
+</file>
+
+<file path=ppt/slides/slide28.xml><?xml version="1.0" encoding="utf-8"?>
+<p:sld xmlns:a="http://schemas.openxmlformats.org/drawingml/2006/main" xmlns:r="http://schemas.openxmlformats.org/officeDocument/2006/relationships" xmlns:p="http://schemas.openxmlformats.org/presentationml/2006/main">
+  <p:cSld>
+    <p:spTree>
+      <p:nvGrpSpPr>
+        <p:cNvPr id="1" name=""/>
+        <p:cNvGrpSpPr/>
+        <p:nvPr/>
+      </p:nvGrpSpPr>
+      <p:grpSpPr>
+        <a:xfrm>
+          <a:off x="0" y="0"/>
+          <a:ext cx="0" cy="0"/>
+          <a:chOff x="0" y="0"/>
+          <a:chExt cx="0" cy="0"/>
+        </a:xfrm>
+      </p:grpSpPr>
+      <p:sp>
+        <p:nvSpPr>
+          <p:cNvPr id="2" name="标题 1">
+            <a:extLst>
+              <a:ext uri="{FF2B5EF4-FFF2-40B4-BE49-F238E27FC236}">
+                <a16:creationId xmlns:a16="http://schemas.microsoft.com/office/drawing/2014/main" id="{59EE5D86-F180-4826-8E22-8E9C44C42639}"/>
+              </a:ext>
+            </a:extLst>
+          </p:cNvPr>
+          <p:cNvSpPr>
+            <a:spLocks noGrp="1"/>
+          </p:cNvSpPr>
+          <p:nvPr>
+            <p:ph type="title"/>
+          </p:nvPr>
+        </p:nvSpPr>
+        <p:spPr/>
+        <p:txBody>
+          <a:bodyPr/>
+          <a:lstStyle/>
+          <a:p>
+            <a:r>
+              <a:rPr lang="zh-CN" altLang="en-US" dirty="0"/>
+              <a:t>对中间件管道进行分支</a:t>
+            </a:r>
+          </a:p>
+        </p:txBody>
+      </p:sp>
+      <p:sp>
+        <p:nvSpPr>
+          <p:cNvPr id="3" name="内容占位符 2">
+            <a:extLst>
+              <a:ext uri="{FF2B5EF4-FFF2-40B4-BE49-F238E27FC236}">
+                <a16:creationId xmlns:a16="http://schemas.microsoft.com/office/drawing/2014/main" id="{90FE58C0-B950-40E3-A308-916B52B54A70}"/>
+              </a:ext>
+            </a:extLst>
+          </p:cNvPr>
+          <p:cNvSpPr>
+            <a:spLocks noGrp="1"/>
+          </p:cNvSpPr>
+          <p:nvPr>
+            <p:ph idx="1"/>
+          </p:nvPr>
+        </p:nvSpPr>
+        <p:spPr>
+          <a:xfrm>
+            <a:off x="838200" y="1825625"/>
+            <a:ext cx="10515600" cy="464494"/>
+          </a:xfrm>
+        </p:spPr>
+        <p:txBody>
+          <a:bodyPr>
+            <a:normAutofit lnSpcReduction="10000"/>
+          </a:bodyPr>
+          <a:lstStyle/>
+          <a:p>
+            <a:pPr marL="0" indent="0">
+              <a:buNone/>
+            </a:pPr>
+            <a:r>
+              <a:rPr lang="en-US" altLang="zh-CN" dirty="0" err="1"/>
+              <a:t>MapWhen</a:t>
+            </a:r>
+            <a:endParaRPr lang="en-US" altLang="zh-CN" dirty="0"/>
+          </a:p>
+          <a:p>
+            <a:pPr marL="0" indent="0">
+              <a:buNone/>
+            </a:pPr>
+            <a:endParaRPr lang="en-US" altLang="zh-CN" dirty="0"/>
+          </a:p>
+          <a:p>
+            <a:pPr marL="0" indent="0">
+              <a:buNone/>
+            </a:pPr>
+            <a:endParaRPr lang="zh-CN" altLang="en-US" dirty="0"/>
+          </a:p>
+        </p:txBody>
+      </p:sp>
+      <p:pic>
+        <p:nvPicPr>
+          <p:cNvPr id="4" name="图片 3">
+            <a:extLst>
+              <a:ext uri="{FF2B5EF4-FFF2-40B4-BE49-F238E27FC236}">
+                <a16:creationId xmlns:a16="http://schemas.microsoft.com/office/drawing/2014/main" id="{B9DD4EBC-5776-4DD5-BA20-AA714D0B956E}"/>
+              </a:ext>
+            </a:extLst>
+          </p:cNvPr>
+          <p:cNvPicPr>
+            <a:picLocks noChangeAspect="1"/>
+          </p:cNvPicPr>
+          <p:nvPr/>
+        </p:nvPicPr>
+        <p:blipFill>
+          <a:blip r:embed="rId2"/>
+          <a:stretch>
+            <a:fillRect/>
+          </a:stretch>
+        </p:blipFill>
+        <p:spPr>
+          <a:xfrm>
+            <a:off x="838200" y="2425056"/>
+            <a:ext cx="6638095" cy="3980952"/>
+          </a:xfrm>
+          <a:prstGeom prst="rect">
+            <a:avLst/>
+          </a:prstGeom>
+        </p:spPr>
+      </p:pic>
+      <p:pic>
+        <p:nvPicPr>
+          <p:cNvPr id="5" name="图片 4">
+            <a:extLst>
+              <a:ext uri="{FF2B5EF4-FFF2-40B4-BE49-F238E27FC236}">
+                <a16:creationId xmlns:a16="http://schemas.microsoft.com/office/drawing/2014/main" id="{A69180A8-E794-4E88-8F5A-8B571E9053A5}"/>
+              </a:ext>
+            </a:extLst>
+          </p:cNvPr>
+          <p:cNvPicPr>
+            <a:picLocks noChangeAspect="1"/>
+          </p:cNvPicPr>
+          <p:nvPr/>
+        </p:nvPicPr>
+        <p:blipFill>
+          <a:blip r:embed="rId3"/>
+          <a:stretch>
+            <a:fillRect/>
+          </a:stretch>
+        </p:blipFill>
+        <p:spPr>
+          <a:xfrm>
+            <a:off x="6007051" y="2410640"/>
+            <a:ext cx="6076190" cy="1266667"/>
+          </a:xfrm>
+          <a:prstGeom prst="rect">
+            <a:avLst/>
+          </a:prstGeom>
+        </p:spPr>
+      </p:pic>
+    </p:spTree>
+    <p:extLst>
+      <p:ext uri="{BB962C8B-B14F-4D97-AF65-F5344CB8AC3E}">
+        <p14:creationId xmlns:p14="http://schemas.microsoft.com/office/powerpoint/2010/main" val="531927790"/>
+      </p:ext>
+    </p:extLst>
+  </p:cSld>
+  <p:clrMapOvr>
+    <a:masterClrMapping/>
+  </p:clrMapOvr>
+  <p:timing>
+    <p:tnLst>
+      <p:par>
+        <p:cTn id="1" dur="indefinite" restart="never" nodeType="tmRoot">
+          <p:childTnLst>
+            <p:seq concurrent="1" nextAc="seek">
+              <p:cTn id="2" dur="indefinite" nodeType="mainSeq">
+                <p:childTnLst>
+                  <p:par>
+                    <p:cTn id="3" fill="hold">
+                      <p:stCondLst>
+                        <p:cond delay="indefinite"/>
+                      </p:stCondLst>
+                      <p:childTnLst>
+                        <p:par>
+                          <p:cTn id="4" fill="hold">
+                            <p:stCondLst>
+                              <p:cond delay="0"/>
+                            </p:stCondLst>
+                            <p:childTnLst>
+                              <p:par>
+                                <p:cTn id="5" presetID="10" presetClass="entr" presetSubtype="0" fill="hold" nodeType="clickEffect">
+                                  <p:stCondLst>
+                                    <p:cond delay="0"/>
+                                  </p:stCondLst>
+                                  <p:childTnLst>
+                                    <p:set>
+                                      <p:cBhvr>
+                                        <p:cTn id="6" dur="1" fill="hold">
+                                          <p:stCondLst>
+                                            <p:cond delay="0"/>
+                                          </p:stCondLst>
+                                        </p:cTn>
+                                        <p:tgtEl>
+                                          <p:spTgt spid="4"/>
+                                        </p:tgtEl>
+                                        <p:attrNameLst>
+                                          <p:attrName>style.visibility</p:attrName>
+                                        </p:attrNameLst>
+                                      </p:cBhvr>
+                                      <p:to>
+                                        <p:strVal val="visible"/>
+                                      </p:to>
+                                    </p:set>
+                                    <p:animEffect transition="in" filter="fade">
+                                      <p:cBhvr>
+                                        <p:cTn id="7" dur="500"/>
+                                        <p:tgtEl>
+                                          <p:spTgt spid="4"/>
+                                        </p:tgtEl>
+                                      </p:cBhvr>
+                                    </p:animEffect>
+                                  </p:childTnLst>
+                                </p:cTn>
+                              </p:par>
+                            </p:childTnLst>
+                          </p:cTn>
+                        </p:par>
+                      </p:childTnLst>
+                    </p:cTn>
+                  </p:par>
+                  <p:par>
+                    <p:cTn id="8" fill="hold">
+                      <p:stCondLst>
+                        <p:cond delay="indefinite"/>
+                      </p:stCondLst>
+                      <p:childTnLst>
+                        <p:par>
+                          <p:cTn id="9" fill="hold">
+                            <p:stCondLst>
+                              <p:cond delay="0"/>
+                            </p:stCondLst>
+                            <p:childTnLst>
+                              <p:par>
+                                <p:cTn id="10" presetID="21" presetClass="entr" presetSubtype="1" fill="hold" nodeType="clickEffect">
+                                  <p:stCondLst>
+                                    <p:cond delay="0"/>
+                                  </p:stCondLst>
+                                  <p:childTnLst>
+                                    <p:set>
+                                      <p:cBhvr>
+                                        <p:cTn id="11" dur="1" fill="hold">
+                                          <p:stCondLst>
+                                            <p:cond delay="0"/>
+                                          </p:stCondLst>
+                                        </p:cTn>
+                                        <p:tgtEl>
+                                          <p:spTgt spid="5"/>
+                                        </p:tgtEl>
+                                        <p:attrNameLst>
+                                          <p:attrName>style.visibility</p:attrName>
+                                        </p:attrNameLst>
+                                      </p:cBhvr>
+                                      <p:to>
+                                        <p:strVal val="visible"/>
+                                      </p:to>
+                                    </p:set>
+                                    <p:animEffect transition="in" filter="wheel(1)">
+                                      <p:cBhvr>
+                                        <p:cTn id="12" dur="2000"/>
+                                        <p:tgtEl>
+                                          <p:spTgt spid="5"/>
+                                        </p:tgtEl>
+                                      </p:cBhvr>
+                                    </p:animEffect>
+                                  </p:childTnLst>
+                                </p:cTn>
+                              </p:par>
+                            </p:childTnLst>
+                          </p:cTn>
+                        </p:par>
+                      </p:childTnLst>
+                    </p:cTn>
+                  </p:par>
+                </p:childTnLst>
+              </p:cTn>
+              <p:prevCondLst>
+                <p:cond evt="onPrev" delay="0">
+                  <p:tgtEl>
+                    <p:sldTgt/>
+                  </p:tgtEl>
+                </p:cond>
+              </p:prevCondLst>
+              <p:nextCondLst>
+                <p:cond evt="onNext" delay="0">
+                  <p:tgtEl>
+                    <p:sldTgt/>
+                  </p:tgtEl>
+                </p:cond>
+              </p:nextCondLst>
+            </p:seq>
+          </p:childTnLst>
+        </p:cTn>
+      </p:par>
+    </p:tnLst>
+  </p:timing>
+</p:sld>
+</file>
+
+<file path=ppt/slides/slide29.xml><?xml version="1.0" encoding="utf-8"?>
+<p:sld xmlns:a="http://schemas.openxmlformats.org/drawingml/2006/main" xmlns:r="http://schemas.openxmlformats.org/officeDocument/2006/relationships" xmlns:p="http://schemas.openxmlformats.org/presentationml/2006/main">
+  <p:cSld>
+    <p:spTree>
+      <p:nvGrpSpPr>
+        <p:cNvPr id="1" name=""/>
+        <p:cNvGrpSpPr/>
+        <p:nvPr/>
+      </p:nvGrpSpPr>
+      <p:grpSpPr>
+        <a:xfrm>
+          <a:off x="0" y="0"/>
+          <a:ext cx="0" cy="0"/>
+          <a:chOff x="0" y="0"/>
+          <a:chExt cx="0" cy="0"/>
+        </a:xfrm>
+      </p:grpSpPr>
+      <p:sp>
+        <p:nvSpPr>
+          <p:cNvPr id="2" name="标题 1">
+            <a:extLst>
+              <a:ext uri="{FF2B5EF4-FFF2-40B4-BE49-F238E27FC236}">
+                <a16:creationId xmlns:a16="http://schemas.microsoft.com/office/drawing/2014/main" id="{6571AB6E-E9C0-408E-9B76-B2CE72D14C84}"/>
+              </a:ext>
+            </a:extLst>
+          </p:cNvPr>
+          <p:cNvSpPr>
+            <a:spLocks noGrp="1"/>
+          </p:cNvSpPr>
+          <p:nvPr>
+            <p:ph type="title"/>
+          </p:nvPr>
+        </p:nvSpPr>
+        <p:spPr/>
+        <p:txBody>
+          <a:bodyPr/>
+          <a:lstStyle/>
+          <a:p>
+            <a:r>
+              <a:rPr lang="zh-CN" altLang="en-US" dirty="0"/>
+              <a:t>对中间件管道进行分支</a:t>
+            </a:r>
+          </a:p>
+        </p:txBody>
+      </p:sp>
+      <p:sp>
+        <p:nvSpPr>
+          <p:cNvPr id="3" name="内容占位符 2">
+            <a:extLst>
+              <a:ext uri="{FF2B5EF4-FFF2-40B4-BE49-F238E27FC236}">
+                <a16:creationId xmlns:a16="http://schemas.microsoft.com/office/drawing/2014/main" id="{BC29CA5A-5027-4E6A-98BB-5C486A5DD06F}"/>
+              </a:ext>
+            </a:extLst>
+          </p:cNvPr>
+          <p:cNvSpPr>
+            <a:spLocks noGrp="1"/>
+          </p:cNvSpPr>
+          <p:nvPr>
+            <p:ph idx="1"/>
+          </p:nvPr>
+        </p:nvSpPr>
+        <p:spPr>
+          <a:xfrm>
+            <a:off x="838200" y="1594966"/>
+            <a:ext cx="10515600" cy="703391"/>
+          </a:xfrm>
+        </p:spPr>
+        <p:txBody>
+          <a:bodyPr>
+            <a:normAutofit fontScale="85000" lnSpcReduction="10000"/>
+          </a:bodyPr>
+          <a:lstStyle/>
+          <a:p>
+            <a:pPr marL="0" indent="0">
+              <a:buNone/>
+            </a:pPr>
+            <a:r>
+              <a:rPr lang="en-US" altLang="zh-CN" dirty="0" err="1"/>
+              <a:t>UseWhen</a:t>
+            </a:r>
+            <a:r>
+              <a:rPr lang="zh-CN" altLang="en-US" dirty="0"/>
+              <a:t>也基于给定谓词的结果创建请求管道分支。 与</a:t>
+            </a:r>
+            <a:r>
+              <a:rPr lang="en-US" altLang="zh-CN" dirty="0" err="1"/>
+              <a:t>MapWhen</a:t>
+            </a:r>
+            <a:r>
+              <a:rPr lang="zh-CN" altLang="en-US" dirty="0"/>
+              <a:t>不同的是，如果这个分支不发生短路或包含终端中间件，则会重新加入主管道：</a:t>
+            </a:r>
+          </a:p>
+        </p:txBody>
+      </p:sp>
+      <p:pic>
+        <p:nvPicPr>
+          <p:cNvPr id="4" name="图片 3">
+            <a:extLst>
+              <a:ext uri="{FF2B5EF4-FFF2-40B4-BE49-F238E27FC236}">
+                <a16:creationId xmlns:a16="http://schemas.microsoft.com/office/drawing/2014/main" id="{981BD0A0-58E5-4953-8D65-0A0686212C7D}"/>
+              </a:ext>
+            </a:extLst>
+          </p:cNvPr>
+          <p:cNvPicPr>
+            <a:picLocks noChangeAspect="1"/>
+          </p:cNvPicPr>
+          <p:nvPr/>
+        </p:nvPicPr>
+        <p:blipFill>
+          <a:blip r:embed="rId2"/>
+          <a:stretch>
+            <a:fillRect/>
+          </a:stretch>
+        </p:blipFill>
+        <p:spPr>
+          <a:xfrm>
+            <a:off x="838200" y="2595828"/>
+            <a:ext cx="5875638" cy="4021061"/>
+          </a:xfrm>
+          <a:prstGeom prst="rect">
+            <a:avLst/>
+          </a:prstGeom>
+        </p:spPr>
+      </p:pic>
+    </p:spTree>
+    <p:extLst>
+      <p:ext uri="{BB962C8B-B14F-4D97-AF65-F5344CB8AC3E}">
+        <p14:creationId xmlns:p14="http://schemas.microsoft.com/office/powerpoint/2010/main" val="3604925898"/>
+      </p:ext>
+    </p:extLst>
+  </p:cSld>
+  <p:clrMapOvr>
+    <a:masterClrMapping/>
+  </p:clrMapOvr>
 </p:sld>
 </file>
 
@@ -5205,6 +9127,114 @@
 </p:sld>
 </file>
 
+<file path=ppt/slides/slide30.xml><?xml version="1.0" encoding="utf-8"?>
+<p:sld xmlns:a="http://schemas.openxmlformats.org/drawingml/2006/main" xmlns:r="http://schemas.openxmlformats.org/officeDocument/2006/relationships" xmlns:p="http://schemas.openxmlformats.org/presentationml/2006/main">
+  <p:cSld>
+    <p:spTree>
+      <p:nvGrpSpPr>
+        <p:cNvPr id="1" name=""/>
+        <p:cNvGrpSpPr/>
+        <p:nvPr/>
+      </p:nvGrpSpPr>
+      <p:grpSpPr>
+        <a:xfrm>
+          <a:off x="0" y="0"/>
+          <a:ext cx="0" cy="0"/>
+          <a:chOff x="0" y="0"/>
+          <a:chExt cx="0" cy="0"/>
+        </a:xfrm>
+      </p:grpSpPr>
+      <p:sp>
+        <p:nvSpPr>
+          <p:cNvPr id="2" name="标题 1">
+            <a:extLst>
+              <a:ext uri="{FF2B5EF4-FFF2-40B4-BE49-F238E27FC236}">
+                <a16:creationId xmlns:a16="http://schemas.microsoft.com/office/drawing/2014/main" id="{4A431D9E-8B4C-4415-A9C4-1393A6BE203E}"/>
+              </a:ext>
+            </a:extLst>
+          </p:cNvPr>
+          <p:cNvSpPr>
+            <a:spLocks noGrp="1"/>
+          </p:cNvSpPr>
+          <p:nvPr>
+            <p:ph type="title"/>
+          </p:nvPr>
+        </p:nvSpPr>
+        <p:spPr/>
+        <p:txBody>
+          <a:bodyPr/>
+          <a:lstStyle/>
+          <a:p>
+            <a:r>
+              <a:rPr lang="zh-CN" altLang="en-US" dirty="0"/>
+              <a:t>中间件</a:t>
+            </a:r>
+          </a:p>
+        </p:txBody>
+      </p:sp>
+      <p:sp>
+        <p:nvSpPr>
+          <p:cNvPr id="3" name="内容占位符 2">
+            <a:extLst>
+              <a:ext uri="{FF2B5EF4-FFF2-40B4-BE49-F238E27FC236}">
+                <a16:creationId xmlns:a16="http://schemas.microsoft.com/office/drawing/2014/main" id="{94FE772E-8D40-451E-A075-97DC84D9177E}"/>
+              </a:ext>
+            </a:extLst>
+          </p:cNvPr>
+          <p:cNvSpPr>
+            <a:spLocks noGrp="1"/>
+          </p:cNvSpPr>
+          <p:nvPr>
+            <p:ph idx="1"/>
+          </p:nvPr>
+        </p:nvSpPr>
+        <p:spPr/>
+        <p:txBody>
+          <a:bodyPr/>
+          <a:lstStyle/>
+          <a:p>
+            <a:pPr marL="0" indent="0">
+              <a:buNone/>
+            </a:pPr>
+            <a:r>
+              <a:rPr lang="zh-CN" altLang="en-US" dirty="0"/>
+              <a:t>中间件事按照添加到管道的顺序进行执行的。</a:t>
+            </a:r>
+            <a:endParaRPr lang="en-US" altLang="zh-CN" dirty="0"/>
+          </a:p>
+          <a:p>
+            <a:pPr marL="0" indent="0">
+              <a:buNone/>
+            </a:pPr>
+            <a:r>
+              <a:rPr lang="zh-CN" altLang="en-US" dirty="0"/>
+              <a:t>常见中间件比如身份验证中间件</a:t>
+            </a:r>
+            <a:r>
+              <a:rPr lang="en-US" altLang="zh-CN" dirty="0"/>
+              <a:t>Identity Server4</a:t>
+            </a:r>
+            <a:r>
+              <a:rPr lang="zh-CN" altLang="en-US"/>
+              <a:t>。</a:t>
+            </a:r>
+            <a:endParaRPr lang="zh-CN" altLang="en-US" dirty="0"/>
+          </a:p>
+        </p:txBody>
+      </p:sp>
+    </p:spTree>
+    <p:extLst>
+      <p:ext uri="{BB962C8B-B14F-4D97-AF65-F5344CB8AC3E}">
+        <p14:creationId xmlns:p14="http://schemas.microsoft.com/office/powerpoint/2010/main" val="2546834386"/>
+      </p:ext>
+    </p:extLst>
+  </p:cSld>
+  <p:clrMapOvr>
+    <a:masterClrMapping/>
+  </p:clrMapOvr>
+</p:sld>
+</file>
+
 <file path=ppt/slides/slide4.xml><?xml version="1.0" encoding="utf-8"?>
 <p:sld xmlns:a="http://schemas.openxmlformats.org/drawingml/2006/main" xmlns:r="http://schemas.openxmlformats.org/officeDocument/2006/relationships" xmlns:p="http://schemas.openxmlformats.org/presentationml/2006/main">
   <p:cSld>
@@ -5908,7 +9938,7 @@
           <p:cNvPr id="2" name="标题 1">
             <a:extLst>
               <a:ext uri="{FF2B5EF4-FFF2-40B4-BE49-F238E27FC236}">
-                <a16:creationId xmlns:a16="http://schemas.microsoft.com/office/drawing/2014/main" id="{BDCB1397-070D-41DC-B196-E451F00B6DDB}"/>
+                <a16:creationId xmlns:a16="http://schemas.microsoft.com/office/drawing/2014/main" id="{937BD9A5-8840-45B5-A73F-D3B7016B5159}"/>
               </a:ext>
             </a:extLst>
           </p:cNvPr>
@@ -5925,20 +9955,9 @@
           <a:lstStyle/>
           <a:p>
             <a:r>
-              <a:rPr lang="en-US" altLang="zh-CN" dirty="0"/>
-              <a:t>Startup </a:t>
-            </a:r>
-            <a:r>
               <a:rPr lang="zh-CN" altLang="en-US" dirty="0"/>
-              <a:t>类 </a:t>
-            </a:r>
-            <a:r>
-              <a:rPr lang="en-US" altLang="zh-CN" dirty="0">
-                <a:latin typeface="Arial" panose="020B0604020202020204" pitchFamily="34" charset="0"/>
-              </a:rPr>
-              <a:t>Configure</a:t>
-            </a:r>
-            <a:endParaRPr lang="zh-CN" altLang="en-US" dirty="0"/>
+              <a:t>什么是依赖注入</a:t>
+            </a:r>
           </a:p>
         </p:txBody>
       </p:sp>
@@ -5947,7 +9966,7 @@
           <p:cNvPr id="3" name="内容占位符 2">
             <a:extLst>
               <a:ext uri="{FF2B5EF4-FFF2-40B4-BE49-F238E27FC236}">
-                <a16:creationId xmlns:a16="http://schemas.microsoft.com/office/drawing/2014/main" id="{72762795-4774-41A6-9FE2-A2FC0672109F}"/>
+                <a16:creationId xmlns:a16="http://schemas.microsoft.com/office/drawing/2014/main" id="{CDBAD396-19DD-4413-9C35-F1B15EA6F6A5}"/>
               </a:ext>
             </a:extLst>
           </p:cNvPr>
@@ -5960,8 +9979,8 @@
         </p:nvSpPr>
         <p:spPr>
           <a:xfrm>
-            <a:off x="838200" y="1825625"/>
-            <a:ext cx="10515600" cy="4351338"/>
+            <a:off x="838200" y="1461477"/>
+            <a:ext cx="10515600" cy="5031398"/>
           </a:xfrm>
         </p:spPr>
         <p:txBody>
@@ -5974,64 +9993,104 @@
               <a:buNone/>
             </a:pPr>
             <a:r>
+              <a:rPr lang="en-US" altLang="zh-CN" sz="1800" dirty="0" err="1"/>
+              <a:t>IoC</a:t>
+            </a:r>
+            <a:r>
+              <a:rPr lang="en-US" altLang="zh-CN" sz="1800" dirty="0"/>
+              <a:t>(</a:t>
+            </a:r>
+            <a:r>
+              <a:rPr lang="en-US" altLang="zh-CN" sz="1800" b="1" dirty="0"/>
+              <a:t>Inversion of Control</a:t>
+            </a:r>
+            <a:r>
+              <a:rPr lang="en-US" altLang="zh-CN" sz="1800" dirty="0"/>
+              <a:t>)</a:t>
+            </a:r>
+            <a:r>
               <a:rPr lang="zh-CN" altLang="en-US" sz="1800" dirty="0"/>
-              <a:t>用于构建管道处理</a:t>
+              <a:t>，控制反转，不是什么技术，而是一种设计思想。</a:t>
             </a:r>
             <a:r>
               <a:rPr lang="en-US" altLang="zh-CN" sz="1800" dirty="0"/>
-              <a:t>Http</a:t>
+              <a:t>DI</a:t>
             </a:r>
             <a:r>
               <a:rPr lang="zh-CN" altLang="en-US" sz="1800" dirty="0"/>
-              <a:t>请求，管道中的每个中间件（</a:t>
+              <a:t>依赖注入。</a:t>
+            </a:r>
+            <a:r>
+              <a:rPr lang="en-US" altLang="zh-CN" sz="1800" dirty="0" err="1"/>
+              <a:t>IoC</a:t>
+            </a:r>
+            <a:r>
+              <a:rPr lang="zh-CN" altLang="en-US" sz="1800" dirty="0"/>
+              <a:t>和</a:t>
             </a:r>
             <a:r>
               <a:rPr lang="en-US" altLang="zh-CN" sz="1800" dirty="0"/>
-              <a:t>Middleware</a:t>
+              <a:t>DI</a:t>
             </a:r>
             <a:r>
               <a:rPr lang="zh-CN" altLang="en-US" sz="1800" dirty="0"/>
-              <a:t>）组件负责请求处理和选择是否将请求传递到管道中的下一个组件，在这里我们可以添加自己想要的中间件来处理每一个</a:t>
+              <a:t>基本是一个意思，可以说是同一个概念的不同角度描述。</a:t>
+            </a:r>
+            <a:endParaRPr lang="en-US" altLang="zh-CN" sz="1800" dirty="0"/>
+          </a:p>
+          <a:p>
+            <a:pPr marL="0" indent="0">
+              <a:buNone/>
+            </a:pPr>
+            <a:endParaRPr lang="en-US" altLang="zh-CN" sz="1800" dirty="0"/>
+          </a:p>
+          <a:p>
+            <a:pPr marL="0" indent="0">
+              <a:buNone/>
+            </a:pPr>
+            <a:r>
+              <a:rPr lang="zh-CN" altLang="en-US" sz="1800" dirty="0"/>
+              <a:t>软件设计原则中有一个依赖倒置原则（</a:t>
             </a:r>
             <a:r>
               <a:rPr lang="en-US" altLang="zh-CN" sz="1800" dirty="0"/>
-              <a:t>Http</a:t>
+              <a:t>DIP</a:t>
             </a:r>
             <a:r>
               <a:rPr lang="zh-CN" altLang="en-US" sz="1800" dirty="0"/>
-              <a:t>请求，一般是使用上面的</a:t>
-            </a:r>
-            <a:r>
-              <a:rPr lang="en-US" altLang="zh-CN" sz="1800" dirty="0" err="1"/>
-              <a:t>ConfigureServices</a:t>
-            </a:r>
+              <a:t>），就是为了解耦。高层模块不应该依赖于底层模块。二者都应该依赖于抽象。抽象不应该依赖于细节，细节应该依赖于抽象。而依赖注入是实现这种原则的方式之一。</a:t>
+            </a:r>
+            <a:endParaRPr lang="en-US" altLang="zh-CN" sz="1800" dirty="0"/>
+          </a:p>
+          <a:p>
+            <a:pPr marL="0" indent="0">
+              <a:buNone/>
+            </a:pPr>
+            <a:endParaRPr lang="en-US" altLang="zh-CN" sz="1800" dirty="0"/>
+          </a:p>
+          <a:p>
+            <a:pPr marL="0" indent="0">
+              <a:buNone/>
+            </a:pPr>
             <a:r>
               <a:rPr lang="zh-CN" altLang="en-US" sz="1800" dirty="0"/>
-              <a:t>方法中注册好的服务，一般的用法是 </a:t>
-            </a:r>
-            <a:r>
-              <a:rPr lang="en-US" altLang="zh-CN" sz="1800" dirty="0" err="1"/>
-              <a:t>app.Usexxx</a:t>
+              <a:t>举个现实中例子：小明去行政领一节</a:t>
+            </a:r>
+            <a:r>
+              <a:rPr lang="en-US" altLang="zh-CN" sz="1800" dirty="0"/>
+              <a:t>5</a:t>
             </a:r>
             <a:r>
               <a:rPr lang="zh-CN" altLang="en-US" sz="1800" dirty="0"/>
-              <a:t>，这个</a:t>
-            </a:r>
-            <a:r>
-              <a:rPr lang="en-US" altLang="zh-CN" sz="1800" dirty="0" err="1"/>
-              <a:t>Usexxx</a:t>
+              <a:t>号电池，然后行政给了小明一节黑象牌</a:t>
+            </a:r>
+            <a:r>
+              <a:rPr lang="en-US" altLang="zh-CN" sz="1800" dirty="0"/>
+              <a:t>5</a:t>
             </a:r>
             <a:r>
               <a:rPr lang="zh-CN" altLang="en-US" sz="1800" dirty="0"/>
-              <a:t>方法是基于</a:t>
-            </a:r>
-            <a:r>
-              <a:rPr lang="en-US" altLang="zh-CN" sz="1800" dirty="0" err="1"/>
-              <a:t>IApplicationBuilder</a:t>
-            </a:r>
-            <a:r>
-              <a:rPr lang="zh-CN" altLang="en-US" sz="1800" dirty="0"/>
-              <a:t>的扩展。</a:t>
+              <a:t>号电池来分析 </a:t>
             </a:r>
             <a:endParaRPr lang="en-US" altLang="zh-CN" sz="1800" dirty="0"/>
           </a:p>
@@ -6039,150 +10098,111 @@
             <a:pPr marL="0" indent="0">
               <a:buNone/>
             </a:pPr>
-            <a:endParaRPr lang="zh-CN" altLang="en-US" sz="1800" dirty="0"/>
-          </a:p>
-        </p:txBody>
-      </p:sp>
-      <p:pic>
-        <p:nvPicPr>
-          <p:cNvPr id="2052" name="Picture 4" descr="https://img2018.cnblogs.com/blog/1479901/201904/1479901-20190416001443609-934082280.png">
-            <a:extLst>
-              <a:ext uri="{FF2B5EF4-FFF2-40B4-BE49-F238E27FC236}">
-                <a16:creationId xmlns:a16="http://schemas.microsoft.com/office/drawing/2014/main" id="{6CC8FD64-8448-4FC0-AC35-2058EADD4A8B}"/>
-              </a:ext>
-            </a:extLst>
-          </p:cNvPr>
-          <p:cNvPicPr>
-            <a:picLocks noChangeAspect="1" noChangeArrowheads="1"/>
-          </p:cNvPicPr>
-          <p:nvPr/>
-        </p:nvPicPr>
-        <p:blipFill>
-          <a:blip r:embed="rId2">
-            <a:extLst>
-              <a:ext uri="{28A0092B-C50C-407E-A947-70E740481C1C}">
-                <a14:useLocalDpi xmlns:a14="http://schemas.microsoft.com/office/drawing/2010/main" val="0"/>
-              </a:ext>
-            </a:extLst>
-          </a:blip>
-          <a:srcRect/>
-          <a:stretch>
-            <a:fillRect/>
-          </a:stretch>
-        </p:blipFill>
-        <p:spPr bwMode="auto">
-          <a:xfrm>
-            <a:off x="5185142" y="2882900"/>
-            <a:ext cx="5838825" cy="3429000"/>
-          </a:xfrm>
-          <a:prstGeom prst="rect">
-            <a:avLst/>
-          </a:prstGeom>
-          <a:noFill/>
-          <a:extLst>
-            <a:ext uri="{909E8E84-426E-40DD-AFC4-6F175D3DCCD1}">
-              <a14:hiddenFill xmlns:a14="http://schemas.microsoft.com/office/drawing/2010/main">
-                <a:solidFill>
-                  <a:srgbClr val="FFFFFF"/>
-                </a:solidFill>
-              </a14:hiddenFill>
-            </a:ext>
-          </a:extLst>
-        </p:spPr>
-      </p:pic>
+            <a:r>
+              <a:rPr lang="zh-CN" altLang="en-US" sz="1600" dirty="0"/>
+              <a:t>小明只需要向行政领一节</a:t>
+            </a:r>
+            <a:r>
+              <a:rPr lang="en-US" altLang="zh-CN" sz="1600" dirty="0"/>
+              <a:t>5</a:t>
+            </a:r>
+            <a:r>
+              <a:rPr lang="zh-CN" altLang="en-US" sz="1600" dirty="0"/>
+              <a:t>号电池即可，小明不需要关心什么牌子的电池，电池从哪来的，电池的价格等等。他们俩共同需要关心的是一节</a:t>
+            </a:r>
+            <a:r>
+              <a:rPr lang="en-US" altLang="zh-CN" sz="1600" dirty="0"/>
+              <a:t>5</a:t>
+            </a:r>
+            <a:r>
+              <a:rPr lang="zh-CN" altLang="en-US" sz="1600" dirty="0"/>
+              <a:t>号电池即可。</a:t>
+            </a:r>
+            <a:endParaRPr lang="en-US" altLang="zh-CN" sz="1600" dirty="0"/>
+          </a:p>
+          <a:p>
+            <a:pPr marL="0" indent="0">
+              <a:buNone/>
+            </a:pPr>
+            <a:r>
+              <a:rPr lang="zh-CN" altLang="en-US" sz="1600" dirty="0"/>
+              <a:t>即使后期行政给了小明北孚电池，小明仍可以正常使用。他们只需要满足一个规则（</a:t>
+            </a:r>
+            <a:r>
+              <a:rPr lang="en-US" altLang="zh-CN" sz="1600" dirty="0"/>
+              <a:t>5</a:t>
+            </a:r>
+            <a:r>
+              <a:rPr lang="zh-CN" altLang="en-US" sz="1600" dirty="0"/>
+              <a:t>号电池）即可。</a:t>
+            </a:r>
+            <a:endParaRPr lang="en-US" altLang="zh-CN" sz="1600" dirty="0"/>
+          </a:p>
+          <a:p>
+            <a:pPr marL="0" indent="0">
+              <a:buNone/>
+            </a:pPr>
+            <a:r>
+              <a:rPr lang="zh-CN" altLang="en-US" sz="1600" dirty="0"/>
+              <a:t>小明（高层模块）不应该依赖黑象牌电池（低层模块），两者应该都依赖</a:t>
+            </a:r>
+            <a:r>
+              <a:rPr lang="en-US" altLang="zh-CN" sz="1600" dirty="0"/>
+              <a:t>5</a:t>
+            </a:r>
+            <a:r>
+              <a:rPr lang="zh-CN" altLang="en-US" sz="1600" dirty="0"/>
+              <a:t>号电池（抽象）。</a:t>
+            </a:r>
+            <a:endParaRPr lang="en-US" altLang="zh-CN" sz="1600" dirty="0"/>
+          </a:p>
+          <a:p>
+            <a:pPr marL="0" indent="0">
+              <a:buNone/>
+            </a:pPr>
+            <a:r>
+              <a:rPr lang="zh-CN" altLang="en-US" sz="1600" dirty="0"/>
+              <a:t>如果小明直接获取到（</a:t>
+            </a:r>
+            <a:r>
+              <a:rPr lang="en-US" altLang="zh-CN" sz="1600" dirty="0"/>
+              <a:t>new</a:t>
+            </a:r>
+            <a:r>
+              <a:rPr lang="zh-CN" altLang="en-US" sz="1600" dirty="0"/>
+              <a:t>）黑象牌电池，如果后期业务变更提供的是北孚电池，那么我们就需要更改小明的代码；再如果公司有几百个小明，代码量可想而知。</a:t>
+            </a:r>
+            <a:endParaRPr lang="en-US" altLang="zh-CN" sz="1600" dirty="0"/>
+          </a:p>
+          <a:p>
+            <a:pPr marL="0" indent="0">
+              <a:buNone/>
+            </a:pPr>
+            <a:r>
+              <a:rPr lang="zh-CN" altLang="en-US" sz="1600" dirty="0"/>
+              <a:t>为了解决直接获取（</a:t>
+            </a:r>
+            <a:r>
+              <a:rPr lang="en-US" altLang="zh-CN" sz="1600" dirty="0"/>
+              <a:t>new</a:t>
+            </a:r>
+            <a:r>
+              <a:rPr lang="zh-CN" altLang="en-US" sz="1600" dirty="0"/>
+              <a:t>）黑象牌电池，简单说为了解耦，我们让每位员工通过行政领取（构造函数，属性，方法等），这种即使更改其他品牌，而小明压根不需要关心。</a:t>
+            </a:r>
+          </a:p>
+        </p:txBody>
+      </p:sp>
     </p:spTree>
     <p:extLst>
       <p:ext uri="{BB962C8B-B14F-4D97-AF65-F5344CB8AC3E}">
-        <p14:creationId xmlns:p14="http://schemas.microsoft.com/office/powerpoint/2010/main" val="2796741705"/>
+        <p14:creationId xmlns:p14="http://schemas.microsoft.com/office/powerpoint/2010/main" val="3706756829"/>
       </p:ext>
     </p:extLst>
   </p:cSld>
   <p:clrMapOvr>
     <a:masterClrMapping/>
   </p:clrMapOvr>
-  <p:timing>
-    <p:tnLst>
-      <p:par>
-        <p:cTn id="1" dur="indefinite" restart="never" nodeType="tmRoot">
-          <p:childTnLst>
-            <p:seq concurrent="1" nextAc="seek">
-              <p:cTn id="2" dur="indefinite" nodeType="mainSeq">
-                <p:childTnLst>
-                  <p:par>
-                    <p:cTn id="3" fill="hold">
-                      <p:stCondLst>
-                        <p:cond delay="indefinite"/>
-                      </p:stCondLst>
-                      <p:childTnLst>
-                        <p:par>
-                          <p:cTn id="4" fill="hold">
-                            <p:stCondLst>
-                              <p:cond delay="0"/>
-                            </p:stCondLst>
-                            <p:childTnLst>
-                              <p:par>
-                                <p:cTn id="5" presetID="10" presetClass="entr" presetSubtype="0" fill="hold" nodeType="clickEffect">
-                                  <p:stCondLst>
-                                    <p:cond delay="0"/>
-                                  </p:stCondLst>
-                                  <p:childTnLst>
-                                    <p:set>
-                                      <p:cBhvr>
-                                        <p:cTn id="6" dur="1" fill="hold">
-                                          <p:stCondLst>
-                                            <p:cond delay="0"/>
-                                          </p:stCondLst>
-                                        </p:cTn>
-                                        <p:tgtEl>
-                                          <p:spTgt spid="2052"/>
-                                        </p:tgtEl>
-                                        <p:attrNameLst>
-                                          <p:attrName>style.visibility</p:attrName>
-                                        </p:attrNameLst>
-                                      </p:cBhvr>
-                                      <p:to>
-                                        <p:strVal val="visible"/>
-                                      </p:to>
-                                    </p:set>
-                                    <p:animEffect transition="in" filter="fade">
-                                      <p:cBhvr>
-                                        <p:cTn id="7" dur="500"/>
-                                        <p:tgtEl>
-                                          <p:spTgt spid="2052"/>
-                                        </p:tgtEl>
-                                      </p:cBhvr>
-                                    </p:animEffect>
-                                  </p:childTnLst>
-                                </p:cTn>
-                              </p:par>
-                            </p:childTnLst>
-                          </p:cTn>
-                        </p:par>
-                      </p:childTnLst>
-                    </p:cTn>
-                  </p:par>
-                </p:childTnLst>
-              </p:cTn>
-              <p:prevCondLst>
-                <p:cond evt="onPrev" delay="0">
-                  <p:tgtEl>
-                    <p:sldTgt/>
-                  </p:tgtEl>
-                </p:cond>
-              </p:prevCondLst>
-              <p:nextCondLst>
-                <p:cond evt="onNext" delay="0">
-                  <p:tgtEl>
-                    <p:sldTgt/>
-                  </p:tgtEl>
-                </p:cond>
-              </p:nextCondLst>
-            </p:seq>
-          </p:childTnLst>
-        </p:cTn>
-      </p:par>
-    </p:tnLst>
-  </p:timing>
 </p:sld>
 </file>
 
@@ -6208,7 +10228,7 @@
           <p:cNvPr id="2" name="标题 1">
             <a:extLst>
               <a:ext uri="{FF2B5EF4-FFF2-40B4-BE49-F238E27FC236}">
-                <a16:creationId xmlns:a16="http://schemas.microsoft.com/office/drawing/2014/main" id="{937BD9A5-8840-45B5-A73F-D3B7016B5159}"/>
+                <a16:creationId xmlns:a16="http://schemas.microsoft.com/office/drawing/2014/main" id="{B5B7E4C5-A0D3-4304-A842-17246344335A}"/>
               </a:ext>
             </a:extLst>
           </p:cNvPr>
@@ -6225,240 +10245,40 @@
           <a:lstStyle/>
           <a:p>
             <a:r>
+              <a:rPr lang="en-US" altLang="zh-CN" dirty="0"/>
+              <a:t>DDD(Domain Driven Design)</a:t>
+            </a:r>
+            <a:endParaRPr lang="zh-CN" altLang="en-US" dirty="0"/>
+          </a:p>
+        </p:txBody>
+      </p:sp>
+      <p:sp>
+        <p:nvSpPr>
+          <p:cNvPr id="3" name="内容占位符 2">
+            <a:extLst>
+              <a:ext uri="{FF2B5EF4-FFF2-40B4-BE49-F238E27FC236}">
+                <a16:creationId xmlns:a16="http://schemas.microsoft.com/office/drawing/2014/main" id="{347213F7-7AF0-4768-8B1A-CE0DBFB8D05F}"/>
+              </a:ext>
+            </a:extLst>
+          </p:cNvPr>
+          <p:cNvSpPr>
+            <a:spLocks noGrp="1"/>
+          </p:cNvSpPr>
+          <p:nvPr>
+            <p:ph idx="1"/>
+          </p:nvPr>
+        </p:nvSpPr>
+        <p:spPr/>
+        <p:txBody>
+          <a:bodyPr/>
+          <a:lstStyle/>
+          <a:p>
+            <a:pPr marL="0" indent="0">
+              <a:buNone/>
+            </a:pPr>
+            <a:r>
               <a:rPr lang="zh-CN" altLang="en-US" dirty="0"/>
-              <a:t>什么是依赖注入</a:t>
-            </a:r>
-          </a:p>
-        </p:txBody>
-      </p:sp>
-      <p:sp>
-        <p:nvSpPr>
-          <p:cNvPr id="3" name="内容占位符 2">
-            <a:extLst>
-              <a:ext uri="{FF2B5EF4-FFF2-40B4-BE49-F238E27FC236}">
-                <a16:creationId xmlns:a16="http://schemas.microsoft.com/office/drawing/2014/main" id="{CDBAD396-19DD-4413-9C35-F1B15EA6F6A5}"/>
-              </a:ext>
-            </a:extLst>
-          </p:cNvPr>
-          <p:cNvSpPr>
-            <a:spLocks noGrp="1"/>
-          </p:cNvSpPr>
-          <p:nvPr>
-            <p:ph idx="1"/>
-          </p:nvPr>
-        </p:nvSpPr>
-        <p:spPr>
-          <a:xfrm>
-            <a:off x="838200" y="1461477"/>
-            <a:ext cx="10515600" cy="5031398"/>
-          </a:xfrm>
-        </p:spPr>
-        <p:txBody>
-          <a:bodyPr>
-            <a:normAutofit/>
-          </a:bodyPr>
-          <a:lstStyle/>
-          <a:p>
-            <a:pPr marL="0" indent="0">
-              <a:buNone/>
-            </a:pPr>
-            <a:r>
-              <a:rPr lang="en-US" altLang="zh-CN" sz="1800" dirty="0" err="1"/>
-              <a:t>IoC</a:t>
-            </a:r>
-            <a:r>
-              <a:rPr lang="en-US" altLang="zh-CN" sz="1800" dirty="0"/>
-              <a:t>(</a:t>
-            </a:r>
-            <a:r>
-              <a:rPr lang="en-US" altLang="zh-CN" sz="1800" b="1" dirty="0"/>
-              <a:t>Inversion of Control</a:t>
-            </a:r>
-            <a:r>
-              <a:rPr lang="en-US" altLang="zh-CN" sz="1800" dirty="0"/>
-              <a:t>)</a:t>
-            </a:r>
-            <a:r>
-              <a:rPr lang="zh-CN" altLang="en-US" sz="1800" dirty="0"/>
-              <a:t>，控制反转，不是什么技术，而是一种设计思想。</a:t>
-            </a:r>
-            <a:r>
-              <a:rPr lang="en-US" altLang="zh-CN" sz="1800" dirty="0"/>
-              <a:t>DI</a:t>
-            </a:r>
-            <a:r>
-              <a:rPr lang="zh-CN" altLang="en-US" sz="1800" dirty="0"/>
-              <a:t>依赖注入。</a:t>
-            </a:r>
-            <a:r>
-              <a:rPr lang="en-US" altLang="zh-CN" sz="1800" dirty="0" err="1"/>
-              <a:t>IoC</a:t>
-            </a:r>
-            <a:r>
-              <a:rPr lang="zh-CN" altLang="en-US" sz="1800" dirty="0"/>
-              <a:t>和</a:t>
-            </a:r>
-            <a:r>
-              <a:rPr lang="en-US" altLang="zh-CN" sz="1800" dirty="0"/>
-              <a:t>DI</a:t>
-            </a:r>
-            <a:r>
-              <a:rPr lang="zh-CN" altLang="en-US" sz="1800" dirty="0"/>
-              <a:t>基本是一个意思，可以说是同一个概念的不同角度描述。</a:t>
-            </a:r>
-            <a:endParaRPr lang="en-US" altLang="zh-CN" sz="1800" dirty="0"/>
-          </a:p>
-          <a:p>
-            <a:pPr marL="0" indent="0">
-              <a:buNone/>
-            </a:pPr>
-            <a:endParaRPr lang="en-US" altLang="zh-CN" sz="1800" dirty="0"/>
-          </a:p>
-          <a:p>
-            <a:pPr marL="0" indent="0">
-              <a:buNone/>
-            </a:pPr>
-            <a:r>
-              <a:rPr lang="zh-CN" altLang="en-US" sz="1800" dirty="0"/>
-              <a:t>软件设计原则中有一个依赖倒置原则（</a:t>
-            </a:r>
-            <a:r>
-              <a:rPr lang="en-US" altLang="zh-CN" sz="1800" dirty="0"/>
-              <a:t>DIP</a:t>
-            </a:r>
-            <a:r>
-              <a:rPr lang="zh-CN" altLang="en-US" sz="1800" dirty="0"/>
-              <a:t>），就是为了解耦。高层模块不应该依赖于底层模块。二者都应该依赖于抽象。抽象不应该依赖于细节，细节应该依赖于抽象。而依赖注入是实现这种原则的方式之一。</a:t>
-            </a:r>
-            <a:endParaRPr lang="en-US" altLang="zh-CN" sz="1800" dirty="0"/>
-          </a:p>
-          <a:p>
-            <a:pPr marL="0" indent="0">
-              <a:buNone/>
-            </a:pPr>
-            <a:endParaRPr lang="en-US" altLang="zh-CN" sz="1800" dirty="0"/>
-          </a:p>
-          <a:p>
-            <a:pPr marL="0" indent="0">
-              <a:buNone/>
-            </a:pPr>
-            <a:r>
-              <a:rPr lang="zh-CN" altLang="en-US" sz="1800" dirty="0"/>
-              <a:t>举个现实中例子：小明去行政领一节</a:t>
-            </a:r>
-            <a:r>
-              <a:rPr lang="en-US" altLang="zh-CN" sz="1800" dirty="0"/>
-              <a:t>5</a:t>
-            </a:r>
-            <a:r>
-              <a:rPr lang="zh-CN" altLang="en-US" sz="1800" dirty="0"/>
-              <a:t>号电池，然后行政给了小明一节黑象牌</a:t>
-            </a:r>
-            <a:r>
-              <a:rPr lang="en-US" altLang="zh-CN" sz="1800" dirty="0"/>
-              <a:t>5</a:t>
-            </a:r>
-            <a:r>
-              <a:rPr lang="zh-CN" altLang="en-US" sz="1800" dirty="0"/>
-              <a:t>号电池来分析 </a:t>
-            </a:r>
-            <a:endParaRPr lang="en-US" altLang="zh-CN" sz="1800" dirty="0"/>
-          </a:p>
-          <a:p>
-            <a:pPr marL="0" indent="0">
-              <a:buNone/>
-            </a:pPr>
-            <a:r>
-              <a:rPr lang="zh-CN" altLang="en-US" sz="1600" dirty="0"/>
-              <a:t>小明只需要向行政领一节</a:t>
-            </a:r>
-            <a:r>
-              <a:rPr lang="en-US" altLang="zh-CN" sz="1600" dirty="0"/>
-              <a:t>5</a:t>
-            </a:r>
-            <a:r>
-              <a:rPr lang="zh-CN" altLang="en-US" sz="1600" dirty="0"/>
-              <a:t>号电池即可，小明不需要关心什么牌子的电池，电池从哪来的，电池的价格等等。他们俩共同需要关心的是一节</a:t>
-            </a:r>
-            <a:r>
-              <a:rPr lang="en-US" altLang="zh-CN" sz="1600" dirty="0"/>
-              <a:t>5</a:t>
-            </a:r>
-            <a:r>
-              <a:rPr lang="zh-CN" altLang="en-US" sz="1600" dirty="0"/>
-              <a:t>号电池即可。</a:t>
-            </a:r>
-            <a:endParaRPr lang="en-US" altLang="zh-CN" sz="1600" dirty="0"/>
-          </a:p>
-          <a:p>
-            <a:pPr marL="0" indent="0">
-              <a:buNone/>
-            </a:pPr>
-            <a:r>
-              <a:rPr lang="zh-CN" altLang="en-US" sz="1600" dirty="0"/>
-              <a:t>即使后期行政给了小明北孚电池，小明仍可以正常使用。他们只需要满足一个规则（</a:t>
-            </a:r>
-            <a:r>
-              <a:rPr lang="en-US" altLang="zh-CN" sz="1600" dirty="0"/>
-              <a:t>5</a:t>
-            </a:r>
-            <a:r>
-              <a:rPr lang="zh-CN" altLang="en-US" sz="1600" dirty="0"/>
-              <a:t>号电池）即可。</a:t>
-            </a:r>
-            <a:endParaRPr lang="en-US" altLang="zh-CN" sz="1600" dirty="0"/>
-          </a:p>
-          <a:p>
-            <a:pPr marL="0" indent="0">
-              <a:buNone/>
-            </a:pPr>
-            <a:r>
-              <a:rPr lang="zh-CN" altLang="en-US" sz="1600" dirty="0"/>
-              <a:t>小明（高层模块）不应该依赖黑象牌电池（低层模块），两者应该都依赖</a:t>
-            </a:r>
-            <a:r>
-              <a:rPr lang="en-US" altLang="zh-CN" sz="1600" dirty="0"/>
-              <a:t>5</a:t>
-            </a:r>
-            <a:r>
-              <a:rPr lang="zh-CN" altLang="en-US" sz="1600" dirty="0"/>
-              <a:t>号电池（抽象）。</a:t>
-            </a:r>
-            <a:endParaRPr lang="en-US" altLang="zh-CN" sz="1600" dirty="0"/>
-          </a:p>
-          <a:p>
-            <a:pPr marL="0" indent="0">
-              <a:buNone/>
-            </a:pPr>
-            <a:r>
-              <a:rPr lang="zh-CN" altLang="en-US" sz="1600" dirty="0"/>
-              <a:t>如果小明直接获取到（</a:t>
-            </a:r>
-            <a:r>
-              <a:rPr lang="en-US" altLang="zh-CN" sz="1600" dirty="0"/>
-              <a:t>new</a:t>
-            </a:r>
-            <a:r>
-              <a:rPr lang="zh-CN" altLang="en-US" sz="1600" dirty="0"/>
-              <a:t>）黑象牌电池，如果后期业务变更提供的是北孚电池，那么我们就需要更改小明的代码；再如果公司有几百个小明，代码量可想而知。</a:t>
-            </a:r>
-            <a:endParaRPr lang="en-US" altLang="zh-CN" sz="1600" dirty="0"/>
-          </a:p>
-          <a:p>
-            <a:pPr marL="0" indent="0">
-              <a:buNone/>
-            </a:pPr>
-            <a:r>
-              <a:rPr lang="zh-CN" altLang="en-US" sz="1600" dirty="0"/>
-              <a:t>为了解决直接获取（</a:t>
-            </a:r>
-            <a:r>
-              <a:rPr lang="en-US" altLang="zh-CN" sz="1600" dirty="0"/>
-              <a:t>new</a:t>
-            </a:r>
-            <a:r>
-              <a:rPr lang="zh-CN" altLang="en-US" sz="1600" dirty="0"/>
-              <a:t>）黑象牌电池，简单说为了解耦，我们让每位员工通过行政领取（构造函数，属性，方法等），这种即使更改其他品牌，而小明压根不需要关心。</a:t>
+              <a:t>领域驱动设计</a:t>
             </a:r>
           </a:p>
         </p:txBody>
@@ -6466,7 +10286,7 @@
     </p:spTree>
     <p:extLst>
       <p:ext uri="{BB962C8B-B14F-4D97-AF65-F5344CB8AC3E}">
-        <p14:creationId xmlns:p14="http://schemas.microsoft.com/office/powerpoint/2010/main" val="3706756829"/>
+        <p14:creationId xmlns:p14="http://schemas.microsoft.com/office/powerpoint/2010/main" val="2411115026"/>
       </p:ext>
     </p:extLst>
   </p:cSld>
@@ -6498,7 +10318,7 @@
           <p:cNvPr id="2" name="标题 1">
             <a:extLst>
               <a:ext uri="{FF2B5EF4-FFF2-40B4-BE49-F238E27FC236}">
-                <a16:creationId xmlns:a16="http://schemas.microsoft.com/office/drawing/2014/main" id="{B5B7E4C5-A0D3-4304-A842-17246344335A}"/>
+                <a16:creationId xmlns:a16="http://schemas.microsoft.com/office/drawing/2014/main" id="{70A9206D-3D8D-4160-9EAE-0A8592061E29}"/>
               </a:ext>
             </a:extLst>
           </p:cNvPr>
@@ -6509,25 +10329,29 @@
             <p:ph type="title"/>
           </p:nvPr>
         </p:nvSpPr>
-        <p:spPr/>
+        <p:spPr>
+          <a:xfrm>
+            <a:off x="838200" y="365125"/>
+            <a:ext cx="10515600" cy="1325563"/>
+          </a:xfrm>
+        </p:spPr>
         <p:txBody>
           <a:bodyPr/>
           <a:lstStyle/>
           <a:p>
             <a:r>
-              <a:rPr lang="en-US" altLang="zh-CN" dirty="0"/>
-              <a:t>DDD(Domain Driven Design)</a:t>
-            </a:r>
-            <a:endParaRPr lang="zh-CN" altLang="en-US" dirty="0"/>
-          </a:p>
-        </p:txBody>
-      </p:sp>
-      <p:sp>
-        <p:nvSpPr>
-          <p:cNvPr id="3" name="内容占位符 2">
-            <a:extLst>
-              <a:ext uri="{FF2B5EF4-FFF2-40B4-BE49-F238E27FC236}">
-                <a16:creationId xmlns:a16="http://schemas.microsoft.com/office/drawing/2014/main" id="{347213F7-7AF0-4768-8B1A-CE0DBFB8D05F}"/>
+              <a:rPr lang="zh-CN" altLang="en-US" dirty="0"/>
+              <a:t>配置编程</a:t>
+            </a:r>
+          </a:p>
+        </p:txBody>
+      </p:sp>
+      <p:sp>
+        <p:nvSpPr>
+          <p:cNvPr id="6" name="内容占位符 5">
+            <a:extLst>
+              <a:ext uri="{FF2B5EF4-FFF2-40B4-BE49-F238E27FC236}">
+                <a16:creationId xmlns:a16="http://schemas.microsoft.com/office/drawing/2014/main" id="{0D234F5E-E859-4B15-BF46-71401D6B12ED}"/>
               </a:ext>
             </a:extLst>
           </p:cNvPr>
@@ -6538,25 +10362,137 @@
             <p:ph idx="1"/>
           </p:nvPr>
         </p:nvSpPr>
-        <p:spPr/>
-        <p:txBody>
-          <a:bodyPr/>
+        <p:spPr>
+          <a:xfrm>
+            <a:off x="838200" y="3871784"/>
+            <a:ext cx="10515600" cy="2305178"/>
+          </a:xfrm>
+        </p:spPr>
+        <p:txBody>
+          <a:bodyPr>
+            <a:normAutofit/>
+          </a:bodyPr>
           <a:lstStyle/>
           <a:p>
-            <a:pPr marL="0" indent="0">
-              <a:buNone/>
-            </a:pPr>
-            <a:r>
-              <a:rPr lang="zh-CN" altLang="en-US" dirty="0"/>
-              <a:t>领域驱动设计</a:t>
-            </a:r>
-          </a:p>
-        </p:txBody>
-      </p:sp>
+            <a:r>
+              <a:rPr lang="en-US" altLang="zh-CN" sz="2000" dirty="0" err="1">
+                <a:latin typeface="宋体" panose="02010600030101010101" pitchFamily="2" charset="-122"/>
+                <a:ea typeface="宋体" panose="02010600030101010101" pitchFamily="2" charset="-122"/>
+              </a:rPr>
+              <a:t>IConfigurationSource</a:t>
+            </a:r>
+            <a:r>
+              <a:rPr lang="zh-CN" altLang="en-US" sz="2000" dirty="0">
+                <a:latin typeface="宋体" panose="02010600030101010101" pitchFamily="2" charset="-122"/>
+                <a:ea typeface="宋体" panose="02010600030101010101" pitchFamily="2" charset="-122"/>
+              </a:rPr>
+              <a:t>：配置数据最原始的来源</a:t>
+            </a:r>
+            <a:endParaRPr lang="en-US" altLang="zh-CN" sz="2000" dirty="0">
+              <a:latin typeface="宋体" panose="02010600030101010101" pitchFamily="2" charset="-122"/>
+              <a:ea typeface="宋体" panose="02010600030101010101" pitchFamily="2" charset="-122"/>
+            </a:endParaRPr>
+          </a:p>
+          <a:p>
+            <a:r>
+              <a:rPr lang="en-US" altLang="zh-CN" sz="2000" dirty="0" err="1">
+                <a:latin typeface="宋体" panose="02010600030101010101" pitchFamily="2" charset="-122"/>
+                <a:ea typeface="宋体" panose="02010600030101010101" pitchFamily="2" charset="-122"/>
+              </a:rPr>
+              <a:t>IConfigurationBuilder</a:t>
+            </a:r>
+            <a:r>
+              <a:rPr lang="zh-CN" altLang="en-US" sz="2000" dirty="0">
+                <a:latin typeface="宋体" panose="02010600030101010101" pitchFamily="2" charset="-122"/>
+                <a:ea typeface="宋体" panose="02010600030101010101" pitchFamily="2" charset="-122"/>
+              </a:rPr>
+              <a:t>：是</a:t>
+            </a:r>
+            <a:r>
+              <a:rPr lang="en-US" altLang="zh-CN" sz="2000" dirty="0" err="1">
+                <a:latin typeface="宋体" panose="02010600030101010101" pitchFamily="2" charset="-122"/>
+                <a:ea typeface="宋体" panose="02010600030101010101" pitchFamily="2" charset="-122"/>
+              </a:rPr>
+              <a:t>IConfiguration</a:t>
+            </a:r>
+            <a:r>
+              <a:rPr lang="zh-CN" altLang="en-US" sz="2000" dirty="0">
+                <a:latin typeface="宋体" panose="02010600030101010101" pitchFamily="2" charset="-122"/>
+                <a:ea typeface="宋体" panose="02010600030101010101" pitchFamily="2" charset="-122"/>
+              </a:rPr>
+              <a:t>对象的构建者</a:t>
+            </a:r>
+            <a:endParaRPr lang="en-US" altLang="zh-CN" sz="2000" dirty="0">
+              <a:latin typeface="宋体" panose="02010600030101010101" pitchFamily="2" charset="-122"/>
+              <a:ea typeface="宋体" panose="02010600030101010101" pitchFamily="2" charset="-122"/>
+            </a:endParaRPr>
+          </a:p>
+          <a:p>
+            <a:r>
+              <a:rPr lang="en-US" altLang="zh-CN" sz="2000" dirty="0" err="1">
+                <a:latin typeface="宋体" panose="02010600030101010101" pitchFamily="2" charset="-122"/>
+                <a:ea typeface="宋体" panose="02010600030101010101" pitchFamily="2" charset="-122"/>
+              </a:rPr>
+              <a:t>Iconfiguration</a:t>
+            </a:r>
+            <a:r>
+              <a:rPr lang="zh-CN" altLang="en-US" sz="2000" dirty="0">
+                <a:latin typeface="宋体" panose="02010600030101010101" pitchFamily="2" charset="-122"/>
+                <a:ea typeface="宋体" panose="02010600030101010101" pitchFamily="2" charset="-122"/>
+              </a:rPr>
+              <a:t>：读取出来的配置信息最终会转换成一个</a:t>
+            </a:r>
+            <a:r>
+              <a:rPr lang="en-US" altLang="zh-CN" sz="2000" dirty="0" err="1">
+                <a:latin typeface="宋体" panose="02010600030101010101" pitchFamily="2" charset="-122"/>
+                <a:ea typeface="宋体" panose="02010600030101010101" pitchFamily="2" charset="-122"/>
+              </a:rPr>
+              <a:t>IConfiguration</a:t>
+            </a:r>
+            <a:r>
+              <a:rPr lang="zh-CN" altLang="en-US" sz="2000" dirty="0">
+                <a:latin typeface="宋体" panose="02010600030101010101" pitchFamily="2" charset="-122"/>
+                <a:ea typeface="宋体" panose="02010600030101010101" pitchFamily="2" charset="-122"/>
+              </a:rPr>
+              <a:t>对象</a:t>
+            </a:r>
+          </a:p>
+        </p:txBody>
+      </p:sp>
+      <p:pic>
+        <p:nvPicPr>
+          <p:cNvPr id="7" name="图片 6">
+            <a:extLst>
+              <a:ext uri="{FF2B5EF4-FFF2-40B4-BE49-F238E27FC236}">
+                <a16:creationId xmlns:a16="http://schemas.microsoft.com/office/drawing/2014/main" id="{D0EA487F-EAEF-479C-BAFC-7B418FD5B0D3}"/>
+              </a:ext>
+            </a:extLst>
+          </p:cNvPr>
+          <p:cNvPicPr>
+            <a:picLocks noChangeAspect="1"/>
+          </p:cNvPicPr>
+          <p:nvPr/>
+        </p:nvPicPr>
+        <p:blipFill>
+          <a:blip r:embed="rId2"/>
+          <a:stretch>
+            <a:fillRect/>
+          </a:stretch>
+        </p:blipFill>
+        <p:spPr>
+          <a:xfrm>
+            <a:off x="838200" y="1811209"/>
+            <a:ext cx="4200000" cy="1057143"/>
+          </a:xfrm>
+          <a:prstGeom prst="rect">
+            <a:avLst/>
+          </a:prstGeom>
+        </p:spPr>
+      </p:pic>
     </p:spTree>
     <p:extLst>
       <p:ext uri="{BB962C8B-B14F-4D97-AF65-F5344CB8AC3E}">
-        <p14:creationId xmlns:p14="http://schemas.microsoft.com/office/powerpoint/2010/main" val="2411115026"/>
+        <p14:creationId xmlns:p14="http://schemas.microsoft.com/office/powerpoint/2010/main" val="4048360175"/>
       </p:ext>
     </p:extLst>
   </p:cSld>
@@ -6588,7 +10524,7 @@
           <p:cNvPr id="2" name="标题 1">
             <a:extLst>
               <a:ext uri="{FF2B5EF4-FFF2-40B4-BE49-F238E27FC236}">
-                <a16:creationId xmlns:a16="http://schemas.microsoft.com/office/drawing/2014/main" id="{D0751570-0997-4AC0-97E4-93B869D272E1}"/>
+                <a16:creationId xmlns:a16="http://schemas.microsoft.com/office/drawing/2014/main" id="{88BA0F6E-35D9-4CBA-927D-237C89B4220A}"/>
               </a:ext>
             </a:extLst>
           </p:cNvPr>
@@ -6605,27 +10541,81 @@
           <a:lstStyle/>
           <a:p>
             <a:r>
-              <a:rPr lang="zh-CN" altLang="en-US" dirty="0"/>
-              <a:t>配置框架</a:t>
+              <a:rPr lang="en-US" altLang="zh-CN" dirty="0" err="1"/>
+              <a:t>IConfigurationProvider</a:t>
+            </a:r>
+            <a:endParaRPr lang="en-US" altLang="zh-CN" dirty="0"/>
+          </a:p>
+        </p:txBody>
+      </p:sp>
+      <p:sp>
+        <p:nvSpPr>
+          <p:cNvPr id="3" name="内容占位符 2">
+            <a:extLst>
+              <a:ext uri="{FF2B5EF4-FFF2-40B4-BE49-F238E27FC236}">
+                <a16:creationId xmlns:a16="http://schemas.microsoft.com/office/drawing/2014/main" id="{710AE987-36D2-4D26-89CF-686506450B82}"/>
+              </a:ext>
+            </a:extLst>
+          </p:cNvPr>
+          <p:cNvSpPr>
+            <a:spLocks noGrp="1"/>
+          </p:cNvSpPr>
+          <p:nvPr>
+            <p:ph idx="1"/>
+          </p:nvPr>
+        </p:nvSpPr>
+        <p:spPr>
+          <a:xfrm>
+            <a:off x="6590270" y="3015049"/>
+            <a:ext cx="4763530" cy="3161913"/>
+          </a:xfrm>
+        </p:spPr>
+        <p:txBody>
+          <a:bodyPr>
+            <a:normAutofit/>
+          </a:bodyPr>
+          <a:lstStyle/>
+          <a:p>
+            <a:pPr marL="0" indent="0">
+              <a:buNone/>
+            </a:pPr>
+            <a:r>
+              <a:rPr lang="zh-CN" altLang="en-US" sz="2400" dirty="0">
+                <a:latin typeface="宋体" panose="02010600030101010101" pitchFamily="2" charset="-122"/>
+                <a:ea typeface="宋体" panose="02010600030101010101" pitchFamily="2" charset="-122"/>
+              </a:rPr>
+              <a:t>针对不同配置源类型的</a:t>
+            </a:r>
+            <a:r>
+              <a:rPr lang="en-US" altLang="zh-CN" sz="2400" dirty="0" err="1">
+                <a:latin typeface="宋体" panose="02010600030101010101" pitchFamily="2" charset="-122"/>
+                <a:ea typeface="宋体" panose="02010600030101010101" pitchFamily="2" charset="-122"/>
+              </a:rPr>
+              <a:t>IConfigurationProvider</a:t>
+            </a:r>
+            <a:r>
+              <a:rPr lang="zh-CN" altLang="en-US" sz="2400" dirty="0">
+                <a:latin typeface="宋体" panose="02010600030101010101" pitchFamily="2" charset="-122"/>
+                <a:ea typeface="宋体" panose="02010600030101010101" pitchFamily="2" charset="-122"/>
+              </a:rPr>
+              <a:t>按照如下图所示的方式实现配置从原始结构向物理结构的转换。</a:t>
             </a:r>
           </a:p>
         </p:txBody>
       </p:sp>
       <p:pic>
         <p:nvPicPr>
-          <p:cNvPr id="4" name="内容占位符 3">
-            <a:extLst>
-              <a:ext uri="{FF2B5EF4-FFF2-40B4-BE49-F238E27FC236}">
-                <a16:creationId xmlns:a16="http://schemas.microsoft.com/office/drawing/2014/main" id="{EE01E517-D5F6-44AB-A18C-4C4178BDDF71}"/>
+          <p:cNvPr id="5" name="图片 4">
+            <a:extLst>
+              <a:ext uri="{FF2B5EF4-FFF2-40B4-BE49-F238E27FC236}">
+                <a16:creationId xmlns:a16="http://schemas.microsoft.com/office/drawing/2014/main" id="{13BDC3C5-24D4-4F9E-92E2-ADE935780734}"/>
               </a:ext>
             </a:extLst>
           </p:cNvPr>
           <p:cNvPicPr>
-            <a:picLocks noGrp="1" noChangeAspect="1"/>
+            <a:picLocks noChangeAspect="1"/>
           </p:cNvPicPr>
-          <p:nvPr>
-            <p:ph idx="1"/>
-          </p:nvPr>
+          <p:nvPr/>
         </p:nvPicPr>
         <p:blipFill>
           <a:blip r:embed="rId2"/>
@@ -6635,8 +10625,8 @@
         </p:blipFill>
         <p:spPr>
           <a:xfrm>
-            <a:off x="1956338" y="1822494"/>
-            <a:ext cx="7933333" cy="3780952"/>
+            <a:off x="838200" y="2276937"/>
+            <a:ext cx="4323809" cy="3276190"/>
           </a:xfrm>
           <a:prstGeom prst="rect">
             <a:avLst/>
@@ -6646,7 +10636,7 @@
     </p:spTree>
     <p:extLst>
       <p:ext uri="{BB962C8B-B14F-4D97-AF65-F5344CB8AC3E}">
-        <p14:creationId xmlns:p14="http://schemas.microsoft.com/office/powerpoint/2010/main" val="2876355083"/>
+        <p14:creationId xmlns:p14="http://schemas.microsoft.com/office/powerpoint/2010/main" val="341510213"/>
       </p:ext>
     </p:extLst>
   </p:cSld>
